--- a/site_web/maquette_site.pptx
+++ b/site_web/maquette_site.pptx
@@ -2,7 +2,7 @@
 <file path=ppt/presentation.xml><?xml version="1.0" encoding="utf-8"?>
 <p:presentation xmlns:a="http://schemas.openxmlformats.org/drawingml/2006/main" xmlns:r="http://schemas.openxmlformats.org/officeDocument/2006/relationships" xmlns:p="http://schemas.openxmlformats.org/presentationml/2006/main" saveSubsetFonts="1">
   <p:sldMasterIdLst>
-    <p:sldMasterId id="2147483648" r:id="rId1"/>
+    <p:sldMasterId id="2147483660" r:id="rId1"/>
   </p:sldMasterIdLst>
   <p:sldIdLst>
     <p:sldId id="256" r:id="rId2"/>
@@ -11,9 +11,9 @@
   <p:notesSz cx="6858000" cy="9144000"/>
   <p:defaultTextStyle>
     <a:defPPr>
-      <a:defRPr lang="fr-FR"/>
+      <a:defRPr lang="en-US"/>
     </a:defPPr>
-    <a:lvl1pPr marL="0" algn="l" defTabSz="914400" rtl="0" eaLnBrk="1" latinLnBrk="0" hangingPunct="1">
+    <a:lvl1pPr marL="0" algn="l" defTabSz="457200" rtl="0" eaLnBrk="1" latinLnBrk="0" hangingPunct="1">
       <a:defRPr sz="1800" kern="1200">
         <a:solidFill>
           <a:schemeClr val="tx1"/>
@@ -23,7 +23,7 @@
         <a:cs typeface="+mn-cs"/>
       </a:defRPr>
     </a:lvl1pPr>
-    <a:lvl2pPr marL="457200" algn="l" defTabSz="914400" rtl="0" eaLnBrk="1" latinLnBrk="0" hangingPunct="1">
+    <a:lvl2pPr marL="457200" algn="l" defTabSz="457200" rtl="0" eaLnBrk="1" latinLnBrk="0" hangingPunct="1">
       <a:defRPr sz="1800" kern="1200">
         <a:solidFill>
           <a:schemeClr val="tx1"/>
@@ -33,7 +33,7 @@
         <a:cs typeface="+mn-cs"/>
       </a:defRPr>
     </a:lvl2pPr>
-    <a:lvl3pPr marL="914400" algn="l" defTabSz="914400" rtl="0" eaLnBrk="1" latinLnBrk="0" hangingPunct="1">
+    <a:lvl3pPr marL="914400" algn="l" defTabSz="457200" rtl="0" eaLnBrk="1" latinLnBrk="0" hangingPunct="1">
       <a:defRPr sz="1800" kern="1200">
         <a:solidFill>
           <a:schemeClr val="tx1"/>
@@ -43,7 +43,7 @@
         <a:cs typeface="+mn-cs"/>
       </a:defRPr>
     </a:lvl3pPr>
-    <a:lvl4pPr marL="1371600" algn="l" defTabSz="914400" rtl="0" eaLnBrk="1" latinLnBrk="0" hangingPunct="1">
+    <a:lvl4pPr marL="1371600" algn="l" defTabSz="457200" rtl="0" eaLnBrk="1" latinLnBrk="0" hangingPunct="1">
       <a:defRPr sz="1800" kern="1200">
         <a:solidFill>
           <a:schemeClr val="tx1"/>
@@ -53,7 +53,7 @@
         <a:cs typeface="+mn-cs"/>
       </a:defRPr>
     </a:lvl4pPr>
-    <a:lvl5pPr marL="1828800" algn="l" defTabSz="914400" rtl="0" eaLnBrk="1" latinLnBrk="0" hangingPunct="1">
+    <a:lvl5pPr marL="1828800" algn="l" defTabSz="457200" rtl="0" eaLnBrk="1" latinLnBrk="0" hangingPunct="1">
       <a:defRPr sz="1800" kern="1200">
         <a:solidFill>
           <a:schemeClr val="tx1"/>
@@ -63,7 +63,7 @@
         <a:cs typeface="+mn-cs"/>
       </a:defRPr>
     </a:lvl5pPr>
-    <a:lvl6pPr marL="2286000" algn="l" defTabSz="914400" rtl="0" eaLnBrk="1" latinLnBrk="0" hangingPunct="1">
+    <a:lvl6pPr marL="2286000" algn="l" defTabSz="457200" rtl="0" eaLnBrk="1" latinLnBrk="0" hangingPunct="1">
       <a:defRPr sz="1800" kern="1200">
         <a:solidFill>
           <a:schemeClr val="tx1"/>
@@ -73,7 +73,7 @@
         <a:cs typeface="+mn-cs"/>
       </a:defRPr>
     </a:lvl6pPr>
-    <a:lvl7pPr marL="2743200" algn="l" defTabSz="914400" rtl="0" eaLnBrk="1" latinLnBrk="0" hangingPunct="1">
+    <a:lvl7pPr marL="2743200" algn="l" defTabSz="457200" rtl="0" eaLnBrk="1" latinLnBrk="0" hangingPunct="1">
       <a:defRPr sz="1800" kern="1200">
         <a:solidFill>
           <a:schemeClr val="tx1"/>
@@ -83,7 +83,7 @@
         <a:cs typeface="+mn-cs"/>
       </a:defRPr>
     </a:lvl7pPr>
-    <a:lvl8pPr marL="3200400" algn="l" defTabSz="914400" rtl="0" eaLnBrk="1" latinLnBrk="0" hangingPunct="1">
+    <a:lvl8pPr marL="3200400" algn="l" defTabSz="457200" rtl="0" eaLnBrk="1" latinLnBrk="0" hangingPunct="1">
       <a:defRPr sz="1800" kern="1200">
         <a:solidFill>
           <a:schemeClr val="tx1"/>
@@ -93,7 +93,7 @@
         <a:cs typeface="+mn-cs"/>
       </a:defRPr>
     </a:lvl8pPr>
-    <a:lvl9pPr marL="3657600" algn="l" defTabSz="914400" rtl="0" eaLnBrk="1" latinLnBrk="0" hangingPunct="1">
+    <a:lvl9pPr marL="3657600" algn="l" defTabSz="457200" rtl="0" eaLnBrk="1" latinLnBrk="0" hangingPunct="1">
       <a:defRPr sz="1800" kern="1200">
         <a:solidFill>
           <a:schemeClr val="tx1"/>
@@ -104,11 +104,16 @@
       </a:defRPr>
     </a:lvl9pPr>
   </p:defaultTextStyle>
+  <p:extLst>
+    <p:ext uri="{EFAFB233-063F-42B5-8137-9DF3F51BA10A}">
+      <p15:sldGuideLst xmlns:p15="http://schemas.microsoft.com/office/powerpoint/2012/main"/>
+    </p:ext>
+  </p:extLst>
 </p:presentation>
 </file>
 
 <file path=ppt/slideLayouts/slideLayout1.xml><?xml version="1.0" encoding="utf-8"?>
-<p:sldLayout xmlns:a="http://schemas.openxmlformats.org/drawingml/2006/main" xmlns:r="http://schemas.openxmlformats.org/officeDocument/2006/relationships" xmlns:p="http://schemas.openxmlformats.org/presentationml/2006/main" type="title" preserve="1">
+<p:sldLayout xmlns:a="http://schemas.openxmlformats.org/drawingml/2006/main" xmlns:r="http://schemas.openxmlformats.org/officeDocument/2006/relationships" xmlns:p="http://schemas.openxmlformats.org/presentationml/2006/main" showMasterSp="0" type="title" preserve="1">
   <p:cSld name="Diapositive de titre">
     <p:spTree>
       <p:nvGrpSpPr>
@@ -126,13 +131,7 @@
       </p:grpSpPr>
       <p:sp>
         <p:nvSpPr>
-          <p:cNvPr id="2" name="Titre 1">
-            <a:extLst>
-              <a:ext uri="{FF2B5EF4-FFF2-40B4-BE49-F238E27FC236}">
-                <a16:creationId xmlns:a16="http://schemas.microsoft.com/office/drawing/2014/main" id="{635C922E-E532-4209-B411-1A7B085443BB}"/>
-              </a:ext>
-            </a:extLst>
-          </p:cNvPr>
+          <p:cNvPr id="2" name="Title 1"/>
           <p:cNvSpPr>
             <a:spLocks noGrp="1"/>
           </p:cNvSpPr>
@@ -142,15 +141,19 @@
         </p:nvSpPr>
         <p:spPr>
           <a:xfrm>
-            <a:off x="1524000" y="1122363"/>
-            <a:ext cx="9144000" cy="2387600"/>
+            <a:off x="684212" y="685799"/>
+            <a:ext cx="8001000" cy="2971801"/>
           </a:xfrm>
         </p:spPr>
         <p:txBody>
-          <a:bodyPr anchor="b"/>
+          <a:bodyPr anchor="b">
+            <a:normAutofit/>
+          </a:bodyPr>
           <a:lstStyle>
-            <a:lvl1pPr algn="ctr">
-              <a:defRPr sz="6000"/>
+            <a:lvl1pPr algn="l">
+              <a:defRPr sz="4800">
+                <a:effectLst/>
+              </a:defRPr>
             </a:lvl1pPr>
           </a:lstStyle>
           <a:p>
@@ -158,18 +161,13 @@
               <a:rPr lang="fr-FR"/>
               <a:t>Modifiez le style du titre</a:t>
             </a:r>
-          </a:p>
-        </p:txBody>
-      </p:sp>
-      <p:sp>
-        <p:nvSpPr>
-          <p:cNvPr id="3" name="Sous-titre 2">
-            <a:extLst>
-              <a:ext uri="{FF2B5EF4-FFF2-40B4-BE49-F238E27FC236}">
-                <a16:creationId xmlns:a16="http://schemas.microsoft.com/office/drawing/2014/main" id="{6FA1E419-FC99-417D-A5F9-2ACE7980EAFB}"/>
-              </a:ext>
-            </a:extLst>
-          </p:cNvPr>
+            <a:endParaRPr lang="en-US" dirty="0"/>
+          </a:p>
+        </p:txBody>
+      </p:sp>
+      <p:sp>
+        <p:nvSpPr>
+          <p:cNvPr id="3" name="Subtitle 2"/>
           <p:cNvSpPr>
             <a:spLocks noGrp="1"/>
           </p:cNvSpPr>
@@ -179,48 +177,104 @@
         </p:nvSpPr>
         <p:spPr>
           <a:xfrm>
-            <a:off x="1524000" y="3602038"/>
-            <a:ext cx="9144000" cy="1655762"/>
+            <a:off x="684212" y="3843867"/>
+            <a:ext cx="6400800" cy="1947333"/>
           </a:xfrm>
         </p:spPr>
         <p:txBody>
-          <a:bodyPr/>
+          <a:bodyPr anchor="t">
+            <a:normAutofit/>
+          </a:bodyPr>
           <a:lstStyle>
-            <a:lvl1pPr marL="0" indent="0" algn="ctr">
-              <a:buNone/>
-              <a:defRPr sz="2400"/>
+            <a:lvl1pPr marL="0" indent="0" algn="l">
+              <a:buNone/>
+              <a:defRPr sz="2100">
+                <a:solidFill>
+                  <a:schemeClr val="bg2">
+                    <a:lumMod val="75000"/>
+                  </a:schemeClr>
+                </a:solidFill>
+              </a:defRPr>
             </a:lvl1pPr>
             <a:lvl2pPr marL="457200" indent="0" algn="ctr">
               <a:buNone/>
-              <a:defRPr sz="2000"/>
+              <a:defRPr>
+                <a:solidFill>
+                  <a:schemeClr val="tx1">
+                    <a:tint val="75000"/>
+                  </a:schemeClr>
+                </a:solidFill>
+              </a:defRPr>
             </a:lvl2pPr>
             <a:lvl3pPr marL="914400" indent="0" algn="ctr">
               <a:buNone/>
-              <a:defRPr sz="1800"/>
+              <a:defRPr>
+                <a:solidFill>
+                  <a:schemeClr val="tx1">
+                    <a:tint val="75000"/>
+                  </a:schemeClr>
+                </a:solidFill>
+              </a:defRPr>
             </a:lvl3pPr>
             <a:lvl4pPr marL="1371600" indent="0" algn="ctr">
               <a:buNone/>
-              <a:defRPr sz="1600"/>
+              <a:defRPr>
+                <a:solidFill>
+                  <a:schemeClr val="tx1">
+                    <a:tint val="75000"/>
+                  </a:schemeClr>
+                </a:solidFill>
+              </a:defRPr>
             </a:lvl4pPr>
             <a:lvl5pPr marL="1828800" indent="0" algn="ctr">
               <a:buNone/>
-              <a:defRPr sz="1600"/>
+              <a:defRPr>
+                <a:solidFill>
+                  <a:schemeClr val="tx1">
+                    <a:tint val="75000"/>
+                  </a:schemeClr>
+                </a:solidFill>
+              </a:defRPr>
             </a:lvl5pPr>
             <a:lvl6pPr marL="2286000" indent="0" algn="ctr">
               <a:buNone/>
-              <a:defRPr sz="1600"/>
+              <a:defRPr>
+                <a:solidFill>
+                  <a:schemeClr val="tx1">
+                    <a:tint val="75000"/>
+                  </a:schemeClr>
+                </a:solidFill>
+              </a:defRPr>
             </a:lvl6pPr>
             <a:lvl7pPr marL="2743200" indent="0" algn="ctr">
               <a:buNone/>
-              <a:defRPr sz="1600"/>
+              <a:defRPr>
+                <a:solidFill>
+                  <a:schemeClr val="tx1">
+                    <a:tint val="75000"/>
+                  </a:schemeClr>
+                </a:solidFill>
+              </a:defRPr>
             </a:lvl7pPr>
             <a:lvl8pPr marL="3200400" indent="0" algn="ctr">
               <a:buNone/>
-              <a:defRPr sz="1600"/>
+              <a:defRPr>
+                <a:solidFill>
+                  <a:schemeClr val="tx1">
+                    <a:tint val="75000"/>
+                  </a:schemeClr>
+                </a:solidFill>
+              </a:defRPr>
             </a:lvl8pPr>
             <a:lvl9pPr marL="3657600" indent="0" algn="ctr">
               <a:buNone/>
-              <a:defRPr sz="1600"/>
+              <a:defRPr>
+                <a:solidFill>
+                  <a:schemeClr val="tx1">
+                    <a:tint val="75000"/>
+                  </a:schemeClr>
+                </a:solidFill>
+              </a:defRPr>
             </a:lvl9pPr>
           </a:lstStyle>
           <a:p>
@@ -228,18 +282,13 @@
               <a:rPr lang="fr-FR"/>
               <a:t>Modifiez le style des sous-titres du masque</a:t>
             </a:r>
-          </a:p>
-        </p:txBody>
-      </p:sp>
-      <p:sp>
-        <p:nvSpPr>
-          <p:cNvPr id="4" name="Espace réservé de la date 3">
-            <a:extLst>
-              <a:ext uri="{FF2B5EF4-FFF2-40B4-BE49-F238E27FC236}">
-                <a16:creationId xmlns:a16="http://schemas.microsoft.com/office/drawing/2014/main" id="{F88D8233-3520-4719-9A6B-3365A9A485F6}"/>
-              </a:ext>
-            </a:extLst>
-          </p:cNvPr>
+            <a:endParaRPr lang="en-US" dirty="0"/>
+          </a:p>
+        </p:txBody>
+      </p:sp>
+      <p:sp>
+        <p:nvSpPr>
+          <p:cNvPr id="4" name="Date Placeholder 3"/>
           <p:cNvSpPr>
             <a:spLocks noGrp="1"/>
           </p:cNvSpPr>
@@ -262,13 +311,7 @@
       </p:sp>
       <p:sp>
         <p:nvSpPr>
-          <p:cNvPr id="5" name="Espace réservé du pied de page 4">
-            <a:extLst>
-              <a:ext uri="{FF2B5EF4-FFF2-40B4-BE49-F238E27FC236}">
-                <a16:creationId xmlns:a16="http://schemas.microsoft.com/office/drawing/2014/main" id="{A740777A-5D81-4EC0-8F06-5A45708D82AD}"/>
-              </a:ext>
-            </a:extLst>
-          </p:cNvPr>
+          <p:cNvPr id="5" name="Footer Placeholder 4"/>
           <p:cNvSpPr>
             <a:spLocks noGrp="1"/>
           </p:cNvSpPr>
@@ -287,13 +330,7 @@
       </p:sp>
       <p:sp>
         <p:nvSpPr>
-          <p:cNvPr id="6" name="Espace réservé du numéro de diapositive 5">
-            <a:extLst>
-              <a:ext uri="{FF2B5EF4-FFF2-40B4-BE49-F238E27FC236}">
-                <a16:creationId xmlns:a16="http://schemas.microsoft.com/office/drawing/2014/main" id="{DC07EE84-3C40-4725-8415-6C1D7BC01B79}"/>
-              </a:ext>
-            </a:extLst>
-          </p:cNvPr>
+          <p:cNvPr id="6" name="Slide Number Placeholder 5"/>
           <p:cNvSpPr>
             <a:spLocks noGrp="1"/>
           </p:cNvSpPr>
@@ -314,10 +351,185 @@
           </a:p>
         </p:txBody>
       </p:sp>
+      <p:cxnSp>
+        <p:nvCxnSpPr>
+          <p:cNvPr id="16" name="Straight Connector 15"/>
+          <p:cNvCxnSpPr/>
+          <p:nvPr/>
+        </p:nvCxnSpPr>
+        <p:spPr>
+          <a:xfrm flipH="1">
+            <a:off x="8228012" y="8467"/>
+            <a:ext cx="3810000" cy="3810000"/>
+          </a:xfrm>
+          <a:prstGeom prst="line">
+            <a:avLst/>
+          </a:prstGeom>
+          <a:ln w="12700">
+            <a:solidFill>
+              <a:schemeClr val="tx1"/>
+            </a:solidFill>
+          </a:ln>
+        </p:spPr>
+        <p:style>
+          <a:lnRef idx="2">
+            <a:schemeClr val="accent1"/>
+          </a:lnRef>
+          <a:fillRef idx="0">
+            <a:schemeClr val="accent1"/>
+          </a:fillRef>
+          <a:effectRef idx="1">
+            <a:schemeClr val="accent1"/>
+          </a:effectRef>
+          <a:fontRef idx="minor">
+            <a:schemeClr val="tx1"/>
+          </a:fontRef>
+        </p:style>
+      </p:cxnSp>
+      <p:cxnSp>
+        <p:nvCxnSpPr>
+          <p:cNvPr id="17" name="Straight Connector 16"/>
+          <p:cNvCxnSpPr/>
+          <p:nvPr/>
+        </p:nvCxnSpPr>
+        <p:spPr>
+          <a:xfrm flipH="1">
+            <a:off x="6108170" y="91545"/>
+            <a:ext cx="6080655" cy="6080655"/>
+          </a:xfrm>
+          <a:prstGeom prst="line">
+            <a:avLst/>
+          </a:prstGeom>
+          <a:ln w="12700">
+            <a:solidFill>
+              <a:schemeClr val="tx1"/>
+            </a:solidFill>
+          </a:ln>
+        </p:spPr>
+        <p:style>
+          <a:lnRef idx="2">
+            <a:schemeClr val="accent1"/>
+          </a:lnRef>
+          <a:fillRef idx="0">
+            <a:schemeClr val="accent1"/>
+          </a:fillRef>
+          <a:effectRef idx="1">
+            <a:schemeClr val="accent1"/>
+          </a:effectRef>
+          <a:fontRef idx="minor">
+            <a:schemeClr val="tx1"/>
+          </a:fontRef>
+        </p:style>
+      </p:cxnSp>
+      <p:cxnSp>
+        <p:nvCxnSpPr>
+          <p:cNvPr id="19" name="Straight Connector 18"/>
+          <p:cNvCxnSpPr/>
+          <p:nvPr/>
+        </p:nvCxnSpPr>
+        <p:spPr>
+          <a:xfrm flipH="1">
+            <a:off x="7235825" y="228600"/>
+            <a:ext cx="4953000" cy="4953000"/>
+          </a:xfrm>
+          <a:prstGeom prst="line">
+            <a:avLst/>
+          </a:prstGeom>
+          <a:ln w="12700">
+            <a:solidFill>
+              <a:schemeClr val="tx1"/>
+            </a:solidFill>
+          </a:ln>
+        </p:spPr>
+        <p:style>
+          <a:lnRef idx="2">
+            <a:schemeClr val="accent1"/>
+          </a:lnRef>
+          <a:fillRef idx="0">
+            <a:schemeClr val="accent1"/>
+          </a:fillRef>
+          <a:effectRef idx="1">
+            <a:schemeClr val="accent1"/>
+          </a:effectRef>
+          <a:fontRef idx="minor">
+            <a:schemeClr val="tx1"/>
+          </a:fontRef>
+        </p:style>
+      </p:cxnSp>
+      <p:cxnSp>
+        <p:nvCxnSpPr>
+          <p:cNvPr id="21" name="Straight Connector 20"/>
+          <p:cNvCxnSpPr/>
+          <p:nvPr/>
+        </p:nvCxnSpPr>
+        <p:spPr>
+          <a:xfrm flipH="1">
+            <a:off x="7335837" y="32278"/>
+            <a:ext cx="4852989" cy="4852989"/>
+          </a:xfrm>
+          <a:prstGeom prst="line">
+            <a:avLst/>
+          </a:prstGeom>
+          <a:ln w="31750">
+            <a:solidFill>
+              <a:schemeClr val="tx1"/>
+            </a:solidFill>
+          </a:ln>
+        </p:spPr>
+        <p:style>
+          <a:lnRef idx="2">
+            <a:schemeClr val="accent1"/>
+          </a:lnRef>
+          <a:fillRef idx="0">
+            <a:schemeClr val="accent1"/>
+          </a:fillRef>
+          <a:effectRef idx="1">
+            <a:schemeClr val="accent1"/>
+          </a:effectRef>
+          <a:fontRef idx="minor">
+            <a:schemeClr val="tx1"/>
+          </a:fontRef>
+        </p:style>
+      </p:cxnSp>
+      <p:cxnSp>
+        <p:nvCxnSpPr>
+          <p:cNvPr id="23" name="Straight Connector 22"/>
+          <p:cNvCxnSpPr/>
+          <p:nvPr/>
+        </p:nvCxnSpPr>
+        <p:spPr>
+          <a:xfrm flipH="1">
+            <a:off x="7845426" y="609601"/>
+            <a:ext cx="4343399" cy="4343399"/>
+          </a:xfrm>
+          <a:prstGeom prst="line">
+            <a:avLst/>
+          </a:prstGeom>
+          <a:ln w="31750">
+            <a:solidFill>
+              <a:schemeClr val="tx1"/>
+            </a:solidFill>
+          </a:ln>
+        </p:spPr>
+        <p:style>
+          <a:lnRef idx="2">
+            <a:schemeClr val="accent1"/>
+          </a:lnRef>
+          <a:fillRef idx="0">
+            <a:schemeClr val="accent1"/>
+          </a:fillRef>
+          <a:effectRef idx="1">
+            <a:schemeClr val="accent1"/>
+          </a:effectRef>
+          <a:fontRef idx="minor">
+            <a:schemeClr val="tx1"/>
+          </a:fontRef>
+        </p:style>
+      </p:cxnSp>
     </p:spTree>
     <p:extLst>
       <p:ext uri="{BB962C8B-B14F-4D97-AF65-F5344CB8AC3E}">
-        <p14:creationId xmlns:p14="http://schemas.microsoft.com/office/powerpoint/2010/main" val="2811115258"/>
+        <p14:creationId xmlns:p14="http://schemas.microsoft.com/office/powerpoint/2010/main" val="2666476689"/>
       </p:ext>
     </p:extLst>
   </p:cSld>
@@ -328,6 +540,1812 @@
 </file>
 
 <file path=ppt/slideLayouts/slideLayout10.xml><?xml version="1.0" encoding="utf-8"?>
+<p:sldLayout xmlns:a="http://schemas.openxmlformats.org/drawingml/2006/main" xmlns:r="http://schemas.openxmlformats.org/officeDocument/2006/relationships" xmlns:p="http://schemas.openxmlformats.org/presentationml/2006/main" preserve="1">
+  <p:cSld name="Image panoramique avec légende">
+    <p:spTree>
+      <p:nvGrpSpPr>
+        <p:cNvPr id="1" name=""/>
+        <p:cNvGrpSpPr/>
+        <p:nvPr/>
+      </p:nvGrpSpPr>
+      <p:grpSpPr>
+        <a:xfrm>
+          <a:off x="0" y="0"/>
+          <a:ext cx="0" cy="0"/>
+          <a:chOff x="0" y="0"/>
+          <a:chExt cx="0" cy="0"/>
+        </a:xfrm>
+      </p:grpSpPr>
+      <p:sp>
+        <p:nvSpPr>
+          <p:cNvPr id="2" name="Title 1"/>
+          <p:cNvSpPr>
+            <a:spLocks noGrp="1"/>
+          </p:cNvSpPr>
+          <p:nvPr>
+            <p:ph type="title"/>
+          </p:nvPr>
+        </p:nvSpPr>
+        <p:spPr/>
+        <p:txBody>
+          <a:bodyPr/>
+          <a:lstStyle/>
+          <a:p>
+            <a:r>
+              <a:rPr lang="fr-FR"/>
+              <a:t>Modifiez le style du titre</a:t>
+            </a:r>
+            <a:endParaRPr lang="en-US" dirty="0"/>
+          </a:p>
+        </p:txBody>
+      </p:sp>
+      <p:sp>
+        <p:nvSpPr>
+          <p:cNvPr id="17" name="Picture Placeholder 2"/>
+          <p:cNvSpPr>
+            <a:spLocks noGrp="1" noChangeAspect="1"/>
+          </p:cNvSpPr>
+          <p:nvPr>
+            <p:ph type="pic" idx="13"/>
+          </p:nvPr>
+        </p:nvSpPr>
+        <p:spPr>
+          <a:xfrm>
+            <a:off x="685800" y="533400"/>
+            <a:ext cx="10818812" cy="3124200"/>
+          </a:xfrm>
+          <a:prstGeom prst="snip2DiagRect">
+            <a:avLst>
+              <a:gd name="adj1" fmla="val 10815"/>
+              <a:gd name="adj2" fmla="val 0"/>
+            </a:avLst>
+          </a:prstGeom>
+          <a:ln w="15875">
+            <a:solidFill>
+              <a:schemeClr val="tx1">
+                <a:alpha val="40000"/>
+              </a:schemeClr>
+            </a:solidFill>
+          </a:ln>
+          <a:effectLst>
+            <a:innerShdw blurRad="57150" dist="38100" dir="14460000">
+              <a:srgbClr val="000000">
+                <a:alpha val="70000"/>
+              </a:srgbClr>
+            </a:innerShdw>
+          </a:effectLst>
+        </p:spPr>
+        <p:txBody>
+          <a:bodyPr anchor="t">
+            <a:normAutofit/>
+          </a:bodyPr>
+          <a:lstStyle>
+            <a:lvl1pPr marL="0" indent="0" algn="ctr">
+              <a:buNone/>
+              <a:defRPr sz="1600"/>
+            </a:lvl1pPr>
+            <a:lvl2pPr marL="457200" indent="0">
+              <a:buNone/>
+              <a:defRPr sz="1600"/>
+            </a:lvl2pPr>
+            <a:lvl3pPr marL="914400" indent="0">
+              <a:buNone/>
+              <a:defRPr sz="1600"/>
+            </a:lvl3pPr>
+            <a:lvl4pPr marL="1371600" indent="0">
+              <a:buNone/>
+              <a:defRPr sz="1600"/>
+            </a:lvl4pPr>
+            <a:lvl5pPr marL="1828800" indent="0">
+              <a:buNone/>
+              <a:defRPr sz="1600"/>
+            </a:lvl5pPr>
+            <a:lvl6pPr marL="2286000" indent="0">
+              <a:buNone/>
+              <a:defRPr sz="1600"/>
+            </a:lvl6pPr>
+            <a:lvl7pPr marL="2743200" indent="0">
+              <a:buNone/>
+              <a:defRPr sz="1600"/>
+            </a:lvl7pPr>
+            <a:lvl8pPr marL="3200400" indent="0">
+              <a:buNone/>
+              <a:defRPr sz="1600"/>
+            </a:lvl8pPr>
+            <a:lvl9pPr marL="3657600" indent="0">
+              <a:buNone/>
+              <a:defRPr sz="1600"/>
+            </a:lvl9pPr>
+          </a:lstStyle>
+          <a:p>
+            <a:r>
+              <a:rPr lang="fr-FR"/>
+              <a:t>Cliquez sur l'icône pour ajouter une image</a:t>
+            </a:r>
+            <a:endParaRPr lang="en-US" dirty="0"/>
+          </a:p>
+        </p:txBody>
+      </p:sp>
+      <p:sp>
+        <p:nvSpPr>
+          <p:cNvPr id="16" name="Text Placeholder 9"/>
+          <p:cNvSpPr>
+            <a:spLocks noGrp="1"/>
+          </p:cNvSpPr>
+          <p:nvPr>
+            <p:ph type="body" sz="quarter" idx="14"/>
+          </p:nvPr>
+        </p:nvSpPr>
+        <p:spPr>
+          <a:xfrm>
+            <a:off x="914402" y="3843867"/>
+            <a:ext cx="8304210" cy="457200"/>
+          </a:xfrm>
+        </p:spPr>
+        <p:txBody>
+          <a:bodyPr anchor="t">
+            <a:normAutofit/>
+          </a:bodyPr>
+          <a:lstStyle>
+            <a:lvl1pPr marL="0" indent="0">
+              <a:buFontTx/>
+              <a:buNone/>
+              <a:defRPr sz="1600"/>
+            </a:lvl1pPr>
+            <a:lvl2pPr marL="457200" indent="0">
+              <a:buFontTx/>
+              <a:buNone/>
+              <a:defRPr/>
+            </a:lvl2pPr>
+            <a:lvl3pPr marL="914400" indent="0">
+              <a:buFontTx/>
+              <a:buNone/>
+              <a:defRPr/>
+            </a:lvl3pPr>
+            <a:lvl4pPr marL="1371600" indent="0">
+              <a:buFontTx/>
+              <a:buNone/>
+              <a:defRPr/>
+            </a:lvl4pPr>
+            <a:lvl5pPr marL="1828800" indent="0">
+              <a:buFontTx/>
+              <a:buNone/>
+              <a:defRPr/>
+            </a:lvl5pPr>
+          </a:lstStyle>
+          <a:p>
+            <a:pPr lvl="0"/>
+            <a:r>
+              <a:rPr lang="fr-FR"/>
+              <a:t>Cliquez pour modifier les styles du texte du masque</a:t>
+            </a:r>
+          </a:p>
+        </p:txBody>
+      </p:sp>
+      <p:sp>
+        <p:nvSpPr>
+          <p:cNvPr id="3" name="Date Placeholder 2"/>
+          <p:cNvSpPr>
+            <a:spLocks noGrp="1"/>
+          </p:cNvSpPr>
+          <p:nvPr>
+            <p:ph type="dt" sz="half" idx="10"/>
+          </p:nvPr>
+        </p:nvSpPr>
+        <p:spPr/>
+        <p:txBody>
+          <a:bodyPr/>
+          <a:lstStyle/>
+          <a:p>
+            <a:fld id="{5108BEF6-780E-43A8-BB46-E5A88A7B14A7}" type="datetimeFigureOut">
+              <a:rPr lang="fr-FR" smtClean="0"/>
+              <a:t>30/09/2025</a:t>
+            </a:fld>
+            <a:endParaRPr lang="fr-FR"/>
+          </a:p>
+        </p:txBody>
+      </p:sp>
+      <p:sp>
+        <p:nvSpPr>
+          <p:cNvPr id="4" name="Footer Placeholder 3"/>
+          <p:cNvSpPr>
+            <a:spLocks noGrp="1"/>
+          </p:cNvSpPr>
+          <p:nvPr>
+            <p:ph type="ftr" sz="quarter" idx="11"/>
+          </p:nvPr>
+        </p:nvSpPr>
+        <p:spPr/>
+        <p:txBody>
+          <a:bodyPr/>
+          <a:lstStyle/>
+          <a:p>
+            <a:endParaRPr lang="fr-FR"/>
+          </a:p>
+        </p:txBody>
+      </p:sp>
+      <p:sp>
+        <p:nvSpPr>
+          <p:cNvPr id="5" name="Slide Number Placeholder 4"/>
+          <p:cNvSpPr>
+            <a:spLocks noGrp="1"/>
+          </p:cNvSpPr>
+          <p:nvPr>
+            <p:ph type="sldNum" sz="quarter" idx="12"/>
+          </p:nvPr>
+        </p:nvSpPr>
+        <p:spPr/>
+        <p:txBody>
+          <a:bodyPr/>
+          <a:lstStyle/>
+          <a:p>
+            <a:fld id="{FE80100D-9847-465C-8667-9C98642015B3}" type="slidenum">
+              <a:rPr lang="fr-FR" smtClean="0"/>
+              <a:t>‹N°›</a:t>
+            </a:fld>
+            <a:endParaRPr lang="fr-FR"/>
+          </a:p>
+        </p:txBody>
+      </p:sp>
+    </p:spTree>
+    <p:extLst>
+      <p:ext uri="{BB962C8B-B14F-4D97-AF65-F5344CB8AC3E}">
+        <p14:creationId xmlns:p14="http://schemas.microsoft.com/office/powerpoint/2010/main" val="1005794648"/>
+      </p:ext>
+    </p:extLst>
+  </p:cSld>
+  <p:clrMapOvr>
+    <a:masterClrMapping/>
+  </p:clrMapOvr>
+</p:sldLayout>
+</file>
+
+<file path=ppt/slideLayouts/slideLayout11.xml><?xml version="1.0" encoding="utf-8"?>
+<p:sldLayout xmlns:a="http://schemas.openxmlformats.org/drawingml/2006/main" xmlns:r="http://schemas.openxmlformats.org/officeDocument/2006/relationships" xmlns:p="http://schemas.openxmlformats.org/presentationml/2006/main" preserve="1">
+  <p:cSld name="Titre et légende">
+    <p:spTree>
+      <p:nvGrpSpPr>
+        <p:cNvPr id="1" name=""/>
+        <p:cNvGrpSpPr/>
+        <p:nvPr/>
+      </p:nvGrpSpPr>
+      <p:grpSpPr>
+        <a:xfrm>
+          <a:off x="0" y="0"/>
+          <a:ext cx="0" cy="0"/>
+          <a:chOff x="0" y="0"/>
+          <a:chExt cx="0" cy="0"/>
+        </a:xfrm>
+      </p:grpSpPr>
+      <p:sp>
+        <p:nvSpPr>
+          <p:cNvPr id="2" name="Title 1"/>
+          <p:cNvSpPr>
+            <a:spLocks noGrp="1"/>
+          </p:cNvSpPr>
+          <p:nvPr>
+            <p:ph type="title"/>
+          </p:nvPr>
+        </p:nvSpPr>
+        <p:spPr>
+          <a:xfrm>
+            <a:off x="684213" y="685800"/>
+            <a:ext cx="10058400" cy="2743200"/>
+          </a:xfrm>
+        </p:spPr>
+        <p:txBody>
+          <a:bodyPr anchor="ctr">
+            <a:normAutofit/>
+          </a:bodyPr>
+          <a:lstStyle>
+            <a:lvl1pPr algn="l">
+              <a:defRPr sz="3200" b="0" cap="all"/>
+            </a:lvl1pPr>
+          </a:lstStyle>
+          <a:p>
+            <a:r>
+              <a:rPr lang="fr-FR"/>
+              <a:t>Modifiez le style du titre</a:t>
+            </a:r>
+            <a:endParaRPr lang="en-US" dirty="0"/>
+          </a:p>
+        </p:txBody>
+      </p:sp>
+      <p:sp>
+        <p:nvSpPr>
+          <p:cNvPr id="3" name="Text Placeholder 2"/>
+          <p:cNvSpPr>
+            <a:spLocks noGrp="1"/>
+          </p:cNvSpPr>
+          <p:nvPr>
+            <p:ph type="body" idx="1"/>
+          </p:nvPr>
+        </p:nvSpPr>
+        <p:spPr>
+          <a:xfrm>
+            <a:off x="684212" y="4114800"/>
+            <a:ext cx="8535988" cy="1879600"/>
+          </a:xfrm>
+        </p:spPr>
+        <p:txBody>
+          <a:bodyPr anchor="ctr">
+            <a:normAutofit/>
+          </a:bodyPr>
+          <a:lstStyle>
+            <a:lvl1pPr marL="0" indent="0" algn="l">
+              <a:buNone/>
+              <a:defRPr sz="2000">
+                <a:solidFill>
+                  <a:schemeClr val="bg2">
+                    <a:lumMod val="75000"/>
+                  </a:schemeClr>
+                </a:solidFill>
+              </a:defRPr>
+            </a:lvl1pPr>
+            <a:lvl2pPr marL="457200" indent="0">
+              <a:buNone/>
+              <a:defRPr sz="1800">
+                <a:solidFill>
+                  <a:schemeClr val="tx1">
+                    <a:tint val="75000"/>
+                  </a:schemeClr>
+                </a:solidFill>
+              </a:defRPr>
+            </a:lvl2pPr>
+            <a:lvl3pPr marL="914400" indent="0">
+              <a:buNone/>
+              <a:defRPr sz="1600">
+                <a:solidFill>
+                  <a:schemeClr val="tx1">
+                    <a:tint val="75000"/>
+                  </a:schemeClr>
+                </a:solidFill>
+              </a:defRPr>
+            </a:lvl3pPr>
+            <a:lvl4pPr marL="1371600" indent="0">
+              <a:buNone/>
+              <a:defRPr sz="1400">
+                <a:solidFill>
+                  <a:schemeClr val="tx1">
+                    <a:tint val="75000"/>
+                  </a:schemeClr>
+                </a:solidFill>
+              </a:defRPr>
+            </a:lvl4pPr>
+            <a:lvl5pPr marL="1828800" indent="0">
+              <a:buNone/>
+              <a:defRPr sz="1400">
+                <a:solidFill>
+                  <a:schemeClr val="tx1">
+                    <a:tint val="75000"/>
+                  </a:schemeClr>
+                </a:solidFill>
+              </a:defRPr>
+            </a:lvl5pPr>
+            <a:lvl6pPr marL="2286000" indent="0">
+              <a:buNone/>
+              <a:defRPr sz="1400">
+                <a:solidFill>
+                  <a:schemeClr val="tx1">
+                    <a:tint val="75000"/>
+                  </a:schemeClr>
+                </a:solidFill>
+              </a:defRPr>
+            </a:lvl6pPr>
+            <a:lvl7pPr marL="2743200" indent="0">
+              <a:buNone/>
+              <a:defRPr sz="1400">
+                <a:solidFill>
+                  <a:schemeClr val="tx1">
+                    <a:tint val="75000"/>
+                  </a:schemeClr>
+                </a:solidFill>
+              </a:defRPr>
+            </a:lvl7pPr>
+            <a:lvl8pPr marL="3200400" indent="0">
+              <a:buNone/>
+              <a:defRPr sz="1400">
+                <a:solidFill>
+                  <a:schemeClr val="tx1">
+                    <a:tint val="75000"/>
+                  </a:schemeClr>
+                </a:solidFill>
+              </a:defRPr>
+            </a:lvl8pPr>
+            <a:lvl9pPr marL="3657600" indent="0">
+              <a:buNone/>
+              <a:defRPr sz="1400">
+                <a:solidFill>
+                  <a:schemeClr val="tx1">
+                    <a:tint val="75000"/>
+                  </a:schemeClr>
+                </a:solidFill>
+              </a:defRPr>
+            </a:lvl9pPr>
+          </a:lstStyle>
+          <a:p>
+            <a:pPr lvl="0"/>
+            <a:r>
+              <a:rPr lang="fr-FR"/>
+              <a:t>Cliquez pour modifier les styles du texte du masque</a:t>
+            </a:r>
+          </a:p>
+        </p:txBody>
+      </p:sp>
+      <p:sp>
+        <p:nvSpPr>
+          <p:cNvPr id="4" name="Date Placeholder 3"/>
+          <p:cNvSpPr>
+            <a:spLocks noGrp="1"/>
+          </p:cNvSpPr>
+          <p:nvPr>
+            <p:ph type="dt" sz="half" idx="10"/>
+          </p:nvPr>
+        </p:nvSpPr>
+        <p:spPr/>
+        <p:txBody>
+          <a:bodyPr/>
+          <a:lstStyle/>
+          <a:p>
+            <a:fld id="{5108BEF6-780E-43A8-BB46-E5A88A7B14A7}" type="datetimeFigureOut">
+              <a:rPr lang="fr-FR" smtClean="0"/>
+              <a:t>30/09/2025</a:t>
+            </a:fld>
+            <a:endParaRPr lang="fr-FR"/>
+          </a:p>
+        </p:txBody>
+      </p:sp>
+      <p:sp>
+        <p:nvSpPr>
+          <p:cNvPr id="5" name="Footer Placeholder 4"/>
+          <p:cNvSpPr>
+            <a:spLocks noGrp="1"/>
+          </p:cNvSpPr>
+          <p:nvPr>
+            <p:ph type="ftr" sz="quarter" idx="11"/>
+          </p:nvPr>
+        </p:nvSpPr>
+        <p:spPr/>
+        <p:txBody>
+          <a:bodyPr/>
+          <a:lstStyle/>
+          <a:p>
+            <a:endParaRPr lang="fr-FR"/>
+          </a:p>
+        </p:txBody>
+      </p:sp>
+      <p:sp>
+        <p:nvSpPr>
+          <p:cNvPr id="6" name="Slide Number Placeholder 5"/>
+          <p:cNvSpPr>
+            <a:spLocks noGrp="1"/>
+          </p:cNvSpPr>
+          <p:nvPr>
+            <p:ph type="sldNum" sz="quarter" idx="12"/>
+          </p:nvPr>
+        </p:nvSpPr>
+        <p:spPr/>
+        <p:txBody>
+          <a:bodyPr/>
+          <a:lstStyle/>
+          <a:p>
+            <a:fld id="{FE80100D-9847-465C-8667-9C98642015B3}" type="slidenum">
+              <a:rPr lang="fr-FR" smtClean="0"/>
+              <a:t>‹N°›</a:t>
+            </a:fld>
+            <a:endParaRPr lang="fr-FR"/>
+          </a:p>
+        </p:txBody>
+      </p:sp>
+    </p:spTree>
+    <p:extLst>
+      <p:ext uri="{BB962C8B-B14F-4D97-AF65-F5344CB8AC3E}">
+        <p14:creationId xmlns:p14="http://schemas.microsoft.com/office/powerpoint/2010/main" val="1619997494"/>
+      </p:ext>
+    </p:extLst>
+  </p:cSld>
+  <p:clrMapOvr>
+    <a:masterClrMapping/>
+  </p:clrMapOvr>
+</p:sldLayout>
+</file>
+
+<file path=ppt/slideLayouts/slideLayout12.xml><?xml version="1.0" encoding="utf-8"?>
+<p:sldLayout xmlns:a="http://schemas.openxmlformats.org/drawingml/2006/main" xmlns:r="http://schemas.openxmlformats.org/officeDocument/2006/relationships" xmlns:p="http://schemas.openxmlformats.org/presentationml/2006/main" preserve="1">
+  <p:cSld name="Citation avec légende">
+    <p:spTree>
+      <p:nvGrpSpPr>
+        <p:cNvPr id="1" name=""/>
+        <p:cNvGrpSpPr/>
+        <p:nvPr/>
+      </p:nvGrpSpPr>
+      <p:grpSpPr>
+        <a:xfrm>
+          <a:off x="0" y="0"/>
+          <a:ext cx="0" cy="0"/>
+          <a:chOff x="0" y="0"/>
+          <a:chExt cx="0" cy="0"/>
+        </a:xfrm>
+      </p:grpSpPr>
+      <p:sp>
+        <p:nvSpPr>
+          <p:cNvPr id="2" name="Title 1"/>
+          <p:cNvSpPr>
+            <a:spLocks noGrp="1"/>
+          </p:cNvSpPr>
+          <p:nvPr>
+            <p:ph type="title"/>
+          </p:nvPr>
+        </p:nvSpPr>
+        <p:spPr>
+          <a:xfrm>
+            <a:off x="1141411" y="685800"/>
+            <a:ext cx="9144001" cy="2743200"/>
+          </a:xfrm>
+        </p:spPr>
+        <p:txBody>
+          <a:bodyPr anchor="ctr">
+            <a:normAutofit/>
+          </a:bodyPr>
+          <a:lstStyle>
+            <a:lvl1pPr algn="l">
+              <a:defRPr sz="3200" b="0" cap="all">
+                <a:solidFill>
+                  <a:schemeClr val="tx1"/>
+                </a:solidFill>
+              </a:defRPr>
+            </a:lvl1pPr>
+          </a:lstStyle>
+          <a:p>
+            <a:r>
+              <a:rPr lang="fr-FR"/>
+              <a:t>Modifiez le style du titre</a:t>
+            </a:r>
+            <a:endParaRPr lang="en-US" dirty="0"/>
+          </a:p>
+        </p:txBody>
+      </p:sp>
+      <p:sp>
+        <p:nvSpPr>
+          <p:cNvPr id="10" name="Text Placeholder 9"/>
+          <p:cNvSpPr>
+            <a:spLocks noGrp="1"/>
+          </p:cNvSpPr>
+          <p:nvPr>
+            <p:ph type="body" sz="quarter" idx="13"/>
+          </p:nvPr>
+        </p:nvSpPr>
+        <p:spPr>
+          <a:xfrm>
+            <a:off x="1446212" y="3429000"/>
+            <a:ext cx="8534400" cy="381000"/>
+          </a:xfrm>
+        </p:spPr>
+        <p:txBody>
+          <a:bodyPr anchor="ctr"/>
+          <a:lstStyle>
+            <a:lvl1pPr marL="0" indent="0">
+              <a:buFontTx/>
+              <a:buNone/>
+              <a:defRPr/>
+            </a:lvl1pPr>
+            <a:lvl2pPr marL="457200" indent="0">
+              <a:buFontTx/>
+              <a:buNone/>
+              <a:defRPr/>
+            </a:lvl2pPr>
+            <a:lvl3pPr marL="914400" indent="0">
+              <a:buFontTx/>
+              <a:buNone/>
+              <a:defRPr/>
+            </a:lvl3pPr>
+            <a:lvl4pPr marL="1371600" indent="0">
+              <a:buFontTx/>
+              <a:buNone/>
+              <a:defRPr/>
+            </a:lvl4pPr>
+            <a:lvl5pPr marL="1828800" indent="0">
+              <a:buFontTx/>
+              <a:buNone/>
+              <a:defRPr/>
+            </a:lvl5pPr>
+          </a:lstStyle>
+          <a:p>
+            <a:pPr lvl="0"/>
+            <a:r>
+              <a:rPr lang="fr-FR"/>
+              <a:t>Cliquez pour modifier les styles du texte du masque</a:t>
+            </a:r>
+          </a:p>
+        </p:txBody>
+      </p:sp>
+      <p:sp>
+        <p:nvSpPr>
+          <p:cNvPr id="3" name="Text Placeholder 2"/>
+          <p:cNvSpPr>
+            <a:spLocks noGrp="1"/>
+          </p:cNvSpPr>
+          <p:nvPr>
+            <p:ph type="body" idx="1"/>
+          </p:nvPr>
+        </p:nvSpPr>
+        <p:spPr>
+          <a:xfrm>
+            <a:off x="684213" y="4301067"/>
+            <a:ext cx="8534400" cy="1684865"/>
+          </a:xfrm>
+        </p:spPr>
+        <p:txBody>
+          <a:bodyPr anchor="ctr">
+            <a:normAutofit/>
+          </a:bodyPr>
+          <a:lstStyle>
+            <a:lvl1pPr marL="0" indent="0" algn="l">
+              <a:buNone/>
+              <a:defRPr sz="2000">
+                <a:solidFill>
+                  <a:schemeClr val="bg2">
+                    <a:lumMod val="75000"/>
+                  </a:schemeClr>
+                </a:solidFill>
+              </a:defRPr>
+            </a:lvl1pPr>
+            <a:lvl2pPr marL="457200" indent="0">
+              <a:buNone/>
+              <a:defRPr sz="1800">
+                <a:solidFill>
+                  <a:schemeClr val="tx1">
+                    <a:tint val="75000"/>
+                  </a:schemeClr>
+                </a:solidFill>
+              </a:defRPr>
+            </a:lvl2pPr>
+            <a:lvl3pPr marL="914400" indent="0">
+              <a:buNone/>
+              <a:defRPr sz="1600">
+                <a:solidFill>
+                  <a:schemeClr val="tx1">
+                    <a:tint val="75000"/>
+                  </a:schemeClr>
+                </a:solidFill>
+              </a:defRPr>
+            </a:lvl3pPr>
+            <a:lvl4pPr marL="1371600" indent="0">
+              <a:buNone/>
+              <a:defRPr sz="1400">
+                <a:solidFill>
+                  <a:schemeClr val="tx1">
+                    <a:tint val="75000"/>
+                  </a:schemeClr>
+                </a:solidFill>
+              </a:defRPr>
+            </a:lvl4pPr>
+            <a:lvl5pPr marL="1828800" indent="0">
+              <a:buNone/>
+              <a:defRPr sz="1400">
+                <a:solidFill>
+                  <a:schemeClr val="tx1">
+                    <a:tint val="75000"/>
+                  </a:schemeClr>
+                </a:solidFill>
+              </a:defRPr>
+            </a:lvl5pPr>
+            <a:lvl6pPr marL="2286000" indent="0">
+              <a:buNone/>
+              <a:defRPr sz="1400">
+                <a:solidFill>
+                  <a:schemeClr val="tx1">
+                    <a:tint val="75000"/>
+                  </a:schemeClr>
+                </a:solidFill>
+              </a:defRPr>
+            </a:lvl6pPr>
+            <a:lvl7pPr marL="2743200" indent="0">
+              <a:buNone/>
+              <a:defRPr sz="1400">
+                <a:solidFill>
+                  <a:schemeClr val="tx1">
+                    <a:tint val="75000"/>
+                  </a:schemeClr>
+                </a:solidFill>
+              </a:defRPr>
+            </a:lvl7pPr>
+            <a:lvl8pPr marL="3200400" indent="0">
+              <a:buNone/>
+              <a:defRPr sz="1400">
+                <a:solidFill>
+                  <a:schemeClr val="tx1">
+                    <a:tint val="75000"/>
+                  </a:schemeClr>
+                </a:solidFill>
+              </a:defRPr>
+            </a:lvl8pPr>
+            <a:lvl9pPr marL="3657600" indent="0">
+              <a:buNone/>
+              <a:defRPr sz="1400">
+                <a:solidFill>
+                  <a:schemeClr val="tx1">
+                    <a:tint val="75000"/>
+                  </a:schemeClr>
+                </a:solidFill>
+              </a:defRPr>
+            </a:lvl9pPr>
+          </a:lstStyle>
+          <a:p>
+            <a:pPr lvl="0"/>
+            <a:r>
+              <a:rPr lang="fr-FR"/>
+              <a:t>Cliquez pour modifier les styles du texte du masque</a:t>
+            </a:r>
+          </a:p>
+        </p:txBody>
+      </p:sp>
+      <p:sp>
+        <p:nvSpPr>
+          <p:cNvPr id="4" name="Date Placeholder 3"/>
+          <p:cNvSpPr>
+            <a:spLocks noGrp="1"/>
+          </p:cNvSpPr>
+          <p:nvPr>
+            <p:ph type="dt" sz="half" idx="10"/>
+          </p:nvPr>
+        </p:nvSpPr>
+        <p:spPr/>
+        <p:txBody>
+          <a:bodyPr/>
+          <a:lstStyle/>
+          <a:p>
+            <a:fld id="{5108BEF6-780E-43A8-BB46-E5A88A7B14A7}" type="datetimeFigureOut">
+              <a:rPr lang="fr-FR" smtClean="0"/>
+              <a:t>30/09/2025</a:t>
+            </a:fld>
+            <a:endParaRPr lang="fr-FR"/>
+          </a:p>
+        </p:txBody>
+      </p:sp>
+      <p:sp>
+        <p:nvSpPr>
+          <p:cNvPr id="5" name="Footer Placeholder 4"/>
+          <p:cNvSpPr>
+            <a:spLocks noGrp="1"/>
+          </p:cNvSpPr>
+          <p:nvPr>
+            <p:ph type="ftr" sz="quarter" idx="11"/>
+          </p:nvPr>
+        </p:nvSpPr>
+        <p:spPr/>
+        <p:txBody>
+          <a:bodyPr/>
+          <a:lstStyle/>
+          <a:p>
+            <a:endParaRPr lang="fr-FR"/>
+          </a:p>
+        </p:txBody>
+      </p:sp>
+      <p:sp>
+        <p:nvSpPr>
+          <p:cNvPr id="6" name="Slide Number Placeholder 5"/>
+          <p:cNvSpPr>
+            <a:spLocks noGrp="1"/>
+          </p:cNvSpPr>
+          <p:nvPr>
+            <p:ph type="sldNum" sz="quarter" idx="12"/>
+          </p:nvPr>
+        </p:nvSpPr>
+        <p:spPr/>
+        <p:txBody>
+          <a:bodyPr/>
+          <a:lstStyle/>
+          <a:p>
+            <a:fld id="{FE80100D-9847-465C-8667-9C98642015B3}" type="slidenum">
+              <a:rPr lang="fr-FR" smtClean="0"/>
+              <a:t>‹N°›</a:t>
+            </a:fld>
+            <a:endParaRPr lang="fr-FR"/>
+          </a:p>
+        </p:txBody>
+      </p:sp>
+      <p:sp>
+        <p:nvSpPr>
+          <p:cNvPr id="14" name="TextBox 13"/>
+          <p:cNvSpPr txBox="1"/>
+          <p:nvPr/>
+        </p:nvSpPr>
+        <p:spPr>
+          <a:xfrm>
+            <a:off x="531812" y="812222"/>
+            <a:ext cx="609600" cy="584776"/>
+          </a:xfrm>
+          <a:prstGeom prst="rect">
+            <a:avLst/>
+          </a:prstGeom>
+        </p:spPr>
+        <p:txBody>
+          <a:bodyPr vert="horz" lIns="91440" tIns="45720" rIns="91440" bIns="45720" rtlCol="0" anchor="ctr">
+            <a:noAutofit/>
+          </a:bodyPr>
+          <a:lstStyle/>
+          <a:p>
+            <a:pPr lvl="0"/>
+            <a:r>
+              <a:rPr lang="en-US" sz="8000" dirty="0">
+                <a:solidFill>
+                  <a:schemeClr val="tx1"/>
+                </a:solidFill>
+                <a:effectLst/>
+              </a:rPr>
+              <a:t>“</a:t>
+            </a:r>
+          </a:p>
+        </p:txBody>
+      </p:sp>
+      <p:sp>
+        <p:nvSpPr>
+          <p:cNvPr id="15" name="TextBox 14"/>
+          <p:cNvSpPr txBox="1"/>
+          <p:nvPr/>
+        </p:nvSpPr>
+        <p:spPr>
+          <a:xfrm>
+            <a:off x="10285412" y="2768601"/>
+            <a:ext cx="609600" cy="584776"/>
+          </a:xfrm>
+          <a:prstGeom prst="rect">
+            <a:avLst/>
+          </a:prstGeom>
+        </p:spPr>
+        <p:txBody>
+          <a:bodyPr vert="horz" lIns="91440" tIns="45720" rIns="91440" bIns="45720" rtlCol="0" anchor="ctr">
+            <a:noAutofit/>
+          </a:bodyPr>
+          <a:lstStyle/>
+          <a:p>
+            <a:pPr lvl="0" algn="r"/>
+            <a:r>
+              <a:rPr lang="en-US" sz="8000" dirty="0">
+                <a:solidFill>
+                  <a:schemeClr val="tx1"/>
+                </a:solidFill>
+                <a:effectLst/>
+              </a:rPr>
+              <a:t>”</a:t>
+            </a:r>
+          </a:p>
+        </p:txBody>
+      </p:sp>
+    </p:spTree>
+    <p:extLst>
+      <p:ext uri="{BB962C8B-B14F-4D97-AF65-F5344CB8AC3E}">
+        <p14:creationId xmlns:p14="http://schemas.microsoft.com/office/powerpoint/2010/main" val="2464102549"/>
+      </p:ext>
+    </p:extLst>
+  </p:cSld>
+  <p:clrMapOvr>
+    <a:masterClrMapping/>
+  </p:clrMapOvr>
+</p:sldLayout>
+</file>
+
+<file path=ppt/slideLayouts/slideLayout13.xml><?xml version="1.0" encoding="utf-8"?>
+<p:sldLayout xmlns:a="http://schemas.openxmlformats.org/drawingml/2006/main" xmlns:r="http://schemas.openxmlformats.org/officeDocument/2006/relationships" xmlns:p="http://schemas.openxmlformats.org/presentationml/2006/main" preserve="1">
+  <p:cSld name="Carte nom">
+    <p:spTree>
+      <p:nvGrpSpPr>
+        <p:cNvPr id="1" name=""/>
+        <p:cNvGrpSpPr/>
+        <p:nvPr/>
+      </p:nvGrpSpPr>
+      <p:grpSpPr>
+        <a:xfrm>
+          <a:off x="0" y="0"/>
+          <a:ext cx="0" cy="0"/>
+          <a:chOff x="0" y="0"/>
+          <a:chExt cx="0" cy="0"/>
+        </a:xfrm>
+      </p:grpSpPr>
+      <p:sp>
+        <p:nvSpPr>
+          <p:cNvPr id="2" name="Title 1"/>
+          <p:cNvSpPr>
+            <a:spLocks noGrp="1"/>
+          </p:cNvSpPr>
+          <p:nvPr>
+            <p:ph type="title"/>
+          </p:nvPr>
+        </p:nvSpPr>
+        <p:spPr>
+          <a:xfrm>
+            <a:off x="684212" y="3429000"/>
+            <a:ext cx="8534400" cy="1697400"/>
+          </a:xfrm>
+        </p:spPr>
+        <p:txBody>
+          <a:bodyPr anchor="b">
+            <a:normAutofit/>
+          </a:bodyPr>
+          <a:lstStyle>
+            <a:lvl1pPr algn="l">
+              <a:defRPr sz="3200" b="0" cap="all"/>
+            </a:lvl1pPr>
+          </a:lstStyle>
+          <a:p>
+            <a:r>
+              <a:rPr lang="fr-FR"/>
+              <a:t>Modifiez le style du titre</a:t>
+            </a:r>
+            <a:endParaRPr lang="en-US" dirty="0"/>
+          </a:p>
+        </p:txBody>
+      </p:sp>
+      <p:sp>
+        <p:nvSpPr>
+          <p:cNvPr id="3" name="Text Placeholder 2"/>
+          <p:cNvSpPr>
+            <a:spLocks noGrp="1"/>
+          </p:cNvSpPr>
+          <p:nvPr>
+            <p:ph type="body" idx="1"/>
+          </p:nvPr>
+        </p:nvSpPr>
+        <p:spPr>
+          <a:xfrm>
+            <a:off x="684211" y="5132981"/>
+            <a:ext cx="8535990" cy="860400"/>
+          </a:xfrm>
+        </p:spPr>
+        <p:txBody>
+          <a:bodyPr anchor="t">
+            <a:normAutofit/>
+          </a:bodyPr>
+          <a:lstStyle>
+            <a:lvl1pPr marL="0" indent="0" algn="l">
+              <a:buNone/>
+              <a:defRPr sz="2000">
+                <a:solidFill>
+                  <a:schemeClr val="bg2">
+                    <a:lumMod val="75000"/>
+                  </a:schemeClr>
+                </a:solidFill>
+              </a:defRPr>
+            </a:lvl1pPr>
+            <a:lvl2pPr marL="457200" indent="0">
+              <a:buNone/>
+              <a:defRPr sz="1800">
+                <a:solidFill>
+                  <a:schemeClr val="tx1">
+                    <a:tint val="75000"/>
+                  </a:schemeClr>
+                </a:solidFill>
+              </a:defRPr>
+            </a:lvl2pPr>
+            <a:lvl3pPr marL="914400" indent="0">
+              <a:buNone/>
+              <a:defRPr sz="1600">
+                <a:solidFill>
+                  <a:schemeClr val="tx1">
+                    <a:tint val="75000"/>
+                  </a:schemeClr>
+                </a:solidFill>
+              </a:defRPr>
+            </a:lvl3pPr>
+            <a:lvl4pPr marL="1371600" indent="0">
+              <a:buNone/>
+              <a:defRPr sz="1400">
+                <a:solidFill>
+                  <a:schemeClr val="tx1">
+                    <a:tint val="75000"/>
+                  </a:schemeClr>
+                </a:solidFill>
+              </a:defRPr>
+            </a:lvl4pPr>
+            <a:lvl5pPr marL="1828800" indent="0">
+              <a:buNone/>
+              <a:defRPr sz="1400">
+                <a:solidFill>
+                  <a:schemeClr val="tx1">
+                    <a:tint val="75000"/>
+                  </a:schemeClr>
+                </a:solidFill>
+              </a:defRPr>
+            </a:lvl5pPr>
+            <a:lvl6pPr marL="2286000" indent="0">
+              <a:buNone/>
+              <a:defRPr sz="1400">
+                <a:solidFill>
+                  <a:schemeClr val="tx1">
+                    <a:tint val="75000"/>
+                  </a:schemeClr>
+                </a:solidFill>
+              </a:defRPr>
+            </a:lvl6pPr>
+            <a:lvl7pPr marL="2743200" indent="0">
+              <a:buNone/>
+              <a:defRPr sz="1400">
+                <a:solidFill>
+                  <a:schemeClr val="tx1">
+                    <a:tint val="75000"/>
+                  </a:schemeClr>
+                </a:solidFill>
+              </a:defRPr>
+            </a:lvl7pPr>
+            <a:lvl8pPr marL="3200400" indent="0">
+              <a:buNone/>
+              <a:defRPr sz="1400">
+                <a:solidFill>
+                  <a:schemeClr val="tx1">
+                    <a:tint val="75000"/>
+                  </a:schemeClr>
+                </a:solidFill>
+              </a:defRPr>
+            </a:lvl8pPr>
+            <a:lvl9pPr marL="3657600" indent="0">
+              <a:buNone/>
+              <a:defRPr sz="1400">
+                <a:solidFill>
+                  <a:schemeClr val="tx1">
+                    <a:tint val="75000"/>
+                  </a:schemeClr>
+                </a:solidFill>
+              </a:defRPr>
+            </a:lvl9pPr>
+          </a:lstStyle>
+          <a:p>
+            <a:pPr lvl="0"/>
+            <a:r>
+              <a:rPr lang="fr-FR"/>
+              <a:t>Cliquez pour modifier les styles du texte du masque</a:t>
+            </a:r>
+          </a:p>
+        </p:txBody>
+      </p:sp>
+      <p:sp>
+        <p:nvSpPr>
+          <p:cNvPr id="4" name="Date Placeholder 3"/>
+          <p:cNvSpPr>
+            <a:spLocks noGrp="1"/>
+          </p:cNvSpPr>
+          <p:nvPr>
+            <p:ph type="dt" sz="half" idx="10"/>
+          </p:nvPr>
+        </p:nvSpPr>
+        <p:spPr/>
+        <p:txBody>
+          <a:bodyPr/>
+          <a:lstStyle/>
+          <a:p>
+            <a:fld id="{5108BEF6-780E-43A8-BB46-E5A88A7B14A7}" type="datetimeFigureOut">
+              <a:rPr lang="fr-FR" smtClean="0"/>
+              <a:t>30/09/2025</a:t>
+            </a:fld>
+            <a:endParaRPr lang="fr-FR"/>
+          </a:p>
+        </p:txBody>
+      </p:sp>
+      <p:sp>
+        <p:nvSpPr>
+          <p:cNvPr id="5" name="Footer Placeholder 4"/>
+          <p:cNvSpPr>
+            <a:spLocks noGrp="1"/>
+          </p:cNvSpPr>
+          <p:nvPr>
+            <p:ph type="ftr" sz="quarter" idx="11"/>
+          </p:nvPr>
+        </p:nvSpPr>
+        <p:spPr/>
+        <p:txBody>
+          <a:bodyPr/>
+          <a:lstStyle/>
+          <a:p>
+            <a:endParaRPr lang="fr-FR"/>
+          </a:p>
+        </p:txBody>
+      </p:sp>
+      <p:sp>
+        <p:nvSpPr>
+          <p:cNvPr id="6" name="Slide Number Placeholder 5"/>
+          <p:cNvSpPr>
+            <a:spLocks noGrp="1"/>
+          </p:cNvSpPr>
+          <p:nvPr>
+            <p:ph type="sldNum" sz="quarter" idx="12"/>
+          </p:nvPr>
+        </p:nvSpPr>
+        <p:spPr/>
+        <p:txBody>
+          <a:bodyPr/>
+          <a:lstStyle/>
+          <a:p>
+            <a:fld id="{FE80100D-9847-465C-8667-9C98642015B3}" type="slidenum">
+              <a:rPr lang="fr-FR" smtClean="0"/>
+              <a:t>‹N°›</a:t>
+            </a:fld>
+            <a:endParaRPr lang="fr-FR"/>
+          </a:p>
+        </p:txBody>
+      </p:sp>
+    </p:spTree>
+    <p:extLst>
+      <p:ext uri="{BB962C8B-B14F-4D97-AF65-F5344CB8AC3E}">
+        <p14:creationId xmlns:p14="http://schemas.microsoft.com/office/powerpoint/2010/main" val="510988012"/>
+      </p:ext>
+    </p:extLst>
+  </p:cSld>
+  <p:clrMapOvr>
+    <a:masterClrMapping/>
+  </p:clrMapOvr>
+</p:sldLayout>
+</file>
+
+<file path=ppt/slideLayouts/slideLayout14.xml><?xml version="1.0" encoding="utf-8"?>
+<p:sldLayout xmlns:a="http://schemas.openxmlformats.org/drawingml/2006/main" xmlns:r="http://schemas.openxmlformats.org/officeDocument/2006/relationships" xmlns:p="http://schemas.openxmlformats.org/presentationml/2006/main" preserve="1">
+  <p:cSld name="Carte nom citation">
+    <p:spTree>
+      <p:nvGrpSpPr>
+        <p:cNvPr id="1" name=""/>
+        <p:cNvGrpSpPr/>
+        <p:nvPr/>
+      </p:nvGrpSpPr>
+      <p:grpSpPr>
+        <a:xfrm>
+          <a:off x="0" y="0"/>
+          <a:ext cx="0" cy="0"/>
+          <a:chOff x="0" y="0"/>
+          <a:chExt cx="0" cy="0"/>
+        </a:xfrm>
+      </p:grpSpPr>
+      <p:sp>
+        <p:nvSpPr>
+          <p:cNvPr id="2" name="Title 1"/>
+          <p:cNvSpPr>
+            <a:spLocks noGrp="1"/>
+          </p:cNvSpPr>
+          <p:nvPr>
+            <p:ph type="title"/>
+          </p:nvPr>
+        </p:nvSpPr>
+        <p:spPr>
+          <a:xfrm>
+            <a:off x="1141413" y="685800"/>
+            <a:ext cx="9144000" cy="2743200"/>
+          </a:xfrm>
+        </p:spPr>
+        <p:txBody>
+          <a:bodyPr anchor="ctr">
+            <a:normAutofit/>
+          </a:bodyPr>
+          <a:lstStyle>
+            <a:lvl1pPr algn="l">
+              <a:defRPr sz="3200" b="0" cap="all">
+                <a:solidFill>
+                  <a:schemeClr val="tx1"/>
+                </a:solidFill>
+              </a:defRPr>
+            </a:lvl1pPr>
+          </a:lstStyle>
+          <a:p>
+            <a:r>
+              <a:rPr lang="fr-FR"/>
+              <a:t>Modifiez le style du titre</a:t>
+            </a:r>
+            <a:endParaRPr lang="en-US" dirty="0"/>
+          </a:p>
+        </p:txBody>
+      </p:sp>
+      <p:sp>
+        <p:nvSpPr>
+          <p:cNvPr id="10" name="Text Placeholder 9"/>
+          <p:cNvSpPr>
+            <a:spLocks noGrp="1"/>
+          </p:cNvSpPr>
+          <p:nvPr>
+            <p:ph type="body" sz="quarter" idx="13"/>
+          </p:nvPr>
+        </p:nvSpPr>
+        <p:spPr>
+          <a:xfrm>
+            <a:off x="684212" y="3928534"/>
+            <a:ext cx="8534401" cy="1049866"/>
+          </a:xfrm>
+        </p:spPr>
+        <p:txBody>
+          <a:bodyPr vert="horz" lIns="91440" tIns="45720" rIns="91440" bIns="45720" rtlCol="0" anchor="b">
+            <a:normAutofit/>
+          </a:bodyPr>
+          <a:lstStyle>
+            <a:lvl1pPr>
+              <a:buNone/>
+              <a:defRPr lang="en-US" sz="2400" b="0" cap="all" dirty="0">
+                <a:ln w="3175" cmpd="sng">
+                  <a:noFill/>
+                </a:ln>
+                <a:solidFill>
+                  <a:schemeClr val="tx1"/>
+                </a:solidFill>
+                <a:effectLst/>
+              </a:defRPr>
+            </a:lvl1pPr>
+          </a:lstStyle>
+          <a:p>
+            <a:pPr marL="0" lvl="0">
+              <a:spcBef>
+                <a:spcPct val="0"/>
+              </a:spcBef>
+              <a:buNone/>
+            </a:pPr>
+            <a:r>
+              <a:rPr lang="fr-FR"/>
+              <a:t>Cliquez pour modifier les styles du texte du masque</a:t>
+            </a:r>
+          </a:p>
+        </p:txBody>
+      </p:sp>
+      <p:sp>
+        <p:nvSpPr>
+          <p:cNvPr id="3" name="Text Placeholder 2"/>
+          <p:cNvSpPr>
+            <a:spLocks noGrp="1"/>
+          </p:cNvSpPr>
+          <p:nvPr>
+            <p:ph type="body" idx="1"/>
+          </p:nvPr>
+        </p:nvSpPr>
+        <p:spPr>
+          <a:xfrm>
+            <a:off x="684211" y="4978400"/>
+            <a:ext cx="8534401" cy="1016000"/>
+          </a:xfrm>
+        </p:spPr>
+        <p:txBody>
+          <a:bodyPr anchor="t">
+            <a:normAutofit/>
+          </a:bodyPr>
+          <a:lstStyle>
+            <a:lvl1pPr marL="0" indent="0" algn="l">
+              <a:buNone/>
+              <a:defRPr sz="1800">
+                <a:solidFill>
+                  <a:schemeClr val="bg2">
+                    <a:lumMod val="75000"/>
+                  </a:schemeClr>
+                </a:solidFill>
+              </a:defRPr>
+            </a:lvl1pPr>
+            <a:lvl2pPr marL="457200" indent="0">
+              <a:buNone/>
+              <a:defRPr sz="1800">
+                <a:solidFill>
+                  <a:schemeClr val="tx1">
+                    <a:tint val="75000"/>
+                  </a:schemeClr>
+                </a:solidFill>
+              </a:defRPr>
+            </a:lvl2pPr>
+            <a:lvl3pPr marL="914400" indent="0">
+              <a:buNone/>
+              <a:defRPr sz="1600">
+                <a:solidFill>
+                  <a:schemeClr val="tx1">
+                    <a:tint val="75000"/>
+                  </a:schemeClr>
+                </a:solidFill>
+              </a:defRPr>
+            </a:lvl3pPr>
+            <a:lvl4pPr marL="1371600" indent="0">
+              <a:buNone/>
+              <a:defRPr sz="1400">
+                <a:solidFill>
+                  <a:schemeClr val="tx1">
+                    <a:tint val="75000"/>
+                  </a:schemeClr>
+                </a:solidFill>
+              </a:defRPr>
+            </a:lvl4pPr>
+            <a:lvl5pPr marL="1828800" indent="0">
+              <a:buNone/>
+              <a:defRPr sz="1400">
+                <a:solidFill>
+                  <a:schemeClr val="tx1">
+                    <a:tint val="75000"/>
+                  </a:schemeClr>
+                </a:solidFill>
+              </a:defRPr>
+            </a:lvl5pPr>
+            <a:lvl6pPr marL="2286000" indent="0">
+              <a:buNone/>
+              <a:defRPr sz="1400">
+                <a:solidFill>
+                  <a:schemeClr val="tx1">
+                    <a:tint val="75000"/>
+                  </a:schemeClr>
+                </a:solidFill>
+              </a:defRPr>
+            </a:lvl6pPr>
+            <a:lvl7pPr marL="2743200" indent="0">
+              <a:buNone/>
+              <a:defRPr sz="1400">
+                <a:solidFill>
+                  <a:schemeClr val="tx1">
+                    <a:tint val="75000"/>
+                  </a:schemeClr>
+                </a:solidFill>
+              </a:defRPr>
+            </a:lvl7pPr>
+            <a:lvl8pPr marL="3200400" indent="0">
+              <a:buNone/>
+              <a:defRPr sz="1400">
+                <a:solidFill>
+                  <a:schemeClr val="tx1">
+                    <a:tint val="75000"/>
+                  </a:schemeClr>
+                </a:solidFill>
+              </a:defRPr>
+            </a:lvl8pPr>
+            <a:lvl9pPr marL="3657600" indent="0">
+              <a:buNone/>
+              <a:defRPr sz="1400">
+                <a:solidFill>
+                  <a:schemeClr val="tx1">
+                    <a:tint val="75000"/>
+                  </a:schemeClr>
+                </a:solidFill>
+              </a:defRPr>
+            </a:lvl9pPr>
+          </a:lstStyle>
+          <a:p>
+            <a:pPr lvl="0"/>
+            <a:r>
+              <a:rPr lang="fr-FR"/>
+              <a:t>Cliquez pour modifier les styles du texte du masque</a:t>
+            </a:r>
+          </a:p>
+        </p:txBody>
+      </p:sp>
+      <p:sp>
+        <p:nvSpPr>
+          <p:cNvPr id="4" name="Date Placeholder 3"/>
+          <p:cNvSpPr>
+            <a:spLocks noGrp="1"/>
+          </p:cNvSpPr>
+          <p:nvPr>
+            <p:ph type="dt" sz="half" idx="10"/>
+          </p:nvPr>
+        </p:nvSpPr>
+        <p:spPr/>
+        <p:txBody>
+          <a:bodyPr/>
+          <a:lstStyle/>
+          <a:p>
+            <a:fld id="{5108BEF6-780E-43A8-BB46-E5A88A7B14A7}" type="datetimeFigureOut">
+              <a:rPr lang="fr-FR" smtClean="0"/>
+              <a:t>30/09/2025</a:t>
+            </a:fld>
+            <a:endParaRPr lang="fr-FR"/>
+          </a:p>
+        </p:txBody>
+      </p:sp>
+      <p:sp>
+        <p:nvSpPr>
+          <p:cNvPr id="5" name="Footer Placeholder 4"/>
+          <p:cNvSpPr>
+            <a:spLocks noGrp="1"/>
+          </p:cNvSpPr>
+          <p:nvPr>
+            <p:ph type="ftr" sz="quarter" idx="11"/>
+          </p:nvPr>
+        </p:nvSpPr>
+        <p:spPr/>
+        <p:txBody>
+          <a:bodyPr/>
+          <a:lstStyle/>
+          <a:p>
+            <a:endParaRPr lang="fr-FR"/>
+          </a:p>
+        </p:txBody>
+      </p:sp>
+      <p:sp>
+        <p:nvSpPr>
+          <p:cNvPr id="6" name="Slide Number Placeholder 5"/>
+          <p:cNvSpPr>
+            <a:spLocks noGrp="1"/>
+          </p:cNvSpPr>
+          <p:nvPr>
+            <p:ph type="sldNum" sz="quarter" idx="12"/>
+          </p:nvPr>
+        </p:nvSpPr>
+        <p:spPr/>
+        <p:txBody>
+          <a:bodyPr/>
+          <a:lstStyle/>
+          <a:p>
+            <a:fld id="{FE80100D-9847-465C-8667-9C98642015B3}" type="slidenum">
+              <a:rPr lang="fr-FR" smtClean="0"/>
+              <a:t>‹N°›</a:t>
+            </a:fld>
+            <a:endParaRPr lang="fr-FR"/>
+          </a:p>
+        </p:txBody>
+      </p:sp>
+      <p:sp>
+        <p:nvSpPr>
+          <p:cNvPr id="11" name="TextBox 10"/>
+          <p:cNvSpPr txBox="1"/>
+          <p:nvPr/>
+        </p:nvSpPr>
+        <p:spPr>
+          <a:xfrm>
+            <a:off x="531812" y="812222"/>
+            <a:ext cx="609600" cy="584776"/>
+          </a:xfrm>
+          <a:prstGeom prst="rect">
+            <a:avLst/>
+          </a:prstGeom>
+        </p:spPr>
+        <p:txBody>
+          <a:bodyPr vert="horz" lIns="91440" tIns="45720" rIns="91440" bIns="45720" rtlCol="0" anchor="ctr">
+            <a:noAutofit/>
+          </a:bodyPr>
+          <a:lstStyle/>
+          <a:p>
+            <a:pPr lvl="0"/>
+            <a:r>
+              <a:rPr lang="en-US" sz="8000" dirty="0">
+                <a:solidFill>
+                  <a:schemeClr val="tx1"/>
+                </a:solidFill>
+                <a:effectLst/>
+              </a:rPr>
+              <a:t>“</a:t>
+            </a:r>
+          </a:p>
+        </p:txBody>
+      </p:sp>
+      <p:sp>
+        <p:nvSpPr>
+          <p:cNvPr id="12" name="TextBox 11"/>
+          <p:cNvSpPr txBox="1"/>
+          <p:nvPr/>
+        </p:nvSpPr>
+        <p:spPr>
+          <a:xfrm>
+            <a:off x="10285412" y="2768601"/>
+            <a:ext cx="609600" cy="584776"/>
+          </a:xfrm>
+          <a:prstGeom prst="rect">
+            <a:avLst/>
+          </a:prstGeom>
+        </p:spPr>
+        <p:txBody>
+          <a:bodyPr vert="horz" lIns="91440" tIns="45720" rIns="91440" bIns="45720" rtlCol="0" anchor="ctr">
+            <a:noAutofit/>
+          </a:bodyPr>
+          <a:lstStyle/>
+          <a:p>
+            <a:pPr lvl="0" algn="r"/>
+            <a:r>
+              <a:rPr lang="en-US" sz="8000" dirty="0">
+                <a:solidFill>
+                  <a:schemeClr val="tx1"/>
+                </a:solidFill>
+                <a:effectLst/>
+              </a:rPr>
+              <a:t>”</a:t>
+            </a:r>
+          </a:p>
+        </p:txBody>
+      </p:sp>
+    </p:spTree>
+    <p:extLst>
+      <p:ext uri="{BB962C8B-B14F-4D97-AF65-F5344CB8AC3E}">
+        <p14:creationId xmlns:p14="http://schemas.microsoft.com/office/powerpoint/2010/main" val="2315791711"/>
+      </p:ext>
+    </p:extLst>
+  </p:cSld>
+  <p:clrMapOvr>
+    <a:masterClrMapping/>
+  </p:clrMapOvr>
+</p:sldLayout>
+</file>
+
+<file path=ppt/slideLayouts/slideLayout15.xml><?xml version="1.0" encoding="utf-8"?>
+<p:sldLayout xmlns:a="http://schemas.openxmlformats.org/drawingml/2006/main" xmlns:r="http://schemas.openxmlformats.org/officeDocument/2006/relationships" xmlns:p="http://schemas.openxmlformats.org/presentationml/2006/main" preserve="1">
+  <p:cSld name="Vrai ou faux">
+    <p:spTree>
+      <p:nvGrpSpPr>
+        <p:cNvPr id="1" name=""/>
+        <p:cNvGrpSpPr/>
+        <p:nvPr/>
+      </p:nvGrpSpPr>
+      <p:grpSpPr>
+        <a:xfrm>
+          <a:off x="0" y="0"/>
+          <a:ext cx="0" cy="0"/>
+          <a:chOff x="0" y="0"/>
+          <a:chExt cx="0" cy="0"/>
+        </a:xfrm>
+      </p:grpSpPr>
+      <p:sp>
+        <p:nvSpPr>
+          <p:cNvPr id="2" name="Title 1"/>
+          <p:cNvSpPr>
+            <a:spLocks noGrp="1"/>
+          </p:cNvSpPr>
+          <p:nvPr>
+            <p:ph type="title"/>
+          </p:nvPr>
+        </p:nvSpPr>
+        <p:spPr>
+          <a:xfrm>
+            <a:off x="684213" y="685800"/>
+            <a:ext cx="10058400" cy="2743200"/>
+          </a:xfrm>
+        </p:spPr>
+        <p:txBody>
+          <a:bodyPr vert="horz" lIns="91440" tIns="45720" rIns="91440" bIns="45720" rtlCol="0" anchor="ctr">
+            <a:normAutofit/>
+          </a:bodyPr>
+          <a:lstStyle>
+            <a:lvl1pPr>
+              <a:defRPr lang="en-US" b="0" dirty="0"/>
+            </a:lvl1pPr>
+          </a:lstStyle>
+          <a:p>
+            <a:pPr marL="0" lvl="0"/>
+            <a:r>
+              <a:rPr lang="fr-FR"/>
+              <a:t>Modifiez le style du titre</a:t>
+            </a:r>
+            <a:endParaRPr lang="en-US" dirty="0"/>
+          </a:p>
+        </p:txBody>
+      </p:sp>
+      <p:sp>
+        <p:nvSpPr>
+          <p:cNvPr id="10" name="Text Placeholder 9"/>
+          <p:cNvSpPr>
+            <a:spLocks noGrp="1"/>
+          </p:cNvSpPr>
+          <p:nvPr>
+            <p:ph type="body" sz="quarter" idx="13"/>
+          </p:nvPr>
+        </p:nvSpPr>
+        <p:spPr>
+          <a:xfrm>
+            <a:off x="684212" y="3928534"/>
+            <a:ext cx="8534400" cy="838200"/>
+          </a:xfrm>
+        </p:spPr>
+        <p:txBody>
+          <a:bodyPr vert="horz" lIns="91440" tIns="45720" rIns="91440" bIns="45720" rtlCol="0" anchor="b">
+            <a:normAutofit/>
+          </a:bodyPr>
+          <a:lstStyle>
+            <a:lvl1pPr>
+              <a:buNone/>
+              <a:defRPr lang="en-US" sz="2400" b="0" cap="all" dirty="0">
+                <a:ln w="3175" cmpd="sng">
+                  <a:noFill/>
+                </a:ln>
+                <a:solidFill>
+                  <a:schemeClr val="tx1"/>
+                </a:solidFill>
+                <a:effectLst/>
+              </a:defRPr>
+            </a:lvl1pPr>
+          </a:lstStyle>
+          <a:p>
+            <a:pPr marL="0" lvl="0">
+              <a:spcBef>
+                <a:spcPct val="0"/>
+              </a:spcBef>
+              <a:buNone/>
+            </a:pPr>
+            <a:r>
+              <a:rPr lang="fr-FR"/>
+              <a:t>Cliquez pour modifier les styles du texte du masque</a:t>
+            </a:r>
+          </a:p>
+        </p:txBody>
+      </p:sp>
+      <p:sp>
+        <p:nvSpPr>
+          <p:cNvPr id="3" name="Text Placeholder 2"/>
+          <p:cNvSpPr>
+            <a:spLocks noGrp="1"/>
+          </p:cNvSpPr>
+          <p:nvPr>
+            <p:ph type="body" idx="1"/>
+          </p:nvPr>
+        </p:nvSpPr>
+        <p:spPr>
+          <a:xfrm>
+            <a:off x="684211" y="4766732"/>
+            <a:ext cx="8534401" cy="1227667"/>
+          </a:xfrm>
+        </p:spPr>
+        <p:txBody>
+          <a:bodyPr anchor="t">
+            <a:normAutofit/>
+          </a:bodyPr>
+          <a:lstStyle>
+            <a:lvl1pPr marL="0" indent="0" algn="l">
+              <a:buNone/>
+              <a:defRPr sz="1800">
+                <a:solidFill>
+                  <a:schemeClr val="bg2">
+                    <a:lumMod val="75000"/>
+                  </a:schemeClr>
+                </a:solidFill>
+              </a:defRPr>
+            </a:lvl1pPr>
+            <a:lvl2pPr marL="457200" indent="0">
+              <a:buNone/>
+              <a:defRPr sz="1800">
+                <a:solidFill>
+                  <a:schemeClr val="tx1">
+                    <a:tint val="75000"/>
+                  </a:schemeClr>
+                </a:solidFill>
+              </a:defRPr>
+            </a:lvl2pPr>
+            <a:lvl3pPr marL="914400" indent="0">
+              <a:buNone/>
+              <a:defRPr sz="1600">
+                <a:solidFill>
+                  <a:schemeClr val="tx1">
+                    <a:tint val="75000"/>
+                  </a:schemeClr>
+                </a:solidFill>
+              </a:defRPr>
+            </a:lvl3pPr>
+            <a:lvl4pPr marL="1371600" indent="0">
+              <a:buNone/>
+              <a:defRPr sz="1400">
+                <a:solidFill>
+                  <a:schemeClr val="tx1">
+                    <a:tint val="75000"/>
+                  </a:schemeClr>
+                </a:solidFill>
+              </a:defRPr>
+            </a:lvl4pPr>
+            <a:lvl5pPr marL="1828800" indent="0">
+              <a:buNone/>
+              <a:defRPr sz="1400">
+                <a:solidFill>
+                  <a:schemeClr val="tx1">
+                    <a:tint val="75000"/>
+                  </a:schemeClr>
+                </a:solidFill>
+              </a:defRPr>
+            </a:lvl5pPr>
+            <a:lvl6pPr marL="2286000" indent="0">
+              <a:buNone/>
+              <a:defRPr sz="1400">
+                <a:solidFill>
+                  <a:schemeClr val="tx1">
+                    <a:tint val="75000"/>
+                  </a:schemeClr>
+                </a:solidFill>
+              </a:defRPr>
+            </a:lvl6pPr>
+            <a:lvl7pPr marL="2743200" indent="0">
+              <a:buNone/>
+              <a:defRPr sz="1400">
+                <a:solidFill>
+                  <a:schemeClr val="tx1">
+                    <a:tint val="75000"/>
+                  </a:schemeClr>
+                </a:solidFill>
+              </a:defRPr>
+            </a:lvl7pPr>
+            <a:lvl8pPr marL="3200400" indent="0">
+              <a:buNone/>
+              <a:defRPr sz="1400">
+                <a:solidFill>
+                  <a:schemeClr val="tx1">
+                    <a:tint val="75000"/>
+                  </a:schemeClr>
+                </a:solidFill>
+              </a:defRPr>
+            </a:lvl8pPr>
+            <a:lvl9pPr marL="3657600" indent="0">
+              <a:buNone/>
+              <a:defRPr sz="1400">
+                <a:solidFill>
+                  <a:schemeClr val="tx1">
+                    <a:tint val="75000"/>
+                  </a:schemeClr>
+                </a:solidFill>
+              </a:defRPr>
+            </a:lvl9pPr>
+          </a:lstStyle>
+          <a:p>
+            <a:pPr lvl="0"/>
+            <a:r>
+              <a:rPr lang="fr-FR"/>
+              <a:t>Cliquez pour modifier les styles du texte du masque</a:t>
+            </a:r>
+          </a:p>
+        </p:txBody>
+      </p:sp>
+      <p:sp>
+        <p:nvSpPr>
+          <p:cNvPr id="4" name="Date Placeholder 3"/>
+          <p:cNvSpPr>
+            <a:spLocks noGrp="1"/>
+          </p:cNvSpPr>
+          <p:nvPr>
+            <p:ph type="dt" sz="half" idx="10"/>
+          </p:nvPr>
+        </p:nvSpPr>
+        <p:spPr/>
+        <p:txBody>
+          <a:bodyPr/>
+          <a:lstStyle/>
+          <a:p>
+            <a:fld id="{5108BEF6-780E-43A8-BB46-E5A88A7B14A7}" type="datetimeFigureOut">
+              <a:rPr lang="fr-FR" smtClean="0"/>
+              <a:t>30/09/2025</a:t>
+            </a:fld>
+            <a:endParaRPr lang="fr-FR"/>
+          </a:p>
+        </p:txBody>
+      </p:sp>
+      <p:sp>
+        <p:nvSpPr>
+          <p:cNvPr id="5" name="Footer Placeholder 4"/>
+          <p:cNvSpPr>
+            <a:spLocks noGrp="1"/>
+          </p:cNvSpPr>
+          <p:nvPr>
+            <p:ph type="ftr" sz="quarter" idx="11"/>
+          </p:nvPr>
+        </p:nvSpPr>
+        <p:spPr/>
+        <p:txBody>
+          <a:bodyPr/>
+          <a:lstStyle/>
+          <a:p>
+            <a:endParaRPr lang="fr-FR"/>
+          </a:p>
+        </p:txBody>
+      </p:sp>
+      <p:sp>
+        <p:nvSpPr>
+          <p:cNvPr id="6" name="Slide Number Placeholder 5"/>
+          <p:cNvSpPr>
+            <a:spLocks noGrp="1"/>
+          </p:cNvSpPr>
+          <p:nvPr>
+            <p:ph type="sldNum" sz="quarter" idx="12"/>
+          </p:nvPr>
+        </p:nvSpPr>
+        <p:spPr/>
+        <p:txBody>
+          <a:bodyPr/>
+          <a:lstStyle/>
+          <a:p>
+            <a:fld id="{FE80100D-9847-465C-8667-9C98642015B3}" type="slidenum">
+              <a:rPr lang="fr-FR" smtClean="0"/>
+              <a:t>‹N°›</a:t>
+            </a:fld>
+            <a:endParaRPr lang="fr-FR"/>
+          </a:p>
+        </p:txBody>
+      </p:sp>
+    </p:spTree>
+    <p:extLst>
+      <p:ext uri="{BB962C8B-B14F-4D97-AF65-F5344CB8AC3E}">
+        <p14:creationId xmlns:p14="http://schemas.microsoft.com/office/powerpoint/2010/main" val="1875419521"/>
+      </p:ext>
+    </p:extLst>
+  </p:cSld>
+  <p:clrMapOvr>
+    <a:masterClrMapping/>
+  </p:clrMapOvr>
+</p:sldLayout>
+</file>
+
+<file path=ppt/slideLayouts/slideLayout16.xml><?xml version="1.0" encoding="utf-8"?>
 <p:sldLayout xmlns:a="http://schemas.openxmlformats.org/drawingml/2006/main" xmlns:r="http://schemas.openxmlformats.org/officeDocument/2006/relationships" xmlns:p="http://schemas.openxmlformats.org/presentationml/2006/main" type="vertTx" preserve="1">
   <p:cSld name="Titre et texte vertical">
     <p:spTree>
@@ -346,13 +2364,7 @@
       </p:grpSpPr>
       <p:sp>
         <p:nvSpPr>
-          <p:cNvPr id="2" name="Titre 1">
-            <a:extLst>
-              <a:ext uri="{FF2B5EF4-FFF2-40B4-BE49-F238E27FC236}">
-                <a16:creationId xmlns:a16="http://schemas.microsoft.com/office/drawing/2014/main" id="{CED0C53F-EE8D-4879-98F5-B23F9A4378AA}"/>
-              </a:ext>
-            </a:extLst>
-          </p:cNvPr>
+          <p:cNvPr id="2" name="Title 1"/>
           <p:cNvSpPr>
             <a:spLocks noGrp="1"/>
           </p:cNvSpPr>
@@ -363,24 +2375,23 @@
         <p:spPr/>
         <p:txBody>
           <a:bodyPr/>
-          <a:lstStyle/>
+          <a:lstStyle>
+            <a:lvl1pPr algn="l">
+              <a:defRPr/>
+            </a:lvl1pPr>
+          </a:lstStyle>
           <a:p>
             <a:r>
               <a:rPr lang="fr-FR"/>
               <a:t>Modifiez le style du titre</a:t>
             </a:r>
-          </a:p>
-        </p:txBody>
-      </p:sp>
-      <p:sp>
-        <p:nvSpPr>
-          <p:cNvPr id="3" name="Espace réservé du texte vertical 2">
-            <a:extLst>
-              <a:ext uri="{FF2B5EF4-FFF2-40B4-BE49-F238E27FC236}">
-                <a16:creationId xmlns:a16="http://schemas.microsoft.com/office/drawing/2014/main" id="{312B6FB7-71AF-4887-8F64-ABD26581CE08}"/>
-              </a:ext>
-            </a:extLst>
-          </p:cNvPr>
+            <a:endParaRPr lang="en-US" dirty="0"/>
+          </a:p>
+        </p:txBody>
+      </p:sp>
+      <p:sp>
+        <p:nvSpPr>
+          <p:cNvPr id="3" name="Vertical Text Placeholder 2"/>
           <p:cNvSpPr>
             <a:spLocks noGrp="1"/>
           </p:cNvSpPr>
@@ -390,7 +2401,7 @@
         </p:nvSpPr>
         <p:spPr/>
         <p:txBody>
-          <a:bodyPr vert="eaVert"/>
+          <a:bodyPr vert="eaVert" anchor="t"/>
           <a:lstStyle/>
           <a:p>
             <a:pPr lvl="0"/>
@@ -426,18 +2437,13 @@
               <a:rPr lang="fr-FR"/>
               <a:t>Cinquième niveau</a:t>
             </a:r>
-          </a:p>
-        </p:txBody>
-      </p:sp>
-      <p:sp>
-        <p:nvSpPr>
-          <p:cNvPr id="4" name="Espace réservé de la date 3">
-            <a:extLst>
-              <a:ext uri="{FF2B5EF4-FFF2-40B4-BE49-F238E27FC236}">
-                <a16:creationId xmlns:a16="http://schemas.microsoft.com/office/drawing/2014/main" id="{8D75BDA7-75B8-4C08-A3AB-9A9AB2E6CF23}"/>
-              </a:ext>
-            </a:extLst>
-          </p:cNvPr>
+            <a:endParaRPr lang="en-US" dirty="0"/>
+          </a:p>
+        </p:txBody>
+      </p:sp>
+      <p:sp>
+        <p:nvSpPr>
+          <p:cNvPr id="4" name="Date Placeholder 3"/>
           <p:cNvSpPr>
             <a:spLocks noGrp="1"/>
           </p:cNvSpPr>
@@ -460,13 +2466,7 @@
       </p:sp>
       <p:sp>
         <p:nvSpPr>
-          <p:cNvPr id="5" name="Espace réservé du pied de page 4">
-            <a:extLst>
-              <a:ext uri="{FF2B5EF4-FFF2-40B4-BE49-F238E27FC236}">
-                <a16:creationId xmlns:a16="http://schemas.microsoft.com/office/drawing/2014/main" id="{D513053B-0A43-4325-8948-25AAF57CE933}"/>
-              </a:ext>
-            </a:extLst>
-          </p:cNvPr>
+          <p:cNvPr id="5" name="Footer Placeholder 4"/>
           <p:cNvSpPr>
             <a:spLocks noGrp="1"/>
           </p:cNvSpPr>
@@ -485,13 +2485,7 @@
       </p:sp>
       <p:sp>
         <p:nvSpPr>
-          <p:cNvPr id="6" name="Espace réservé du numéro de diapositive 5">
-            <a:extLst>
-              <a:ext uri="{FF2B5EF4-FFF2-40B4-BE49-F238E27FC236}">
-                <a16:creationId xmlns:a16="http://schemas.microsoft.com/office/drawing/2014/main" id="{880DEBE3-DC5E-46E6-AEC4-E3A90CC63256}"/>
-              </a:ext>
-            </a:extLst>
-          </p:cNvPr>
+          <p:cNvPr id="6" name="Slide Number Placeholder 5"/>
           <p:cNvSpPr>
             <a:spLocks noGrp="1"/>
           </p:cNvSpPr>
@@ -515,7 +2509,7 @@
     </p:spTree>
     <p:extLst>
       <p:ext uri="{BB962C8B-B14F-4D97-AF65-F5344CB8AC3E}">
-        <p14:creationId xmlns:p14="http://schemas.microsoft.com/office/powerpoint/2010/main" val="1972735962"/>
+        <p14:creationId xmlns:p14="http://schemas.microsoft.com/office/powerpoint/2010/main" val="2950233139"/>
       </p:ext>
     </p:extLst>
   </p:cSld>
@@ -525,7 +2519,7 @@
 </p:sldLayout>
 </file>
 
-<file path=ppt/slideLayouts/slideLayout11.xml><?xml version="1.0" encoding="utf-8"?>
+<file path=ppt/slideLayouts/slideLayout17.xml><?xml version="1.0" encoding="utf-8"?>
 <p:sldLayout xmlns:a="http://schemas.openxmlformats.org/drawingml/2006/main" xmlns:r="http://schemas.openxmlformats.org/officeDocument/2006/relationships" xmlns:p="http://schemas.openxmlformats.org/presentationml/2006/main" type="vertTitleAndTx" preserve="1">
   <p:cSld name="Titre vertical et texte">
     <p:spTree>
@@ -544,13 +2538,7 @@
       </p:grpSpPr>
       <p:sp>
         <p:nvSpPr>
-          <p:cNvPr id="2" name="Titre vertical 1">
-            <a:extLst>
-              <a:ext uri="{FF2B5EF4-FFF2-40B4-BE49-F238E27FC236}">
-                <a16:creationId xmlns:a16="http://schemas.microsoft.com/office/drawing/2014/main" id="{A137817C-8204-4030-ACD9-49736FEA65A5}"/>
-              </a:ext>
-            </a:extLst>
-          </p:cNvPr>
+          <p:cNvPr id="2" name="Vertical Title 1"/>
           <p:cNvSpPr>
             <a:spLocks noGrp="1"/>
           </p:cNvSpPr>
@@ -560,8 +2548,8 @@
         </p:nvSpPr>
         <p:spPr>
           <a:xfrm>
-            <a:off x="8724900" y="365125"/>
-            <a:ext cx="2628900" cy="5811838"/>
+            <a:off x="8685212" y="685800"/>
+            <a:ext cx="2057400" cy="4572000"/>
           </a:xfrm>
         </p:spPr>
         <p:txBody>
@@ -572,18 +2560,13 @@
               <a:rPr lang="fr-FR"/>
               <a:t>Modifiez le style du titre</a:t>
             </a:r>
-          </a:p>
-        </p:txBody>
-      </p:sp>
-      <p:sp>
-        <p:nvSpPr>
-          <p:cNvPr id="3" name="Espace réservé du texte vertical 2">
-            <a:extLst>
-              <a:ext uri="{FF2B5EF4-FFF2-40B4-BE49-F238E27FC236}">
-                <a16:creationId xmlns:a16="http://schemas.microsoft.com/office/drawing/2014/main" id="{F564E4BA-E220-456E-ADAB-0D7225A4006F}"/>
-              </a:ext>
-            </a:extLst>
-          </p:cNvPr>
+            <a:endParaRPr lang="en-US" dirty="0"/>
+          </a:p>
+        </p:txBody>
+      </p:sp>
+      <p:sp>
+        <p:nvSpPr>
+          <p:cNvPr id="3" name="Vertical Text Placeholder 2"/>
           <p:cNvSpPr>
             <a:spLocks noGrp="1"/>
           </p:cNvSpPr>
@@ -593,12 +2576,12 @@
         </p:nvSpPr>
         <p:spPr>
           <a:xfrm>
-            <a:off x="838200" y="365125"/>
-            <a:ext cx="7734300" cy="5811838"/>
+            <a:off x="685800" y="685800"/>
+            <a:ext cx="7823200" cy="5308600"/>
           </a:xfrm>
         </p:spPr>
         <p:txBody>
-          <a:bodyPr vert="eaVert"/>
+          <a:bodyPr vert="eaVert" anchor="t"/>
           <a:lstStyle/>
           <a:p>
             <a:pPr lvl="0"/>
@@ -634,18 +2617,13 @@
               <a:rPr lang="fr-FR"/>
               <a:t>Cinquième niveau</a:t>
             </a:r>
-          </a:p>
-        </p:txBody>
-      </p:sp>
-      <p:sp>
-        <p:nvSpPr>
-          <p:cNvPr id="4" name="Espace réservé de la date 3">
-            <a:extLst>
-              <a:ext uri="{FF2B5EF4-FFF2-40B4-BE49-F238E27FC236}">
-                <a16:creationId xmlns:a16="http://schemas.microsoft.com/office/drawing/2014/main" id="{F16CB345-82C4-430D-A2AB-19A17012DD0A}"/>
-              </a:ext>
-            </a:extLst>
-          </p:cNvPr>
+            <a:endParaRPr lang="en-US" dirty="0"/>
+          </a:p>
+        </p:txBody>
+      </p:sp>
+      <p:sp>
+        <p:nvSpPr>
+          <p:cNvPr id="4" name="Date Placeholder 3"/>
           <p:cNvSpPr>
             <a:spLocks noGrp="1"/>
           </p:cNvSpPr>
@@ -668,13 +2646,7 @@
       </p:sp>
       <p:sp>
         <p:nvSpPr>
-          <p:cNvPr id="5" name="Espace réservé du pied de page 4">
-            <a:extLst>
-              <a:ext uri="{FF2B5EF4-FFF2-40B4-BE49-F238E27FC236}">
-                <a16:creationId xmlns:a16="http://schemas.microsoft.com/office/drawing/2014/main" id="{1C49A780-A32E-4CBC-A876-EE7C4355F96B}"/>
-              </a:ext>
-            </a:extLst>
-          </p:cNvPr>
+          <p:cNvPr id="5" name="Footer Placeholder 4"/>
           <p:cNvSpPr>
             <a:spLocks noGrp="1"/>
           </p:cNvSpPr>
@@ -693,13 +2665,7 @@
       </p:sp>
       <p:sp>
         <p:nvSpPr>
-          <p:cNvPr id="6" name="Espace réservé du numéro de diapositive 5">
-            <a:extLst>
-              <a:ext uri="{FF2B5EF4-FFF2-40B4-BE49-F238E27FC236}">
-                <a16:creationId xmlns:a16="http://schemas.microsoft.com/office/drawing/2014/main" id="{A61E6DEE-9260-409D-999B-B3C81E58ABC1}"/>
-              </a:ext>
-            </a:extLst>
-          </p:cNvPr>
+          <p:cNvPr id="6" name="Slide Number Placeholder 5"/>
           <p:cNvSpPr>
             <a:spLocks noGrp="1"/>
           </p:cNvSpPr>
@@ -723,7 +2689,7 @@
     </p:spTree>
     <p:extLst>
       <p:ext uri="{BB962C8B-B14F-4D97-AF65-F5344CB8AC3E}">
-        <p14:creationId xmlns:p14="http://schemas.microsoft.com/office/powerpoint/2010/main" val="2269300196"/>
+        <p14:creationId xmlns:p14="http://schemas.microsoft.com/office/powerpoint/2010/main" val="765144641"/>
       </p:ext>
     </p:extLst>
   </p:cSld>
@@ -752,13 +2718,7 @@
       </p:grpSpPr>
       <p:sp>
         <p:nvSpPr>
-          <p:cNvPr id="2" name="Titre 1">
-            <a:extLst>
-              <a:ext uri="{FF2B5EF4-FFF2-40B4-BE49-F238E27FC236}">
-                <a16:creationId xmlns:a16="http://schemas.microsoft.com/office/drawing/2014/main" id="{1D64C55A-E9BE-4C99-8C6A-121C5874B050}"/>
-              </a:ext>
-            </a:extLst>
-          </p:cNvPr>
+          <p:cNvPr id="2" name="Title 1"/>
           <p:cNvSpPr>
             <a:spLocks noGrp="1"/>
           </p:cNvSpPr>
@@ -775,18 +2735,13 @@
               <a:rPr lang="fr-FR"/>
               <a:t>Modifiez le style du titre</a:t>
             </a:r>
-          </a:p>
-        </p:txBody>
-      </p:sp>
-      <p:sp>
-        <p:nvSpPr>
-          <p:cNvPr id="3" name="Espace réservé du contenu 2">
-            <a:extLst>
-              <a:ext uri="{FF2B5EF4-FFF2-40B4-BE49-F238E27FC236}">
-                <a16:creationId xmlns:a16="http://schemas.microsoft.com/office/drawing/2014/main" id="{BC7DE665-357A-4BAF-98D9-995A901A6162}"/>
-              </a:ext>
-            </a:extLst>
-          </p:cNvPr>
+            <a:endParaRPr lang="en-US" dirty="0"/>
+          </a:p>
+        </p:txBody>
+      </p:sp>
+      <p:sp>
+        <p:nvSpPr>
+          <p:cNvPr id="3" name="Content Placeholder 2"/>
           <p:cNvSpPr>
             <a:spLocks noGrp="1"/>
           </p:cNvSpPr>
@@ -796,7 +2751,7 @@
         </p:nvSpPr>
         <p:spPr/>
         <p:txBody>
-          <a:bodyPr/>
+          <a:bodyPr anchor="ctr"/>
           <a:lstStyle/>
           <a:p>
             <a:pPr lvl="0"/>
@@ -832,18 +2787,13 @@
               <a:rPr lang="fr-FR"/>
               <a:t>Cinquième niveau</a:t>
             </a:r>
-          </a:p>
-        </p:txBody>
-      </p:sp>
-      <p:sp>
-        <p:nvSpPr>
-          <p:cNvPr id="4" name="Espace réservé de la date 3">
-            <a:extLst>
-              <a:ext uri="{FF2B5EF4-FFF2-40B4-BE49-F238E27FC236}">
-                <a16:creationId xmlns:a16="http://schemas.microsoft.com/office/drawing/2014/main" id="{53D99C34-6133-4E96-BE82-07C08B70EAB2}"/>
-              </a:ext>
-            </a:extLst>
-          </p:cNvPr>
+            <a:endParaRPr lang="en-US" dirty="0"/>
+          </a:p>
+        </p:txBody>
+      </p:sp>
+      <p:sp>
+        <p:nvSpPr>
+          <p:cNvPr id="4" name="Date Placeholder 3"/>
           <p:cNvSpPr>
             <a:spLocks noGrp="1"/>
           </p:cNvSpPr>
@@ -866,13 +2816,7 @@
       </p:sp>
       <p:sp>
         <p:nvSpPr>
-          <p:cNvPr id="5" name="Espace réservé du pied de page 4">
-            <a:extLst>
-              <a:ext uri="{FF2B5EF4-FFF2-40B4-BE49-F238E27FC236}">
-                <a16:creationId xmlns:a16="http://schemas.microsoft.com/office/drawing/2014/main" id="{0EC4302C-E3CD-4051-8E37-1D6123146FD0}"/>
-              </a:ext>
-            </a:extLst>
-          </p:cNvPr>
+          <p:cNvPr id="5" name="Footer Placeholder 4"/>
           <p:cNvSpPr>
             <a:spLocks noGrp="1"/>
           </p:cNvSpPr>
@@ -891,13 +2835,7 @@
       </p:sp>
       <p:sp>
         <p:nvSpPr>
-          <p:cNvPr id="6" name="Espace réservé du numéro de diapositive 5">
-            <a:extLst>
-              <a:ext uri="{FF2B5EF4-FFF2-40B4-BE49-F238E27FC236}">
-                <a16:creationId xmlns:a16="http://schemas.microsoft.com/office/drawing/2014/main" id="{D44D4D6F-E51A-45EE-B732-D89F4EBB6FB2}"/>
-              </a:ext>
-            </a:extLst>
-          </p:cNvPr>
+          <p:cNvPr id="6" name="Slide Number Placeholder 5"/>
           <p:cNvSpPr>
             <a:spLocks noGrp="1"/>
           </p:cNvSpPr>
@@ -921,7 +2859,7 @@
     </p:spTree>
     <p:extLst>
       <p:ext uri="{BB962C8B-B14F-4D97-AF65-F5344CB8AC3E}">
-        <p14:creationId xmlns:p14="http://schemas.microsoft.com/office/powerpoint/2010/main" val="26919509"/>
+        <p14:creationId xmlns:p14="http://schemas.microsoft.com/office/powerpoint/2010/main" val="1914545554"/>
       </p:ext>
     </p:extLst>
   </p:cSld>
@@ -950,13 +2888,7 @@
       </p:grpSpPr>
       <p:sp>
         <p:nvSpPr>
-          <p:cNvPr id="2" name="Titre 1">
-            <a:extLst>
-              <a:ext uri="{FF2B5EF4-FFF2-40B4-BE49-F238E27FC236}">
-                <a16:creationId xmlns:a16="http://schemas.microsoft.com/office/drawing/2014/main" id="{C45C21F6-BDFA-40EB-962C-5783B90FBBE9}"/>
-              </a:ext>
-            </a:extLst>
-          </p:cNvPr>
+          <p:cNvPr id="2" name="Title 1"/>
           <p:cNvSpPr>
             <a:spLocks noGrp="1"/>
           </p:cNvSpPr>
@@ -966,15 +2898,17 @@
         </p:nvSpPr>
         <p:spPr>
           <a:xfrm>
-            <a:off x="831850" y="1709738"/>
-            <a:ext cx="10515600" cy="2852737"/>
+            <a:off x="684211" y="2006600"/>
+            <a:ext cx="8534401" cy="2281600"/>
           </a:xfrm>
         </p:spPr>
         <p:txBody>
-          <a:bodyPr anchor="b"/>
+          <a:bodyPr anchor="b">
+            <a:normAutofit/>
+          </a:bodyPr>
           <a:lstStyle>
-            <a:lvl1pPr>
-              <a:defRPr sz="6000"/>
+            <a:lvl1pPr algn="l">
+              <a:defRPr sz="3600" b="0" cap="all"/>
             </a:lvl1pPr>
           </a:lstStyle>
           <a:p>
@@ -982,18 +2916,13 @@
               <a:rPr lang="fr-FR"/>
               <a:t>Modifiez le style du titre</a:t>
             </a:r>
-          </a:p>
-        </p:txBody>
-      </p:sp>
-      <p:sp>
-        <p:nvSpPr>
-          <p:cNvPr id="3" name="Espace réservé du texte 2">
-            <a:extLst>
-              <a:ext uri="{FF2B5EF4-FFF2-40B4-BE49-F238E27FC236}">
-                <a16:creationId xmlns:a16="http://schemas.microsoft.com/office/drawing/2014/main" id="{A0B3B94B-E8E5-4690-8289-FDD3F1BFA7AF}"/>
-              </a:ext>
-            </a:extLst>
-          </p:cNvPr>
+            <a:endParaRPr lang="en-US" dirty="0"/>
+          </a:p>
+        </p:txBody>
+      </p:sp>
+      <p:sp>
+        <p:nvSpPr>
+          <p:cNvPr id="3" name="Text Placeholder 2"/>
           <p:cNvSpPr>
             <a:spLocks noGrp="1"/>
           </p:cNvSpPr>
@@ -1003,102 +2932,104 @@
         </p:nvSpPr>
         <p:spPr>
           <a:xfrm>
-            <a:off x="831850" y="4589463"/>
-            <a:ext cx="10515600" cy="1500187"/>
+            <a:off x="684213" y="4495800"/>
+            <a:ext cx="8534400" cy="1498600"/>
           </a:xfrm>
         </p:spPr>
         <p:txBody>
-          <a:bodyPr/>
+          <a:bodyPr anchor="t">
+            <a:normAutofit/>
+          </a:bodyPr>
           <a:lstStyle>
-            <a:lvl1pPr marL="0" indent="0">
-              <a:buNone/>
-              <a:defRPr sz="2400">
+            <a:lvl1pPr marL="0" indent="0" algn="l">
+              <a:buNone/>
+              <a:defRPr sz="1800">
+                <a:solidFill>
+                  <a:schemeClr val="bg2">
+                    <a:lumMod val="75000"/>
+                  </a:schemeClr>
+                </a:solidFill>
+              </a:defRPr>
+            </a:lvl1pPr>
+            <a:lvl2pPr marL="457200" indent="0">
+              <a:buNone/>
+              <a:defRPr sz="1800">
                 <a:solidFill>
                   <a:schemeClr val="tx1">
                     <a:tint val="75000"/>
                   </a:schemeClr>
                 </a:solidFill>
               </a:defRPr>
-            </a:lvl1pPr>
-            <a:lvl2pPr marL="457200" indent="0">
-              <a:buNone/>
-              <a:defRPr sz="2000">
+            </a:lvl2pPr>
+            <a:lvl3pPr marL="914400" indent="0">
+              <a:buNone/>
+              <a:defRPr sz="1600">
                 <a:solidFill>
                   <a:schemeClr val="tx1">
                     <a:tint val="75000"/>
                   </a:schemeClr>
                 </a:solidFill>
               </a:defRPr>
-            </a:lvl2pPr>
-            <a:lvl3pPr marL="914400" indent="0">
-              <a:buNone/>
-              <a:defRPr sz="1800">
+            </a:lvl3pPr>
+            <a:lvl4pPr marL="1371600" indent="0">
+              <a:buNone/>
+              <a:defRPr sz="1400">
                 <a:solidFill>
                   <a:schemeClr val="tx1">
                     <a:tint val="75000"/>
                   </a:schemeClr>
                 </a:solidFill>
               </a:defRPr>
-            </a:lvl3pPr>
-            <a:lvl4pPr marL="1371600" indent="0">
-              <a:buNone/>
-              <a:defRPr sz="1600">
+            </a:lvl4pPr>
+            <a:lvl5pPr marL="1828800" indent="0">
+              <a:buNone/>
+              <a:defRPr sz="1400">
                 <a:solidFill>
                   <a:schemeClr val="tx1">
                     <a:tint val="75000"/>
                   </a:schemeClr>
                 </a:solidFill>
               </a:defRPr>
-            </a:lvl4pPr>
-            <a:lvl5pPr marL="1828800" indent="0">
-              <a:buNone/>
-              <a:defRPr sz="1600">
+            </a:lvl5pPr>
+            <a:lvl6pPr marL="2286000" indent="0">
+              <a:buNone/>
+              <a:defRPr sz="1400">
                 <a:solidFill>
                   <a:schemeClr val="tx1">
                     <a:tint val="75000"/>
                   </a:schemeClr>
                 </a:solidFill>
               </a:defRPr>
-            </a:lvl5pPr>
-            <a:lvl6pPr marL="2286000" indent="0">
-              <a:buNone/>
-              <a:defRPr sz="1600">
+            </a:lvl6pPr>
+            <a:lvl7pPr marL="2743200" indent="0">
+              <a:buNone/>
+              <a:defRPr sz="1400">
                 <a:solidFill>
                   <a:schemeClr val="tx1">
                     <a:tint val="75000"/>
                   </a:schemeClr>
                 </a:solidFill>
               </a:defRPr>
-            </a:lvl6pPr>
-            <a:lvl7pPr marL="2743200" indent="0">
-              <a:buNone/>
-              <a:defRPr sz="1600">
+            </a:lvl7pPr>
+            <a:lvl8pPr marL="3200400" indent="0">
+              <a:buNone/>
+              <a:defRPr sz="1400">
                 <a:solidFill>
                   <a:schemeClr val="tx1">
                     <a:tint val="75000"/>
                   </a:schemeClr>
                 </a:solidFill>
               </a:defRPr>
-            </a:lvl7pPr>
-            <a:lvl8pPr marL="3200400" indent="0">
-              <a:buNone/>
-              <a:defRPr sz="1600">
+            </a:lvl8pPr>
+            <a:lvl9pPr marL="3657600" indent="0">
+              <a:buNone/>
+              <a:defRPr sz="1400">
                 <a:solidFill>
                   <a:schemeClr val="tx1">
                     <a:tint val="75000"/>
                   </a:schemeClr>
                 </a:solidFill>
               </a:defRPr>
-            </a:lvl8pPr>
-            <a:lvl9pPr marL="3657600" indent="0">
-              <a:buNone/>
-              <a:defRPr sz="1600">
-                <a:solidFill>
-                  <a:schemeClr val="tx1">
-                    <a:tint val="75000"/>
-                  </a:schemeClr>
-                </a:solidFill>
-              </a:defRPr>
             </a:lvl9pPr>
           </a:lstStyle>
           <a:p>
@@ -1112,13 +3043,7 @@
       </p:sp>
       <p:sp>
         <p:nvSpPr>
-          <p:cNvPr id="4" name="Espace réservé de la date 3">
-            <a:extLst>
-              <a:ext uri="{FF2B5EF4-FFF2-40B4-BE49-F238E27FC236}">
-                <a16:creationId xmlns:a16="http://schemas.microsoft.com/office/drawing/2014/main" id="{6BFCBB2C-9BEF-4BC2-88D2-82682CC703C6}"/>
-              </a:ext>
-            </a:extLst>
-          </p:cNvPr>
+          <p:cNvPr id="4" name="Date Placeholder 3"/>
           <p:cNvSpPr>
             <a:spLocks noGrp="1"/>
           </p:cNvSpPr>
@@ -1141,13 +3066,7 @@
       </p:sp>
       <p:sp>
         <p:nvSpPr>
-          <p:cNvPr id="5" name="Espace réservé du pied de page 4">
-            <a:extLst>
-              <a:ext uri="{FF2B5EF4-FFF2-40B4-BE49-F238E27FC236}">
-                <a16:creationId xmlns:a16="http://schemas.microsoft.com/office/drawing/2014/main" id="{CDAC6980-D64B-45D1-9993-4F7A95FE03D8}"/>
-              </a:ext>
-            </a:extLst>
-          </p:cNvPr>
+          <p:cNvPr id="5" name="Footer Placeholder 4"/>
           <p:cNvSpPr>
             <a:spLocks noGrp="1"/>
           </p:cNvSpPr>
@@ -1166,13 +3085,7 @@
       </p:sp>
       <p:sp>
         <p:nvSpPr>
-          <p:cNvPr id="6" name="Espace réservé du numéro de diapositive 5">
-            <a:extLst>
-              <a:ext uri="{FF2B5EF4-FFF2-40B4-BE49-F238E27FC236}">
-                <a16:creationId xmlns:a16="http://schemas.microsoft.com/office/drawing/2014/main" id="{B6A942AC-9E98-4AFA-8D7F-A78615ED0541}"/>
-              </a:ext>
-            </a:extLst>
-          </p:cNvPr>
+          <p:cNvPr id="6" name="Slide Number Placeholder 5"/>
           <p:cNvSpPr>
             <a:spLocks noGrp="1"/>
           </p:cNvSpPr>
@@ -1196,7 +3109,7 @@
     </p:spTree>
     <p:extLst>
       <p:ext uri="{BB962C8B-B14F-4D97-AF65-F5344CB8AC3E}">
-        <p14:creationId xmlns:p14="http://schemas.microsoft.com/office/powerpoint/2010/main" val="3778594765"/>
+        <p14:creationId xmlns:p14="http://schemas.microsoft.com/office/powerpoint/2010/main" val="1688438289"/>
       </p:ext>
     </p:extLst>
   </p:cSld>
@@ -1225,13 +3138,7 @@
       </p:grpSpPr>
       <p:sp>
         <p:nvSpPr>
-          <p:cNvPr id="2" name="Titre 1">
-            <a:extLst>
-              <a:ext uri="{FF2B5EF4-FFF2-40B4-BE49-F238E27FC236}">
-                <a16:creationId xmlns:a16="http://schemas.microsoft.com/office/drawing/2014/main" id="{A3D1A515-3681-4BFF-897B-28092371FD4D}"/>
-              </a:ext>
-            </a:extLst>
-          </p:cNvPr>
+          <p:cNvPr id="2" name="Title 1"/>
           <p:cNvSpPr>
             <a:spLocks noGrp="1"/>
           </p:cNvSpPr>
@@ -1248,18 +3155,13 @@
               <a:rPr lang="fr-FR"/>
               <a:t>Modifiez le style du titre</a:t>
             </a:r>
-          </a:p>
-        </p:txBody>
-      </p:sp>
-      <p:sp>
-        <p:nvSpPr>
-          <p:cNvPr id="3" name="Espace réservé du contenu 2">
-            <a:extLst>
-              <a:ext uri="{FF2B5EF4-FFF2-40B4-BE49-F238E27FC236}">
-                <a16:creationId xmlns:a16="http://schemas.microsoft.com/office/drawing/2014/main" id="{A6FC07C9-C5E2-4443-BBA9-C06EE0BB9D5D}"/>
-              </a:ext>
-            </a:extLst>
-          </p:cNvPr>
+            <a:endParaRPr lang="en-US" dirty="0"/>
+          </a:p>
+        </p:txBody>
+      </p:sp>
+      <p:sp>
+        <p:nvSpPr>
+          <p:cNvPr id="3" name="Content Placeholder 2"/>
           <p:cNvSpPr>
             <a:spLocks noGrp="1"/>
           </p:cNvSpPr>
@@ -1269,12 +3171,14 @@
         </p:nvSpPr>
         <p:spPr>
           <a:xfrm>
-            <a:off x="838200" y="1825625"/>
-            <a:ext cx="5181600" cy="4351338"/>
+            <a:off x="684211" y="685800"/>
+            <a:ext cx="4937655" cy="3615267"/>
           </a:xfrm>
         </p:spPr>
         <p:txBody>
-          <a:bodyPr/>
+          <a:bodyPr>
+            <a:normAutofit/>
+          </a:bodyPr>
           <a:lstStyle/>
           <a:p>
             <a:pPr lvl="0"/>
@@ -1310,18 +3214,13 @@
               <a:rPr lang="fr-FR"/>
               <a:t>Cinquième niveau</a:t>
             </a:r>
-          </a:p>
-        </p:txBody>
-      </p:sp>
-      <p:sp>
-        <p:nvSpPr>
-          <p:cNvPr id="4" name="Espace réservé du contenu 3">
-            <a:extLst>
-              <a:ext uri="{FF2B5EF4-FFF2-40B4-BE49-F238E27FC236}">
-                <a16:creationId xmlns:a16="http://schemas.microsoft.com/office/drawing/2014/main" id="{895CBEE9-B080-4E16-9311-72CFEE0F5252}"/>
-              </a:ext>
-            </a:extLst>
-          </p:cNvPr>
+            <a:endParaRPr lang="en-US" dirty="0"/>
+          </a:p>
+        </p:txBody>
+      </p:sp>
+      <p:sp>
+        <p:nvSpPr>
+          <p:cNvPr id="4" name="Content Placeholder 3"/>
           <p:cNvSpPr>
             <a:spLocks noGrp="1"/>
           </p:cNvSpPr>
@@ -1331,12 +3230,14 @@
         </p:nvSpPr>
         <p:spPr>
           <a:xfrm>
-            <a:off x="6172200" y="1825625"/>
-            <a:ext cx="5181600" cy="4351338"/>
+            <a:off x="5808133" y="685801"/>
+            <a:ext cx="4934479" cy="3615266"/>
           </a:xfrm>
         </p:spPr>
         <p:txBody>
-          <a:bodyPr/>
+          <a:bodyPr>
+            <a:normAutofit/>
+          </a:bodyPr>
           <a:lstStyle/>
           <a:p>
             <a:pPr lvl="0"/>
@@ -1372,18 +3273,13 @@
               <a:rPr lang="fr-FR"/>
               <a:t>Cinquième niveau</a:t>
             </a:r>
-          </a:p>
-        </p:txBody>
-      </p:sp>
-      <p:sp>
-        <p:nvSpPr>
-          <p:cNvPr id="5" name="Espace réservé de la date 4">
-            <a:extLst>
-              <a:ext uri="{FF2B5EF4-FFF2-40B4-BE49-F238E27FC236}">
-                <a16:creationId xmlns:a16="http://schemas.microsoft.com/office/drawing/2014/main" id="{F8613696-030E-4C6E-A93A-1CCABA15976E}"/>
-              </a:ext>
-            </a:extLst>
-          </p:cNvPr>
+            <a:endParaRPr lang="en-US" dirty="0"/>
+          </a:p>
+        </p:txBody>
+      </p:sp>
+      <p:sp>
+        <p:nvSpPr>
+          <p:cNvPr id="5" name="Date Placeholder 4"/>
           <p:cNvSpPr>
             <a:spLocks noGrp="1"/>
           </p:cNvSpPr>
@@ -1406,13 +3302,7 @@
       </p:sp>
       <p:sp>
         <p:nvSpPr>
-          <p:cNvPr id="6" name="Espace réservé du pied de page 5">
-            <a:extLst>
-              <a:ext uri="{FF2B5EF4-FFF2-40B4-BE49-F238E27FC236}">
-                <a16:creationId xmlns:a16="http://schemas.microsoft.com/office/drawing/2014/main" id="{8ECDC7E6-CBF8-4FBA-BAED-D979D980B3DC}"/>
-              </a:ext>
-            </a:extLst>
-          </p:cNvPr>
+          <p:cNvPr id="6" name="Footer Placeholder 5"/>
           <p:cNvSpPr>
             <a:spLocks noGrp="1"/>
           </p:cNvSpPr>
@@ -1431,13 +3321,7 @@
       </p:sp>
       <p:sp>
         <p:nvSpPr>
-          <p:cNvPr id="7" name="Espace réservé du numéro de diapositive 6">
-            <a:extLst>
-              <a:ext uri="{FF2B5EF4-FFF2-40B4-BE49-F238E27FC236}">
-                <a16:creationId xmlns:a16="http://schemas.microsoft.com/office/drawing/2014/main" id="{DAB73795-9DC5-4F75-8CDF-562BFDAD62E7}"/>
-              </a:ext>
-            </a:extLst>
-          </p:cNvPr>
+          <p:cNvPr id="7" name="Slide Number Placeholder 6"/>
           <p:cNvSpPr>
             <a:spLocks noGrp="1"/>
           </p:cNvSpPr>
@@ -1461,7 +3345,7 @@
     </p:spTree>
     <p:extLst>
       <p:ext uri="{BB962C8B-B14F-4D97-AF65-F5344CB8AC3E}">
-        <p14:creationId xmlns:p14="http://schemas.microsoft.com/office/powerpoint/2010/main" val="85789010"/>
+        <p14:creationId xmlns:p14="http://schemas.microsoft.com/office/powerpoint/2010/main" val="3732349502"/>
       </p:ext>
     </p:extLst>
   </p:cSld>
@@ -1490,65 +3374,59 @@
       </p:grpSpPr>
       <p:sp>
         <p:nvSpPr>
-          <p:cNvPr id="2" name="Titre 1">
-            <a:extLst>
-              <a:ext uri="{FF2B5EF4-FFF2-40B4-BE49-F238E27FC236}">
-                <a16:creationId xmlns:a16="http://schemas.microsoft.com/office/drawing/2014/main" id="{ACE9BFDE-7FE0-4C4C-9EDC-DA7D54EEDBAF}"/>
-              </a:ext>
-            </a:extLst>
-          </p:cNvPr>
+          <p:cNvPr id="2" name="Title 1"/>
           <p:cNvSpPr>
             <a:spLocks noGrp="1"/>
           </p:cNvSpPr>
           <p:nvPr>
             <p:ph type="title"/>
+          </p:nvPr>
+        </p:nvSpPr>
+        <p:spPr/>
+        <p:txBody>
+          <a:bodyPr/>
+          <a:lstStyle>
+            <a:lvl1pPr>
+              <a:defRPr/>
+            </a:lvl1pPr>
+          </a:lstStyle>
+          <a:p>
+            <a:r>
+              <a:rPr lang="fr-FR"/>
+              <a:t>Modifiez le style du titre</a:t>
+            </a:r>
+            <a:endParaRPr lang="en-US" dirty="0"/>
+          </a:p>
+        </p:txBody>
+      </p:sp>
+      <p:sp>
+        <p:nvSpPr>
+          <p:cNvPr id="3" name="Text Placeholder 2"/>
+          <p:cNvSpPr>
+            <a:spLocks noGrp="1"/>
+          </p:cNvSpPr>
+          <p:nvPr>
+            <p:ph type="body" idx="1"/>
           </p:nvPr>
         </p:nvSpPr>
         <p:spPr>
           <a:xfrm>
-            <a:off x="839788" y="365125"/>
-            <a:ext cx="10515600" cy="1325563"/>
+            <a:off x="972080" y="685800"/>
+            <a:ext cx="4649787" cy="576262"/>
           </a:xfrm>
         </p:spPr>
         <p:txBody>
-          <a:bodyPr/>
-          <a:lstStyle/>
-          <a:p>
-            <a:r>
-              <a:rPr lang="fr-FR"/>
-              <a:t>Modifiez le style du titre</a:t>
-            </a:r>
-          </a:p>
-        </p:txBody>
-      </p:sp>
-      <p:sp>
-        <p:nvSpPr>
-          <p:cNvPr id="3" name="Espace réservé du texte 2">
-            <a:extLst>
-              <a:ext uri="{FF2B5EF4-FFF2-40B4-BE49-F238E27FC236}">
-                <a16:creationId xmlns:a16="http://schemas.microsoft.com/office/drawing/2014/main" id="{469A22F9-9A4D-4F05-8D02-C54BD7E52CE6}"/>
-              </a:ext>
-            </a:extLst>
-          </p:cNvPr>
-          <p:cNvSpPr>
-            <a:spLocks noGrp="1"/>
-          </p:cNvSpPr>
-          <p:nvPr>
-            <p:ph type="body" idx="1"/>
-          </p:nvPr>
-        </p:nvSpPr>
-        <p:spPr>
-          <a:xfrm>
-            <a:off x="839788" y="1681163"/>
-            <a:ext cx="5157787" cy="823912"/>
-          </a:xfrm>
-        </p:spPr>
-        <p:txBody>
-          <a:bodyPr anchor="b"/>
+          <a:bodyPr anchor="b">
+            <a:noAutofit/>
+          </a:bodyPr>
           <a:lstStyle>
             <a:lvl1pPr marL="0" indent="0">
               <a:buNone/>
-              <a:defRPr sz="2400" b="1"/>
+              <a:defRPr sz="2800" b="0">
+                <a:solidFill>
+                  <a:schemeClr val="tx1"/>
+                </a:solidFill>
+              </a:defRPr>
             </a:lvl1pPr>
             <a:lvl2pPr marL="457200" indent="0">
               <a:buNone/>
@@ -1594,13 +3472,7 @@
       </p:sp>
       <p:sp>
         <p:nvSpPr>
-          <p:cNvPr id="4" name="Espace réservé du contenu 3">
-            <a:extLst>
-              <a:ext uri="{FF2B5EF4-FFF2-40B4-BE49-F238E27FC236}">
-                <a16:creationId xmlns:a16="http://schemas.microsoft.com/office/drawing/2014/main" id="{0486745A-5B23-49E8-9DD6-D09EC3A4BED2}"/>
-              </a:ext>
-            </a:extLst>
-          </p:cNvPr>
+          <p:cNvPr id="4" name="Content Placeholder 3"/>
           <p:cNvSpPr>
             <a:spLocks noGrp="1"/>
           </p:cNvSpPr>
@@ -1610,12 +3482,14 @@
         </p:nvSpPr>
         <p:spPr>
           <a:xfrm>
-            <a:off x="839788" y="2505075"/>
-            <a:ext cx="5157787" cy="3684588"/>
+            <a:off x="684211" y="1270529"/>
+            <a:ext cx="4937655" cy="3030538"/>
           </a:xfrm>
         </p:spPr>
         <p:txBody>
-          <a:bodyPr/>
+          <a:bodyPr anchor="t">
+            <a:normAutofit/>
+          </a:bodyPr>
           <a:lstStyle/>
           <a:p>
             <a:pPr lvl="0"/>
@@ -1651,18 +3525,13 @@
               <a:rPr lang="fr-FR"/>
               <a:t>Cinquième niveau</a:t>
             </a:r>
-          </a:p>
-        </p:txBody>
-      </p:sp>
-      <p:sp>
-        <p:nvSpPr>
-          <p:cNvPr id="5" name="Espace réservé du texte 4">
-            <a:extLst>
-              <a:ext uri="{FF2B5EF4-FFF2-40B4-BE49-F238E27FC236}">
-                <a16:creationId xmlns:a16="http://schemas.microsoft.com/office/drawing/2014/main" id="{E8F59D3E-6DD7-4E63-80D2-02C5050D2DA8}"/>
-              </a:ext>
-            </a:extLst>
-          </p:cNvPr>
+            <a:endParaRPr lang="en-US" dirty="0"/>
+          </a:p>
+        </p:txBody>
+      </p:sp>
+      <p:sp>
+        <p:nvSpPr>
+          <p:cNvPr id="5" name="Text Placeholder 4"/>
           <p:cNvSpPr>
             <a:spLocks noGrp="1"/>
           </p:cNvSpPr>
@@ -1672,16 +3541,22 @@
         </p:nvSpPr>
         <p:spPr>
           <a:xfrm>
-            <a:off x="6172200" y="1681163"/>
-            <a:ext cx="5183188" cy="823912"/>
+            <a:off x="6079066" y="685800"/>
+            <a:ext cx="4665134" cy="576262"/>
           </a:xfrm>
         </p:spPr>
         <p:txBody>
-          <a:bodyPr anchor="b"/>
+          <a:bodyPr anchor="b">
+            <a:noAutofit/>
+          </a:bodyPr>
           <a:lstStyle>
             <a:lvl1pPr marL="0" indent="0">
               <a:buNone/>
-              <a:defRPr sz="2400" b="1"/>
+              <a:defRPr sz="2800" b="0">
+                <a:solidFill>
+                  <a:schemeClr val="tx1"/>
+                </a:solidFill>
+              </a:defRPr>
             </a:lvl1pPr>
             <a:lvl2pPr marL="457200" indent="0">
               <a:buNone/>
@@ -1727,13 +3602,7 @@
       </p:sp>
       <p:sp>
         <p:nvSpPr>
-          <p:cNvPr id="6" name="Espace réservé du contenu 5">
-            <a:extLst>
-              <a:ext uri="{FF2B5EF4-FFF2-40B4-BE49-F238E27FC236}">
-                <a16:creationId xmlns:a16="http://schemas.microsoft.com/office/drawing/2014/main" id="{4641E086-2787-4D12-910B-148EEAF4C066}"/>
-              </a:ext>
-            </a:extLst>
-          </p:cNvPr>
+          <p:cNvPr id="6" name="Content Placeholder 5"/>
           <p:cNvSpPr>
             <a:spLocks noGrp="1"/>
           </p:cNvSpPr>
@@ -1743,12 +3612,14 @@
         </p:nvSpPr>
         <p:spPr>
           <a:xfrm>
-            <a:off x="6172200" y="2505075"/>
-            <a:ext cx="5183188" cy="3684588"/>
+            <a:off x="5806545" y="1262062"/>
+            <a:ext cx="4929188" cy="3030538"/>
           </a:xfrm>
         </p:spPr>
         <p:txBody>
-          <a:bodyPr/>
+          <a:bodyPr anchor="t">
+            <a:normAutofit/>
+          </a:bodyPr>
           <a:lstStyle/>
           <a:p>
             <a:pPr lvl="0"/>
@@ -1784,18 +3655,13 @@
               <a:rPr lang="fr-FR"/>
               <a:t>Cinquième niveau</a:t>
             </a:r>
-          </a:p>
-        </p:txBody>
-      </p:sp>
-      <p:sp>
-        <p:nvSpPr>
-          <p:cNvPr id="7" name="Espace réservé de la date 6">
-            <a:extLst>
-              <a:ext uri="{FF2B5EF4-FFF2-40B4-BE49-F238E27FC236}">
-                <a16:creationId xmlns:a16="http://schemas.microsoft.com/office/drawing/2014/main" id="{A0E7D421-0865-472D-8BB5-36EACD6306CE}"/>
-              </a:ext>
-            </a:extLst>
-          </p:cNvPr>
+            <a:endParaRPr lang="en-US" dirty="0"/>
+          </a:p>
+        </p:txBody>
+      </p:sp>
+      <p:sp>
+        <p:nvSpPr>
+          <p:cNvPr id="7" name="Date Placeholder 6"/>
           <p:cNvSpPr>
             <a:spLocks noGrp="1"/>
           </p:cNvSpPr>
@@ -1818,13 +3684,7 @@
       </p:sp>
       <p:sp>
         <p:nvSpPr>
-          <p:cNvPr id="8" name="Espace réservé du pied de page 7">
-            <a:extLst>
-              <a:ext uri="{FF2B5EF4-FFF2-40B4-BE49-F238E27FC236}">
-                <a16:creationId xmlns:a16="http://schemas.microsoft.com/office/drawing/2014/main" id="{5DA6232B-A261-49E8-8017-B960CEE205CF}"/>
-              </a:ext>
-            </a:extLst>
-          </p:cNvPr>
+          <p:cNvPr id="8" name="Footer Placeholder 7"/>
           <p:cNvSpPr>
             <a:spLocks noGrp="1"/>
           </p:cNvSpPr>
@@ -1843,13 +3703,7 @@
       </p:sp>
       <p:sp>
         <p:nvSpPr>
-          <p:cNvPr id="9" name="Espace réservé du numéro de diapositive 8">
-            <a:extLst>
-              <a:ext uri="{FF2B5EF4-FFF2-40B4-BE49-F238E27FC236}">
-                <a16:creationId xmlns:a16="http://schemas.microsoft.com/office/drawing/2014/main" id="{D11320CF-1B66-4C4B-B211-19941DE1A3E3}"/>
-              </a:ext>
-            </a:extLst>
-          </p:cNvPr>
+          <p:cNvPr id="9" name="Slide Number Placeholder 8"/>
           <p:cNvSpPr>
             <a:spLocks noGrp="1"/>
           </p:cNvSpPr>
@@ -1873,7 +3727,7 @@
     </p:spTree>
     <p:extLst>
       <p:ext uri="{BB962C8B-B14F-4D97-AF65-F5344CB8AC3E}">
-        <p14:creationId xmlns:p14="http://schemas.microsoft.com/office/powerpoint/2010/main" val="2844314557"/>
+        <p14:creationId xmlns:p14="http://schemas.microsoft.com/office/powerpoint/2010/main" val="209415575"/>
       </p:ext>
     </p:extLst>
   </p:cSld>
@@ -1902,13 +3756,7 @@
       </p:grpSpPr>
       <p:sp>
         <p:nvSpPr>
-          <p:cNvPr id="2" name="Titre 1">
-            <a:extLst>
-              <a:ext uri="{FF2B5EF4-FFF2-40B4-BE49-F238E27FC236}">
-                <a16:creationId xmlns:a16="http://schemas.microsoft.com/office/drawing/2014/main" id="{67F5A024-A2A9-4262-A498-8424FF3E4B39}"/>
-              </a:ext>
-            </a:extLst>
-          </p:cNvPr>
+          <p:cNvPr id="2" name="Title 1"/>
           <p:cNvSpPr>
             <a:spLocks noGrp="1"/>
           </p:cNvSpPr>
@@ -1925,18 +3773,13 @@
               <a:rPr lang="fr-FR"/>
               <a:t>Modifiez le style du titre</a:t>
             </a:r>
-          </a:p>
-        </p:txBody>
-      </p:sp>
-      <p:sp>
-        <p:nvSpPr>
-          <p:cNvPr id="3" name="Espace réservé de la date 2">
-            <a:extLst>
-              <a:ext uri="{FF2B5EF4-FFF2-40B4-BE49-F238E27FC236}">
-                <a16:creationId xmlns:a16="http://schemas.microsoft.com/office/drawing/2014/main" id="{1A6C7BE0-08AA-4A4C-B743-779981409894}"/>
-              </a:ext>
-            </a:extLst>
-          </p:cNvPr>
+            <a:endParaRPr lang="en-US" dirty="0"/>
+          </a:p>
+        </p:txBody>
+      </p:sp>
+      <p:sp>
+        <p:nvSpPr>
+          <p:cNvPr id="3" name="Date Placeholder 2"/>
           <p:cNvSpPr>
             <a:spLocks noGrp="1"/>
           </p:cNvSpPr>
@@ -1959,13 +3802,7 @@
       </p:sp>
       <p:sp>
         <p:nvSpPr>
-          <p:cNvPr id="4" name="Espace réservé du pied de page 3">
-            <a:extLst>
-              <a:ext uri="{FF2B5EF4-FFF2-40B4-BE49-F238E27FC236}">
-                <a16:creationId xmlns:a16="http://schemas.microsoft.com/office/drawing/2014/main" id="{C1BCA049-F6A7-439B-8CED-3EC050442C69}"/>
-              </a:ext>
-            </a:extLst>
-          </p:cNvPr>
+          <p:cNvPr id="4" name="Footer Placeholder 3"/>
           <p:cNvSpPr>
             <a:spLocks noGrp="1"/>
           </p:cNvSpPr>
@@ -1984,13 +3821,7 @@
       </p:sp>
       <p:sp>
         <p:nvSpPr>
-          <p:cNvPr id="5" name="Espace réservé du numéro de diapositive 4">
-            <a:extLst>
-              <a:ext uri="{FF2B5EF4-FFF2-40B4-BE49-F238E27FC236}">
-                <a16:creationId xmlns:a16="http://schemas.microsoft.com/office/drawing/2014/main" id="{D3C63232-EE32-4464-87AC-3C394E79C625}"/>
-              </a:ext>
-            </a:extLst>
-          </p:cNvPr>
+          <p:cNvPr id="5" name="Slide Number Placeholder 4"/>
           <p:cNvSpPr>
             <a:spLocks noGrp="1"/>
           </p:cNvSpPr>
@@ -2014,7 +3845,7 @@
     </p:spTree>
     <p:extLst>
       <p:ext uri="{BB962C8B-B14F-4D97-AF65-F5344CB8AC3E}">
-        <p14:creationId xmlns:p14="http://schemas.microsoft.com/office/powerpoint/2010/main" val="4118490761"/>
+        <p14:creationId xmlns:p14="http://schemas.microsoft.com/office/powerpoint/2010/main" val="1656283738"/>
       </p:ext>
     </p:extLst>
   </p:cSld>
@@ -2043,13 +3874,7 @@
       </p:grpSpPr>
       <p:sp>
         <p:nvSpPr>
-          <p:cNvPr id="2" name="Espace réservé de la date 1">
-            <a:extLst>
-              <a:ext uri="{FF2B5EF4-FFF2-40B4-BE49-F238E27FC236}">
-                <a16:creationId xmlns:a16="http://schemas.microsoft.com/office/drawing/2014/main" id="{7B982235-38F0-4548-A8A1-648E18A45A1E}"/>
-              </a:ext>
-            </a:extLst>
-          </p:cNvPr>
+          <p:cNvPr id="2" name="Date Placeholder 1"/>
           <p:cNvSpPr>
             <a:spLocks noGrp="1"/>
           </p:cNvSpPr>
@@ -2072,13 +3897,7 @@
       </p:sp>
       <p:sp>
         <p:nvSpPr>
-          <p:cNvPr id="3" name="Espace réservé du pied de page 2">
-            <a:extLst>
-              <a:ext uri="{FF2B5EF4-FFF2-40B4-BE49-F238E27FC236}">
-                <a16:creationId xmlns:a16="http://schemas.microsoft.com/office/drawing/2014/main" id="{9A5A9829-83A5-4E07-AFAC-F5CCB33D53D7}"/>
-              </a:ext>
-            </a:extLst>
-          </p:cNvPr>
+          <p:cNvPr id="3" name="Footer Placeholder 2"/>
           <p:cNvSpPr>
             <a:spLocks noGrp="1"/>
           </p:cNvSpPr>
@@ -2097,13 +3916,7 @@
       </p:sp>
       <p:sp>
         <p:nvSpPr>
-          <p:cNvPr id="4" name="Espace réservé du numéro de diapositive 3">
-            <a:extLst>
-              <a:ext uri="{FF2B5EF4-FFF2-40B4-BE49-F238E27FC236}">
-                <a16:creationId xmlns:a16="http://schemas.microsoft.com/office/drawing/2014/main" id="{5DD3A411-E381-4112-B030-8EE422C08608}"/>
-              </a:ext>
-            </a:extLst>
-          </p:cNvPr>
+          <p:cNvPr id="4" name="Slide Number Placeholder 3"/>
           <p:cNvSpPr>
             <a:spLocks noGrp="1"/>
           </p:cNvSpPr>
@@ -2127,7 +3940,7 @@
     </p:spTree>
     <p:extLst>
       <p:ext uri="{BB962C8B-B14F-4D97-AF65-F5344CB8AC3E}">
-        <p14:creationId xmlns:p14="http://schemas.microsoft.com/office/powerpoint/2010/main" val="1444494905"/>
+        <p14:creationId xmlns:p14="http://schemas.microsoft.com/office/powerpoint/2010/main" val="829493775"/>
       </p:ext>
     </p:extLst>
   </p:cSld>
@@ -2156,13 +3969,7 @@
       </p:grpSpPr>
       <p:sp>
         <p:nvSpPr>
-          <p:cNvPr id="2" name="Titre 1">
-            <a:extLst>
-              <a:ext uri="{FF2B5EF4-FFF2-40B4-BE49-F238E27FC236}">
-                <a16:creationId xmlns:a16="http://schemas.microsoft.com/office/drawing/2014/main" id="{5E3C6E38-470B-4403-96DF-ACCD48CCAF37}"/>
-              </a:ext>
-            </a:extLst>
-          </p:cNvPr>
+          <p:cNvPr id="2" name="Title 1"/>
           <p:cNvSpPr>
             <a:spLocks noGrp="1"/>
           </p:cNvSpPr>
@@ -2172,15 +3979,17 @@
         </p:nvSpPr>
         <p:spPr>
           <a:xfrm>
-            <a:off x="839788" y="457200"/>
-            <a:ext cx="3932237" cy="1600200"/>
+            <a:off x="7085012" y="685800"/>
+            <a:ext cx="3657600" cy="1371600"/>
           </a:xfrm>
         </p:spPr>
         <p:txBody>
-          <a:bodyPr anchor="b"/>
+          <a:bodyPr anchor="b">
+            <a:normAutofit/>
+          </a:bodyPr>
           <a:lstStyle>
-            <a:lvl1pPr>
-              <a:defRPr sz="3200"/>
+            <a:lvl1pPr algn="l">
+              <a:defRPr sz="2400" b="0"/>
             </a:lvl1pPr>
           </a:lstStyle>
           <a:p>
@@ -2188,18 +3997,13 @@
               <a:rPr lang="fr-FR"/>
               <a:t>Modifiez le style du titre</a:t>
             </a:r>
-          </a:p>
-        </p:txBody>
-      </p:sp>
-      <p:sp>
-        <p:nvSpPr>
-          <p:cNvPr id="3" name="Espace réservé du contenu 2">
-            <a:extLst>
-              <a:ext uri="{FF2B5EF4-FFF2-40B4-BE49-F238E27FC236}">
-                <a16:creationId xmlns:a16="http://schemas.microsoft.com/office/drawing/2014/main" id="{CC3D7D3A-2691-4A90-9061-765B871A7A01}"/>
-              </a:ext>
-            </a:extLst>
-          </p:cNvPr>
+            <a:endParaRPr lang="en-US" dirty="0"/>
+          </a:p>
+        </p:txBody>
+      </p:sp>
+      <p:sp>
+        <p:nvSpPr>
+          <p:cNvPr id="3" name="Content Placeholder 2"/>
           <p:cNvSpPr>
             <a:spLocks noGrp="1"/>
           </p:cNvSpPr>
@@ -2209,41 +4013,15 @@
         </p:nvSpPr>
         <p:spPr>
           <a:xfrm>
-            <a:off x="5183188" y="987425"/>
-            <a:ext cx="6172200" cy="4873625"/>
+            <a:off x="684212" y="685800"/>
+            <a:ext cx="5943601" cy="5308600"/>
           </a:xfrm>
         </p:spPr>
         <p:txBody>
-          <a:bodyPr/>
-          <a:lstStyle>
-            <a:lvl1pPr>
-              <a:defRPr sz="3200"/>
-            </a:lvl1pPr>
-            <a:lvl2pPr>
-              <a:defRPr sz="2800"/>
-            </a:lvl2pPr>
-            <a:lvl3pPr>
-              <a:defRPr sz="2400"/>
-            </a:lvl3pPr>
-            <a:lvl4pPr>
-              <a:defRPr sz="2000"/>
-            </a:lvl4pPr>
-            <a:lvl5pPr>
-              <a:defRPr sz="2000"/>
-            </a:lvl5pPr>
-            <a:lvl6pPr>
-              <a:defRPr sz="2000"/>
-            </a:lvl6pPr>
-            <a:lvl7pPr>
-              <a:defRPr sz="2000"/>
-            </a:lvl7pPr>
-            <a:lvl8pPr>
-              <a:defRPr sz="2000"/>
-            </a:lvl8pPr>
-            <a:lvl9pPr>
-              <a:defRPr sz="2000"/>
-            </a:lvl9pPr>
-          </a:lstStyle>
+          <a:bodyPr anchor="ctr">
+            <a:normAutofit/>
+          </a:bodyPr>
+          <a:lstStyle/>
           <a:p>
             <a:pPr lvl="0"/>
             <a:r>
@@ -2278,18 +4056,13 @@
               <a:rPr lang="fr-FR"/>
               <a:t>Cinquième niveau</a:t>
             </a:r>
-          </a:p>
-        </p:txBody>
-      </p:sp>
-      <p:sp>
-        <p:nvSpPr>
-          <p:cNvPr id="4" name="Espace réservé du texte 3">
-            <a:extLst>
-              <a:ext uri="{FF2B5EF4-FFF2-40B4-BE49-F238E27FC236}">
-                <a16:creationId xmlns:a16="http://schemas.microsoft.com/office/drawing/2014/main" id="{F80F227D-904E-4BE4-BE64-93D998543667}"/>
-              </a:ext>
-            </a:extLst>
-          </p:cNvPr>
+            <a:endParaRPr lang="en-US" dirty="0"/>
+          </a:p>
+        </p:txBody>
+      </p:sp>
+      <p:sp>
+        <p:nvSpPr>
+          <p:cNvPr id="4" name="Text Placeholder 3"/>
           <p:cNvSpPr>
             <a:spLocks noGrp="1"/>
           </p:cNvSpPr>
@@ -2299,12 +4072,14 @@
         </p:nvSpPr>
         <p:spPr>
           <a:xfrm>
-            <a:off x="839788" y="2057400"/>
-            <a:ext cx="3932237" cy="3811588"/>
+            <a:off x="7085012" y="2209799"/>
+            <a:ext cx="3657600" cy="2091267"/>
           </a:xfrm>
         </p:spPr>
         <p:txBody>
-          <a:bodyPr/>
+          <a:bodyPr anchor="t">
+            <a:normAutofit/>
+          </a:bodyPr>
           <a:lstStyle>
             <a:lvl1pPr marL="0" indent="0">
               <a:buNone/>
@@ -2312,35 +4087,35 @@
             </a:lvl1pPr>
             <a:lvl2pPr marL="457200" indent="0">
               <a:buNone/>
-              <a:defRPr sz="1400"/>
+              <a:defRPr sz="1200"/>
             </a:lvl2pPr>
             <a:lvl3pPr marL="914400" indent="0">
               <a:buNone/>
-              <a:defRPr sz="1200"/>
+              <a:defRPr sz="1000"/>
             </a:lvl3pPr>
             <a:lvl4pPr marL="1371600" indent="0">
               <a:buNone/>
-              <a:defRPr sz="1000"/>
+              <a:defRPr sz="900"/>
             </a:lvl4pPr>
             <a:lvl5pPr marL="1828800" indent="0">
               <a:buNone/>
-              <a:defRPr sz="1000"/>
+              <a:defRPr sz="900"/>
             </a:lvl5pPr>
             <a:lvl6pPr marL="2286000" indent="0">
               <a:buNone/>
-              <a:defRPr sz="1000"/>
+              <a:defRPr sz="900"/>
             </a:lvl6pPr>
             <a:lvl7pPr marL="2743200" indent="0">
               <a:buNone/>
-              <a:defRPr sz="1000"/>
+              <a:defRPr sz="900"/>
             </a:lvl7pPr>
             <a:lvl8pPr marL="3200400" indent="0">
               <a:buNone/>
-              <a:defRPr sz="1000"/>
+              <a:defRPr sz="900"/>
             </a:lvl8pPr>
             <a:lvl9pPr marL="3657600" indent="0">
               <a:buNone/>
-              <a:defRPr sz="1000"/>
+              <a:defRPr sz="900"/>
             </a:lvl9pPr>
           </a:lstStyle>
           <a:p>
@@ -2354,13 +4129,7 @@
       </p:sp>
       <p:sp>
         <p:nvSpPr>
-          <p:cNvPr id="5" name="Espace réservé de la date 4">
-            <a:extLst>
-              <a:ext uri="{FF2B5EF4-FFF2-40B4-BE49-F238E27FC236}">
-                <a16:creationId xmlns:a16="http://schemas.microsoft.com/office/drawing/2014/main" id="{A3E7AB2A-A02F-4E7C-8115-AAB69B898666}"/>
-              </a:ext>
-            </a:extLst>
-          </p:cNvPr>
+          <p:cNvPr id="5" name="Date Placeholder 4"/>
           <p:cNvSpPr>
             <a:spLocks noGrp="1"/>
           </p:cNvSpPr>
@@ -2383,13 +4152,7 @@
       </p:sp>
       <p:sp>
         <p:nvSpPr>
-          <p:cNvPr id="6" name="Espace réservé du pied de page 5">
-            <a:extLst>
-              <a:ext uri="{FF2B5EF4-FFF2-40B4-BE49-F238E27FC236}">
-                <a16:creationId xmlns:a16="http://schemas.microsoft.com/office/drawing/2014/main" id="{442E734B-F4D6-4C48-B1AC-E9EDE6CFB9FC}"/>
-              </a:ext>
-            </a:extLst>
-          </p:cNvPr>
+          <p:cNvPr id="6" name="Footer Placeholder 5"/>
           <p:cNvSpPr>
             <a:spLocks noGrp="1"/>
           </p:cNvSpPr>
@@ -2408,13 +4171,7 @@
       </p:sp>
       <p:sp>
         <p:nvSpPr>
-          <p:cNvPr id="7" name="Espace réservé du numéro de diapositive 6">
-            <a:extLst>
-              <a:ext uri="{FF2B5EF4-FFF2-40B4-BE49-F238E27FC236}">
-                <a16:creationId xmlns:a16="http://schemas.microsoft.com/office/drawing/2014/main" id="{D917E9E8-1901-4E01-BBBE-227F42B6E312}"/>
-              </a:ext>
-            </a:extLst>
-          </p:cNvPr>
+          <p:cNvPr id="7" name="Slide Number Placeholder 6"/>
           <p:cNvSpPr>
             <a:spLocks noGrp="1"/>
           </p:cNvSpPr>
@@ -2438,7 +4195,7 @@
     </p:spTree>
     <p:extLst>
       <p:ext uri="{BB962C8B-B14F-4D97-AF65-F5344CB8AC3E}">
-        <p14:creationId xmlns:p14="http://schemas.microsoft.com/office/powerpoint/2010/main" val="336149591"/>
+        <p14:creationId xmlns:p14="http://schemas.microsoft.com/office/powerpoint/2010/main" val="2632659068"/>
       </p:ext>
     </p:extLst>
   </p:cSld>
@@ -2467,13 +4224,7 @@
       </p:grpSpPr>
       <p:sp>
         <p:nvSpPr>
-          <p:cNvPr id="2" name="Titre 1">
-            <a:extLst>
-              <a:ext uri="{FF2B5EF4-FFF2-40B4-BE49-F238E27FC236}">
-                <a16:creationId xmlns:a16="http://schemas.microsoft.com/office/drawing/2014/main" id="{F59E554F-4A8C-4E5B-83EE-6E70D9F737B0}"/>
-              </a:ext>
-            </a:extLst>
-          </p:cNvPr>
+          <p:cNvPr id="2" name="Title 1"/>
           <p:cNvSpPr>
             <a:spLocks noGrp="1"/>
           </p:cNvSpPr>
@@ -2483,15 +4234,17 @@
         </p:nvSpPr>
         <p:spPr>
           <a:xfrm>
-            <a:off x="839788" y="457200"/>
-            <a:ext cx="3932237" cy="1600200"/>
+            <a:off x="4722812" y="1447800"/>
+            <a:ext cx="6019800" cy="1143000"/>
           </a:xfrm>
         </p:spPr>
         <p:txBody>
-          <a:bodyPr anchor="b"/>
+          <a:bodyPr anchor="b">
+            <a:normAutofit/>
+          </a:bodyPr>
           <a:lstStyle>
-            <a:lvl1pPr>
-              <a:defRPr sz="3200"/>
+            <a:lvl1pPr algn="l">
+              <a:defRPr sz="2800" b="0"/>
             </a:lvl1pPr>
           </a:lstStyle>
           <a:p>
@@ -2499,20 +4252,15 @@
               <a:rPr lang="fr-FR"/>
               <a:t>Modifiez le style du titre</a:t>
             </a:r>
-          </a:p>
-        </p:txBody>
-      </p:sp>
-      <p:sp>
-        <p:nvSpPr>
-          <p:cNvPr id="3" name="Espace réservé pour une image  2">
-            <a:extLst>
-              <a:ext uri="{FF2B5EF4-FFF2-40B4-BE49-F238E27FC236}">
-                <a16:creationId xmlns:a16="http://schemas.microsoft.com/office/drawing/2014/main" id="{BF11978E-A250-4B3A-A15B-6E94BF1CFB01}"/>
-              </a:ext>
-            </a:extLst>
-          </p:cNvPr>
-          <p:cNvSpPr>
-            <a:spLocks noGrp="1"/>
+            <a:endParaRPr lang="en-US" dirty="0"/>
+          </a:p>
+        </p:txBody>
+      </p:sp>
+      <p:sp>
+        <p:nvSpPr>
+          <p:cNvPr id="14" name="Picture Placeholder 2"/>
+          <p:cNvSpPr>
+            <a:spLocks noGrp="1" noChangeAspect="1"/>
           </p:cNvSpPr>
           <p:nvPr>
             <p:ph type="pic" idx="1"/>
@@ -2520,118 +4268,140 @@
         </p:nvSpPr>
         <p:spPr>
           <a:xfrm>
-            <a:off x="5183188" y="987425"/>
-            <a:ext cx="6172200" cy="4873625"/>
+            <a:off x="989012" y="914400"/>
+            <a:ext cx="3280974" cy="4572000"/>
           </a:xfrm>
+          <a:prstGeom prst="snip2DiagRect">
+            <a:avLst>
+              <a:gd name="adj1" fmla="val 10815"/>
+              <a:gd name="adj2" fmla="val 0"/>
+            </a:avLst>
+          </a:prstGeom>
+          <a:ln w="15875">
+            <a:solidFill>
+              <a:schemeClr val="tx1">
+                <a:alpha val="40000"/>
+              </a:schemeClr>
+            </a:solidFill>
+          </a:ln>
+          <a:effectLst>
+            <a:innerShdw blurRad="57150" dist="38100" dir="14460000">
+              <a:srgbClr val="000000">
+                <a:alpha val="70000"/>
+              </a:srgbClr>
+            </a:innerShdw>
+          </a:effectLst>
         </p:spPr>
         <p:txBody>
-          <a:bodyPr/>
+          <a:bodyPr anchor="t">
+            <a:normAutofit/>
+          </a:bodyPr>
           <a:lstStyle>
-            <a:lvl1pPr marL="0" indent="0">
-              <a:buNone/>
-              <a:defRPr sz="3200"/>
-            </a:lvl1pPr>
-            <a:lvl2pPr marL="457200" indent="0">
-              <a:buNone/>
-              <a:defRPr sz="2800"/>
-            </a:lvl2pPr>
-            <a:lvl3pPr marL="914400" indent="0">
-              <a:buNone/>
-              <a:defRPr sz="2400"/>
-            </a:lvl3pPr>
-            <a:lvl4pPr marL="1371600" indent="0">
-              <a:buNone/>
-              <a:defRPr sz="2000"/>
-            </a:lvl4pPr>
-            <a:lvl5pPr marL="1828800" indent="0">
-              <a:buNone/>
-              <a:defRPr sz="2000"/>
-            </a:lvl5pPr>
-            <a:lvl6pPr marL="2286000" indent="0">
-              <a:buNone/>
-              <a:defRPr sz="2000"/>
-            </a:lvl6pPr>
-            <a:lvl7pPr marL="2743200" indent="0">
-              <a:buNone/>
-              <a:defRPr sz="2000"/>
-            </a:lvl7pPr>
-            <a:lvl8pPr marL="3200400" indent="0">
-              <a:buNone/>
-              <a:defRPr sz="2000"/>
-            </a:lvl8pPr>
-            <a:lvl9pPr marL="3657600" indent="0">
-              <a:buNone/>
-              <a:defRPr sz="2000"/>
-            </a:lvl9pPr>
-          </a:lstStyle>
-          <a:p>
-            <a:endParaRPr lang="fr-FR"/>
-          </a:p>
-        </p:txBody>
-      </p:sp>
-      <p:sp>
-        <p:nvSpPr>
-          <p:cNvPr id="4" name="Espace réservé du texte 3">
-            <a:extLst>
-              <a:ext uri="{FF2B5EF4-FFF2-40B4-BE49-F238E27FC236}">
-                <a16:creationId xmlns:a16="http://schemas.microsoft.com/office/drawing/2014/main" id="{0A463C3D-C469-457F-9F52-FB8799243F4F}"/>
-              </a:ext>
-            </a:extLst>
-          </p:cNvPr>
-          <p:cNvSpPr>
-            <a:spLocks noGrp="1"/>
-          </p:cNvSpPr>
-          <p:nvPr>
-            <p:ph type="body" sz="half" idx="2"/>
-          </p:nvPr>
-        </p:nvSpPr>
-        <p:spPr>
-          <a:xfrm>
-            <a:off x="839788" y="2057400"/>
-            <a:ext cx="3932237" cy="3811588"/>
-          </a:xfrm>
-        </p:spPr>
-        <p:txBody>
-          <a:bodyPr/>
-          <a:lstStyle>
-            <a:lvl1pPr marL="0" indent="0">
+            <a:lvl1pPr marL="0" indent="0" algn="ctr">
               <a:buNone/>
               <a:defRPr sz="1600"/>
             </a:lvl1pPr>
             <a:lvl2pPr marL="457200" indent="0">
               <a:buNone/>
-              <a:defRPr sz="1400"/>
+              <a:defRPr sz="1600"/>
             </a:lvl2pPr>
             <a:lvl3pPr marL="914400" indent="0">
               <a:buNone/>
-              <a:defRPr sz="1200"/>
+              <a:defRPr sz="1600"/>
             </a:lvl3pPr>
             <a:lvl4pPr marL="1371600" indent="0">
               <a:buNone/>
-              <a:defRPr sz="1000"/>
+              <a:defRPr sz="1600"/>
             </a:lvl4pPr>
             <a:lvl5pPr marL="1828800" indent="0">
               <a:buNone/>
-              <a:defRPr sz="1000"/>
+              <a:defRPr sz="1600"/>
             </a:lvl5pPr>
             <a:lvl6pPr marL="2286000" indent="0">
               <a:buNone/>
-              <a:defRPr sz="1000"/>
+              <a:defRPr sz="1600"/>
             </a:lvl6pPr>
             <a:lvl7pPr marL="2743200" indent="0">
               <a:buNone/>
-              <a:defRPr sz="1000"/>
+              <a:defRPr sz="1600"/>
             </a:lvl7pPr>
             <a:lvl8pPr marL="3200400" indent="0">
               <a:buNone/>
-              <a:defRPr sz="1000"/>
+              <a:defRPr sz="1600"/>
             </a:lvl8pPr>
             <a:lvl9pPr marL="3657600" indent="0">
               <a:buNone/>
-              <a:defRPr sz="1000"/>
+              <a:defRPr sz="1600"/>
             </a:lvl9pPr>
           </a:lstStyle>
           <a:p>
+            <a:r>
+              <a:rPr lang="fr-FR"/>
+              <a:t>Cliquez sur l'icône pour ajouter une image</a:t>
+            </a:r>
+            <a:endParaRPr lang="en-US" dirty="0"/>
+          </a:p>
+        </p:txBody>
+      </p:sp>
+      <p:sp>
+        <p:nvSpPr>
+          <p:cNvPr id="4" name="Text Placeholder 3"/>
+          <p:cNvSpPr>
+            <a:spLocks noGrp="1"/>
+          </p:cNvSpPr>
+          <p:nvPr>
+            <p:ph type="body" sz="half" idx="2"/>
+          </p:nvPr>
+        </p:nvSpPr>
+        <p:spPr>
+          <a:xfrm>
+            <a:off x="4722812" y="2777066"/>
+            <a:ext cx="6021388" cy="2048933"/>
+          </a:xfrm>
+        </p:spPr>
+        <p:txBody>
+          <a:bodyPr anchor="t">
+            <a:normAutofit/>
+          </a:bodyPr>
+          <a:lstStyle>
+            <a:lvl1pPr marL="0" indent="0">
+              <a:buNone/>
+              <a:defRPr sz="1800"/>
+            </a:lvl1pPr>
+            <a:lvl2pPr marL="457200" indent="0">
+              <a:buNone/>
+              <a:defRPr sz="1200"/>
+            </a:lvl2pPr>
+            <a:lvl3pPr marL="914400" indent="0">
+              <a:buNone/>
+              <a:defRPr sz="1000"/>
+            </a:lvl3pPr>
+            <a:lvl4pPr marL="1371600" indent="0">
+              <a:buNone/>
+              <a:defRPr sz="900"/>
+            </a:lvl4pPr>
+            <a:lvl5pPr marL="1828800" indent="0">
+              <a:buNone/>
+              <a:defRPr sz="900"/>
+            </a:lvl5pPr>
+            <a:lvl6pPr marL="2286000" indent="0">
+              <a:buNone/>
+              <a:defRPr sz="900"/>
+            </a:lvl6pPr>
+            <a:lvl7pPr marL="2743200" indent="0">
+              <a:buNone/>
+              <a:defRPr sz="900"/>
+            </a:lvl7pPr>
+            <a:lvl8pPr marL="3200400" indent="0">
+              <a:buNone/>
+              <a:defRPr sz="900"/>
+            </a:lvl8pPr>
+            <a:lvl9pPr marL="3657600" indent="0">
+              <a:buNone/>
+              <a:defRPr sz="900"/>
+            </a:lvl9pPr>
+          </a:lstStyle>
+          <a:p>
             <a:pPr lvl="0"/>
             <a:r>
               <a:rPr lang="fr-FR"/>
@@ -2642,13 +4412,7 @@
       </p:sp>
       <p:sp>
         <p:nvSpPr>
-          <p:cNvPr id="5" name="Espace réservé de la date 4">
-            <a:extLst>
-              <a:ext uri="{FF2B5EF4-FFF2-40B4-BE49-F238E27FC236}">
-                <a16:creationId xmlns:a16="http://schemas.microsoft.com/office/drawing/2014/main" id="{9AA45686-443B-44BF-96CC-379782E1890E}"/>
-              </a:ext>
-            </a:extLst>
-          </p:cNvPr>
+          <p:cNvPr id="5" name="Date Placeholder 4"/>
           <p:cNvSpPr>
             <a:spLocks noGrp="1"/>
           </p:cNvSpPr>
@@ -2671,13 +4435,7 @@
       </p:sp>
       <p:sp>
         <p:nvSpPr>
-          <p:cNvPr id="6" name="Espace réservé du pied de page 5">
-            <a:extLst>
-              <a:ext uri="{FF2B5EF4-FFF2-40B4-BE49-F238E27FC236}">
-                <a16:creationId xmlns:a16="http://schemas.microsoft.com/office/drawing/2014/main" id="{10EE531B-18E7-4012-A13F-9894CABD00D5}"/>
-              </a:ext>
-            </a:extLst>
-          </p:cNvPr>
+          <p:cNvPr id="6" name="Footer Placeholder 5"/>
           <p:cNvSpPr>
             <a:spLocks noGrp="1"/>
           </p:cNvSpPr>
@@ -2696,13 +4454,7 @@
       </p:sp>
       <p:sp>
         <p:nvSpPr>
-          <p:cNvPr id="7" name="Espace réservé du numéro de diapositive 6">
-            <a:extLst>
-              <a:ext uri="{FF2B5EF4-FFF2-40B4-BE49-F238E27FC236}">
-                <a16:creationId xmlns:a16="http://schemas.microsoft.com/office/drawing/2014/main" id="{301E4AB4-C9EE-41F1-A57C-20C6C0DB0BB5}"/>
-              </a:ext>
-            </a:extLst>
-          </p:cNvPr>
+          <p:cNvPr id="7" name="Slide Number Placeholder 6"/>
           <p:cNvSpPr>
             <a:spLocks noGrp="1"/>
           </p:cNvSpPr>
@@ -2726,7 +4478,7 @@
     </p:spTree>
     <p:extLst>
       <p:ext uri="{BB962C8B-B14F-4D97-AF65-F5344CB8AC3E}">
-        <p14:creationId xmlns:p14="http://schemas.microsoft.com/office/powerpoint/2010/main" val="2991133421"/>
+        <p14:creationId xmlns:p14="http://schemas.microsoft.com/office/powerpoint/2010/main" val="1438472213"/>
       </p:ext>
     </p:extLst>
   </p:cSld>
@@ -2740,8 +4492,8 @@
 <p:sldMaster xmlns:a="http://schemas.openxmlformats.org/drawingml/2006/main" xmlns:r="http://schemas.openxmlformats.org/officeDocument/2006/relationships" xmlns:p="http://schemas.openxmlformats.org/presentationml/2006/main">
   <p:cSld>
     <p:bg>
-      <p:bgRef idx="1001">
-        <a:schemeClr val="bg1"/>
+      <p:bgRef idx="1002">
+        <a:schemeClr val="bg2"/>
       </p:bgRef>
     </p:bg>
     <p:spTree>
@@ -2758,15 +4510,199 @@
           <a:chExt cx="0" cy="0"/>
         </a:xfrm>
       </p:grpSpPr>
-      <p:sp>
-        <p:nvSpPr>
-          <p:cNvPr id="2" name="Espace réservé du titre 1">
-            <a:extLst>
-              <a:ext uri="{FF2B5EF4-FFF2-40B4-BE49-F238E27FC236}">
-                <a16:creationId xmlns:a16="http://schemas.microsoft.com/office/drawing/2014/main" id="{A10731F3-3FCF-44C1-80B8-CCC3649D498E}"/>
-              </a:ext>
-            </a:extLst>
-          </p:cNvPr>
+      <p:grpSp>
+        <p:nvGrpSpPr>
+          <p:cNvPr id="7" name="Group 6"/>
+          <p:cNvGrpSpPr/>
+          <p:nvPr/>
+        </p:nvGrpSpPr>
+        <p:grpSpPr>
+          <a:xfrm>
+            <a:off x="9206969" y="2963333"/>
+            <a:ext cx="2981858" cy="3208867"/>
+            <a:chOff x="9206969" y="2963333"/>
+            <a:chExt cx="2981858" cy="3208867"/>
+          </a:xfrm>
+        </p:grpSpPr>
+        <p:cxnSp>
+          <p:nvCxnSpPr>
+            <p:cNvPr id="8" name="Straight Connector 7"/>
+            <p:cNvCxnSpPr/>
+            <p:nvPr/>
+          </p:nvCxnSpPr>
+          <p:spPr>
+            <a:xfrm flipH="1">
+              <a:off x="11276012" y="2963333"/>
+              <a:ext cx="912814" cy="912812"/>
+            </a:xfrm>
+            <a:prstGeom prst="line">
+              <a:avLst/>
+            </a:prstGeom>
+            <a:ln w="9525">
+              <a:solidFill>
+                <a:schemeClr val="tx1"/>
+              </a:solidFill>
+            </a:ln>
+          </p:spPr>
+          <p:style>
+            <a:lnRef idx="2">
+              <a:schemeClr val="accent1"/>
+            </a:lnRef>
+            <a:fillRef idx="0">
+              <a:schemeClr val="accent1"/>
+            </a:fillRef>
+            <a:effectRef idx="1">
+              <a:schemeClr val="accent1"/>
+            </a:effectRef>
+            <a:fontRef idx="minor">
+              <a:schemeClr val="tx1"/>
+            </a:fontRef>
+          </p:style>
+        </p:cxnSp>
+        <p:cxnSp>
+          <p:nvCxnSpPr>
+            <p:cNvPr id="9" name="Straight Connector 8"/>
+            <p:cNvCxnSpPr/>
+            <p:nvPr/>
+          </p:nvCxnSpPr>
+          <p:spPr>
+            <a:xfrm flipH="1">
+              <a:off x="9206969" y="3190344"/>
+              <a:ext cx="2981857" cy="2981856"/>
+            </a:xfrm>
+            <a:prstGeom prst="line">
+              <a:avLst/>
+            </a:prstGeom>
+            <a:ln w="9525">
+              <a:solidFill>
+                <a:schemeClr val="tx1"/>
+              </a:solidFill>
+            </a:ln>
+          </p:spPr>
+          <p:style>
+            <a:lnRef idx="2">
+              <a:schemeClr val="accent1"/>
+            </a:lnRef>
+            <a:fillRef idx="0">
+              <a:schemeClr val="accent1"/>
+            </a:fillRef>
+            <a:effectRef idx="1">
+              <a:schemeClr val="accent1"/>
+            </a:effectRef>
+            <a:fontRef idx="minor">
+              <a:schemeClr val="tx1"/>
+            </a:fontRef>
+          </p:style>
+        </p:cxnSp>
+        <p:cxnSp>
+          <p:nvCxnSpPr>
+            <p:cNvPr id="10" name="Straight Connector 9"/>
+            <p:cNvCxnSpPr/>
+            <p:nvPr/>
+          </p:nvCxnSpPr>
+          <p:spPr>
+            <a:xfrm flipH="1">
+              <a:off x="10292292" y="3285067"/>
+              <a:ext cx="1896534" cy="1896533"/>
+            </a:xfrm>
+            <a:prstGeom prst="line">
+              <a:avLst/>
+            </a:prstGeom>
+            <a:ln w="9525">
+              <a:solidFill>
+                <a:schemeClr val="tx1"/>
+              </a:solidFill>
+            </a:ln>
+          </p:spPr>
+          <p:style>
+            <a:lnRef idx="2">
+              <a:schemeClr val="accent1"/>
+            </a:lnRef>
+            <a:fillRef idx="0">
+              <a:schemeClr val="accent1"/>
+            </a:fillRef>
+            <a:effectRef idx="1">
+              <a:schemeClr val="accent1"/>
+            </a:effectRef>
+            <a:fontRef idx="minor">
+              <a:schemeClr val="tx1"/>
+            </a:fontRef>
+          </p:style>
+        </p:cxnSp>
+        <p:cxnSp>
+          <p:nvCxnSpPr>
+            <p:cNvPr id="11" name="Straight Connector 10"/>
+            <p:cNvCxnSpPr/>
+            <p:nvPr/>
+          </p:nvCxnSpPr>
+          <p:spPr>
+            <a:xfrm flipH="1">
+              <a:off x="10443103" y="3131080"/>
+              <a:ext cx="1745722" cy="1745720"/>
+            </a:xfrm>
+            <a:prstGeom prst="line">
+              <a:avLst/>
+            </a:prstGeom>
+            <a:ln w="28575">
+              <a:solidFill>
+                <a:schemeClr val="tx1"/>
+              </a:solidFill>
+            </a:ln>
+          </p:spPr>
+          <p:style>
+            <a:lnRef idx="2">
+              <a:schemeClr val="accent1"/>
+            </a:lnRef>
+            <a:fillRef idx="0">
+              <a:schemeClr val="accent1"/>
+            </a:fillRef>
+            <a:effectRef idx="1">
+              <a:schemeClr val="accent1"/>
+            </a:effectRef>
+            <a:fontRef idx="minor">
+              <a:schemeClr val="tx1"/>
+            </a:fontRef>
+          </p:style>
+        </p:cxnSp>
+        <p:cxnSp>
+          <p:nvCxnSpPr>
+            <p:cNvPr id="12" name="Straight Connector 11"/>
+            <p:cNvCxnSpPr/>
+            <p:nvPr/>
+          </p:nvCxnSpPr>
+          <p:spPr>
+            <a:xfrm flipH="1">
+              <a:off x="10918826" y="3683001"/>
+              <a:ext cx="1270001" cy="1269999"/>
+            </a:xfrm>
+            <a:prstGeom prst="line">
+              <a:avLst/>
+            </a:prstGeom>
+            <a:ln w="28575">
+              <a:solidFill>
+                <a:schemeClr val="tx1"/>
+              </a:solidFill>
+            </a:ln>
+          </p:spPr>
+          <p:style>
+            <a:lnRef idx="2">
+              <a:schemeClr val="accent1"/>
+            </a:lnRef>
+            <a:fillRef idx="0">
+              <a:schemeClr val="accent1"/>
+            </a:fillRef>
+            <a:effectRef idx="1">
+              <a:schemeClr val="accent1"/>
+            </a:effectRef>
+            <a:fontRef idx="minor">
+              <a:schemeClr val="tx1"/>
+            </a:fontRef>
+          </p:style>
+        </p:cxnSp>
+      </p:grpSp>
+      <p:sp>
+        <p:nvSpPr>
+          <p:cNvPr id="2" name="Title Placeholder 1"/>
           <p:cNvSpPr>
             <a:spLocks noGrp="1"/>
           </p:cNvSpPr>
@@ -2776,8 +4712,42 @@
         </p:nvSpPr>
         <p:spPr>
           <a:xfrm>
-            <a:off x="838200" y="365125"/>
-            <a:ext cx="10515600" cy="1325563"/>
+            <a:off x="684212" y="4487332"/>
+            <a:ext cx="8534400" cy="1507067"/>
+          </a:xfrm>
+          <a:prstGeom prst="rect">
+            <a:avLst/>
+          </a:prstGeom>
+          <a:effectLst/>
+        </p:spPr>
+        <p:txBody>
+          <a:bodyPr vert="horz" lIns="91440" tIns="45720" rIns="91440" bIns="45720" rtlCol="0" anchor="ctr">
+            <a:normAutofit/>
+          </a:bodyPr>
+          <a:lstStyle/>
+          <a:p>
+            <a:r>
+              <a:rPr lang="fr-FR"/>
+              <a:t>Modifiez le style du titre</a:t>
+            </a:r>
+            <a:endParaRPr lang="en-US" dirty="0"/>
+          </a:p>
+        </p:txBody>
+      </p:sp>
+      <p:sp>
+        <p:nvSpPr>
+          <p:cNvPr id="3" name="Text Placeholder 2"/>
+          <p:cNvSpPr>
+            <a:spLocks noGrp="1"/>
+          </p:cNvSpPr>
+          <p:nvPr>
+            <p:ph type="body" idx="1"/>
+          </p:nvPr>
+        </p:nvSpPr>
+        <p:spPr>
+          <a:xfrm>
+            <a:off x="684212" y="685800"/>
+            <a:ext cx="8534400" cy="3615267"/>
           </a:xfrm>
           <a:prstGeom prst="rect">
             <a:avLst/>
@@ -2789,205 +4759,156 @@
           </a:bodyPr>
           <a:lstStyle/>
           <a:p>
-            <a:r>
-              <a:rPr lang="fr-FR"/>
-              <a:t>Modifiez le style du titre</a:t>
-            </a:r>
-          </a:p>
-        </p:txBody>
-      </p:sp>
-      <p:sp>
-        <p:nvSpPr>
-          <p:cNvPr id="3" name="Espace réservé du texte 2">
-            <a:extLst>
-              <a:ext uri="{FF2B5EF4-FFF2-40B4-BE49-F238E27FC236}">
-                <a16:creationId xmlns:a16="http://schemas.microsoft.com/office/drawing/2014/main" id="{A966E404-4617-490B-8C3A-FD592E276057}"/>
-              </a:ext>
-            </a:extLst>
-          </p:cNvPr>
-          <p:cNvSpPr>
-            <a:spLocks noGrp="1"/>
-          </p:cNvSpPr>
-          <p:nvPr>
-            <p:ph type="body" idx="1"/>
+            <a:pPr lvl="0"/>
+            <a:r>
+              <a:rPr lang="fr-FR"/>
+              <a:t>Cliquez pour modifier les styles du texte du masque</a:t>
+            </a:r>
+          </a:p>
+          <a:p>
+            <a:pPr lvl="1"/>
+            <a:r>
+              <a:rPr lang="fr-FR"/>
+              <a:t>Deuxième niveau</a:t>
+            </a:r>
+          </a:p>
+          <a:p>
+            <a:pPr lvl="2"/>
+            <a:r>
+              <a:rPr lang="fr-FR"/>
+              <a:t>Troisième niveau</a:t>
+            </a:r>
+          </a:p>
+          <a:p>
+            <a:pPr lvl="3"/>
+            <a:r>
+              <a:rPr lang="fr-FR"/>
+              <a:t>Quatrième niveau</a:t>
+            </a:r>
+          </a:p>
+          <a:p>
+            <a:pPr lvl="4"/>
+            <a:r>
+              <a:rPr lang="fr-FR"/>
+              <a:t>Cinquième niveau</a:t>
+            </a:r>
+            <a:endParaRPr lang="en-US" dirty="0"/>
+          </a:p>
+        </p:txBody>
+      </p:sp>
+      <p:sp>
+        <p:nvSpPr>
+          <p:cNvPr id="4" name="Date Placeholder 3"/>
+          <p:cNvSpPr>
+            <a:spLocks noGrp="1"/>
+          </p:cNvSpPr>
+          <p:nvPr>
+            <p:ph type="dt" sz="half" idx="2"/>
           </p:nvPr>
         </p:nvSpPr>
         <p:spPr>
           <a:xfrm>
-            <a:off x="838200" y="1825625"/>
-            <a:ext cx="10515600" cy="4351338"/>
+            <a:off x="9904412" y="6172200"/>
+            <a:ext cx="1600200" cy="365125"/>
           </a:xfrm>
           <a:prstGeom prst="rect">
             <a:avLst/>
           </a:prstGeom>
         </p:spPr>
         <p:txBody>
-          <a:bodyPr vert="horz" lIns="91440" tIns="45720" rIns="91440" bIns="45720" rtlCol="0">
-            <a:normAutofit/>
-          </a:bodyPr>
-          <a:lstStyle/>
-          <a:p>
-            <a:pPr lvl="0"/>
-            <a:r>
-              <a:rPr lang="fr-FR"/>
-              <a:t>Cliquez pour modifier les styles du texte du masque</a:t>
-            </a:r>
-          </a:p>
-          <a:p>
-            <a:pPr lvl="1"/>
-            <a:r>
-              <a:rPr lang="fr-FR"/>
-              <a:t>Deuxième niveau</a:t>
-            </a:r>
-          </a:p>
-          <a:p>
-            <a:pPr lvl="2"/>
-            <a:r>
-              <a:rPr lang="fr-FR"/>
-              <a:t>Troisième niveau</a:t>
-            </a:r>
-          </a:p>
-          <a:p>
-            <a:pPr lvl="3"/>
-            <a:r>
-              <a:rPr lang="fr-FR"/>
-              <a:t>Quatrième niveau</a:t>
-            </a:r>
-          </a:p>
-          <a:p>
-            <a:pPr lvl="4"/>
-            <a:r>
-              <a:rPr lang="fr-FR"/>
-              <a:t>Cinquième niveau</a:t>
-            </a:r>
-          </a:p>
-        </p:txBody>
-      </p:sp>
-      <p:sp>
-        <p:nvSpPr>
-          <p:cNvPr id="4" name="Espace réservé de la date 3">
-            <a:extLst>
-              <a:ext uri="{FF2B5EF4-FFF2-40B4-BE49-F238E27FC236}">
-                <a16:creationId xmlns:a16="http://schemas.microsoft.com/office/drawing/2014/main" id="{0D24220D-9AC4-4FBE-95CD-8E7A691B3306}"/>
-              </a:ext>
-            </a:extLst>
-          </p:cNvPr>
-          <p:cNvSpPr>
-            <a:spLocks noGrp="1"/>
-          </p:cNvSpPr>
-          <p:nvPr>
-            <p:ph type="dt" sz="half" idx="2"/>
+          <a:bodyPr vert="horz" lIns="91440" tIns="45720" rIns="91440" bIns="45720" rtlCol="0" anchor="t"/>
+          <a:lstStyle>
+            <a:lvl1pPr algn="r">
+              <a:defRPr sz="1000" b="0" i="0">
+                <a:solidFill>
+                  <a:schemeClr val="bg2">
+                    <a:lumMod val="50000"/>
+                  </a:schemeClr>
+                </a:solidFill>
+                <a:effectLst/>
+                <a:latin typeface="+mn-lt"/>
+              </a:defRPr>
+            </a:lvl1pPr>
+          </a:lstStyle>
+          <a:p>
+            <a:fld id="{5108BEF6-780E-43A8-BB46-E5A88A7B14A7}" type="datetimeFigureOut">
+              <a:rPr lang="fr-FR" smtClean="0"/>
+              <a:t>30/09/2025</a:t>
+            </a:fld>
+            <a:endParaRPr lang="fr-FR"/>
+          </a:p>
+        </p:txBody>
+      </p:sp>
+      <p:sp>
+        <p:nvSpPr>
+          <p:cNvPr id="5" name="Footer Placeholder 4"/>
+          <p:cNvSpPr>
+            <a:spLocks noGrp="1"/>
+          </p:cNvSpPr>
+          <p:nvPr>
+            <p:ph type="ftr" sz="quarter" idx="3"/>
           </p:nvPr>
         </p:nvSpPr>
         <p:spPr>
           <a:xfrm>
-            <a:off x="838200" y="6356350"/>
-            <a:ext cx="2743200" cy="365125"/>
+            <a:off x="684212" y="6172200"/>
+            <a:ext cx="7543800" cy="365125"/>
           </a:xfrm>
           <a:prstGeom prst="rect">
             <a:avLst/>
           </a:prstGeom>
         </p:spPr>
         <p:txBody>
-          <a:bodyPr vert="horz" lIns="91440" tIns="45720" rIns="91440" bIns="45720" rtlCol="0" anchor="ctr"/>
+          <a:bodyPr vert="horz" lIns="91440" tIns="45720" rIns="91440" bIns="45720" rtlCol="0" anchor="t"/>
           <a:lstStyle>
             <a:lvl1pPr algn="l">
-              <a:defRPr sz="1200">
-                <a:solidFill>
-                  <a:schemeClr val="tx1">
-                    <a:tint val="75000"/>
-                  </a:schemeClr>
-                </a:solidFill>
+              <a:defRPr sz="1000" b="0" i="0">
+                <a:solidFill>
+                  <a:schemeClr val="bg2">
+                    <a:lumMod val="50000"/>
+                  </a:schemeClr>
+                </a:solidFill>
+                <a:effectLst/>
+                <a:latin typeface="+mn-lt"/>
               </a:defRPr>
             </a:lvl1pPr>
           </a:lstStyle>
           <a:p>
-            <a:fld id="{5108BEF6-780E-43A8-BB46-E5A88A7B14A7}" type="datetimeFigureOut">
-              <a:rPr lang="fr-FR" smtClean="0"/>
-              <a:t>30/09/2025</a:t>
-            </a:fld>
             <a:endParaRPr lang="fr-FR"/>
           </a:p>
         </p:txBody>
       </p:sp>
       <p:sp>
         <p:nvSpPr>
-          <p:cNvPr id="5" name="Espace réservé du pied de page 4">
-            <a:extLst>
-              <a:ext uri="{FF2B5EF4-FFF2-40B4-BE49-F238E27FC236}">
-                <a16:creationId xmlns:a16="http://schemas.microsoft.com/office/drawing/2014/main" id="{ED63F640-BEC9-4684-9271-591EFCA18ABD}"/>
-              </a:ext>
-            </a:extLst>
-          </p:cNvPr>
-          <p:cNvSpPr>
-            <a:spLocks noGrp="1"/>
-          </p:cNvSpPr>
-          <p:nvPr>
-            <p:ph type="ftr" sz="quarter" idx="3"/>
+          <p:cNvPr id="6" name="Slide Number Placeholder 5"/>
+          <p:cNvSpPr>
+            <a:spLocks noGrp="1"/>
+          </p:cNvSpPr>
+          <p:nvPr>
+            <p:ph type="sldNum" sz="quarter" idx="4"/>
           </p:nvPr>
         </p:nvSpPr>
         <p:spPr>
           <a:xfrm>
-            <a:off x="4038600" y="6356350"/>
-            <a:ext cx="4114800" cy="365125"/>
+            <a:off x="10363200" y="5578475"/>
+            <a:ext cx="1142245" cy="669925"/>
           </a:xfrm>
           <a:prstGeom prst="rect">
             <a:avLst/>
           </a:prstGeom>
         </p:spPr>
         <p:txBody>
-          <a:bodyPr vert="horz" lIns="91440" tIns="45720" rIns="91440" bIns="45720" rtlCol="0" anchor="ctr"/>
-          <a:lstStyle>
-            <a:lvl1pPr algn="ctr">
-              <a:defRPr sz="1200">
-                <a:solidFill>
-                  <a:schemeClr val="tx1">
-                    <a:tint val="75000"/>
-                  </a:schemeClr>
-                </a:solidFill>
-              </a:defRPr>
-            </a:lvl1pPr>
-          </a:lstStyle>
-          <a:p>
-            <a:endParaRPr lang="fr-FR"/>
-          </a:p>
-        </p:txBody>
-      </p:sp>
-      <p:sp>
-        <p:nvSpPr>
-          <p:cNvPr id="6" name="Espace réservé du numéro de diapositive 5">
-            <a:extLst>
-              <a:ext uri="{FF2B5EF4-FFF2-40B4-BE49-F238E27FC236}">
-                <a16:creationId xmlns:a16="http://schemas.microsoft.com/office/drawing/2014/main" id="{F03AD21A-19F6-464D-AE0D-3B55053D8A6A}"/>
-              </a:ext>
-            </a:extLst>
-          </p:cNvPr>
-          <p:cNvSpPr>
-            <a:spLocks noGrp="1"/>
-          </p:cNvSpPr>
-          <p:nvPr>
-            <p:ph type="sldNum" sz="quarter" idx="4"/>
-          </p:nvPr>
-        </p:nvSpPr>
-        <p:spPr>
-          <a:xfrm>
-            <a:off x="8610600" y="6356350"/>
-            <a:ext cx="2743200" cy="365125"/>
-          </a:xfrm>
-          <a:prstGeom prst="rect">
-            <a:avLst/>
-          </a:prstGeom>
-        </p:spPr>
-        <p:txBody>
-          <a:bodyPr vert="horz" lIns="91440" tIns="45720" rIns="91440" bIns="45720" rtlCol="0" anchor="ctr"/>
+          <a:bodyPr vert="horz" lIns="91440" tIns="45720" rIns="91440" bIns="45720" rtlCol="0" anchor="b"/>
           <a:lstStyle>
             <a:lvl1pPr algn="r">
-              <a:defRPr sz="1200">
-                <a:solidFill>
-                  <a:schemeClr val="tx1">
-                    <a:tint val="75000"/>
-                  </a:schemeClr>
-                </a:solidFill>
+              <a:defRPr sz="3200" b="0" i="0">
+                <a:solidFill>
+                  <a:schemeClr val="bg2">
+                    <a:lumMod val="50000"/>
+                  </a:schemeClr>
+                </a:solidFill>
+                <a:effectLst/>
+                <a:latin typeface="+mn-lt"/>
               </a:defRPr>
             </a:lvl1pPr>
           </a:lstStyle>
@@ -3003,55 +4924,340 @@
     </p:spTree>
     <p:extLst>
       <p:ext uri="{BB962C8B-B14F-4D97-AF65-F5344CB8AC3E}">
-        <p14:creationId xmlns:p14="http://schemas.microsoft.com/office/powerpoint/2010/main" val="2541458369"/>
+        <p14:creationId xmlns:p14="http://schemas.microsoft.com/office/powerpoint/2010/main" val="1103296011"/>
       </p:ext>
     </p:extLst>
   </p:cSld>
-  <p:clrMap bg1="lt1" tx1="dk1" bg2="lt2" tx2="dk2" accent1="accent1" accent2="accent2" accent3="accent3" accent4="accent4" accent5="accent5" accent6="accent6" hlink="hlink" folHlink="folHlink"/>
+  <p:clrMap bg1="dk1" tx1="lt1" bg2="dk2" tx2="lt2" accent1="accent1" accent2="accent2" accent3="accent3" accent4="accent4" accent5="accent5" accent6="accent6" hlink="hlink" folHlink="folHlink"/>
   <p:sldLayoutIdLst>
-    <p:sldLayoutId id="2147483649" r:id="rId1"/>
-    <p:sldLayoutId id="2147483650" r:id="rId2"/>
-    <p:sldLayoutId id="2147483651" r:id="rId3"/>
-    <p:sldLayoutId id="2147483652" r:id="rId4"/>
-    <p:sldLayoutId id="2147483653" r:id="rId5"/>
-    <p:sldLayoutId id="2147483654" r:id="rId6"/>
-    <p:sldLayoutId id="2147483655" r:id="rId7"/>
-    <p:sldLayoutId id="2147483656" r:id="rId8"/>
-    <p:sldLayoutId id="2147483657" r:id="rId9"/>
-    <p:sldLayoutId id="2147483658" r:id="rId10"/>
-    <p:sldLayoutId id="2147483659" r:id="rId11"/>
+    <p:sldLayoutId id="2147483661" r:id="rId1"/>
+    <p:sldLayoutId id="2147483662" r:id="rId2"/>
+    <p:sldLayoutId id="2147483663" r:id="rId3"/>
+    <p:sldLayoutId id="2147483664" r:id="rId4"/>
+    <p:sldLayoutId id="2147483665" r:id="rId5"/>
+    <p:sldLayoutId id="2147483666" r:id="rId6"/>
+    <p:sldLayoutId id="2147483667" r:id="rId7"/>
+    <p:sldLayoutId id="2147483668" r:id="rId8"/>
+    <p:sldLayoutId id="2147483669" r:id="rId9"/>
+    <p:sldLayoutId id="2147483670" r:id="rId10"/>
+    <p:sldLayoutId id="2147483671" r:id="rId11"/>
+    <p:sldLayoutId id="2147483672" r:id="rId12"/>
+    <p:sldLayoutId id="2147483673" r:id="rId13"/>
+    <p:sldLayoutId id="2147483674" r:id="rId14"/>
+    <p:sldLayoutId id="2147483675" r:id="rId15"/>
+    <p:sldLayoutId id="2147483676" r:id="rId16"/>
+    <p:sldLayoutId id="2147483677" r:id="rId17"/>
   </p:sldLayoutIdLst>
   <p:txStyles>
     <p:titleStyle>
-      <a:lvl1pPr algn="l" defTabSz="914400" rtl="0" eaLnBrk="1" latinLnBrk="0" hangingPunct="1">
-        <a:lnSpc>
-          <a:spcPct val="90000"/>
-        </a:lnSpc>
+      <a:lvl1pPr algn="l" defTabSz="457200" rtl="0" eaLnBrk="1" latinLnBrk="0" hangingPunct="1">
         <a:spcBef>
           <a:spcPct val="0"/>
         </a:spcBef>
         <a:buNone/>
-        <a:defRPr sz="4400" kern="1200">
+        <a:defRPr sz="3600" kern="1200" cap="all">
+          <a:ln w="3175" cmpd="sng">
+            <a:noFill/>
+          </a:ln>
           <a:solidFill>
             <a:schemeClr val="tx1"/>
           </a:solidFill>
+          <a:effectLst/>
           <a:latin typeface="+mj-lt"/>
           <a:ea typeface="+mj-ea"/>
           <a:cs typeface="+mj-cs"/>
         </a:defRPr>
       </a:lvl1pPr>
+      <a:lvl2pPr eaLnBrk="1" hangingPunct="1">
+        <a:defRPr>
+          <a:solidFill>
+            <a:schemeClr val="tx2"/>
+          </a:solidFill>
+        </a:defRPr>
+      </a:lvl2pPr>
+      <a:lvl3pPr eaLnBrk="1" hangingPunct="1">
+        <a:defRPr>
+          <a:solidFill>
+            <a:schemeClr val="tx2"/>
+          </a:solidFill>
+        </a:defRPr>
+      </a:lvl3pPr>
+      <a:lvl4pPr eaLnBrk="1" hangingPunct="1">
+        <a:defRPr>
+          <a:solidFill>
+            <a:schemeClr val="tx2"/>
+          </a:solidFill>
+        </a:defRPr>
+      </a:lvl4pPr>
+      <a:lvl5pPr eaLnBrk="1" hangingPunct="1">
+        <a:defRPr>
+          <a:solidFill>
+            <a:schemeClr val="tx2"/>
+          </a:solidFill>
+        </a:defRPr>
+      </a:lvl5pPr>
+      <a:lvl6pPr eaLnBrk="1" hangingPunct="1">
+        <a:defRPr>
+          <a:solidFill>
+            <a:schemeClr val="tx2"/>
+          </a:solidFill>
+        </a:defRPr>
+      </a:lvl6pPr>
+      <a:lvl7pPr eaLnBrk="1" hangingPunct="1">
+        <a:defRPr>
+          <a:solidFill>
+            <a:schemeClr val="tx2"/>
+          </a:solidFill>
+        </a:defRPr>
+      </a:lvl7pPr>
+      <a:lvl8pPr eaLnBrk="1" hangingPunct="1">
+        <a:defRPr>
+          <a:solidFill>
+            <a:schemeClr val="tx2"/>
+          </a:solidFill>
+        </a:defRPr>
+      </a:lvl8pPr>
+      <a:lvl9pPr eaLnBrk="1" hangingPunct="1">
+        <a:defRPr>
+          <a:solidFill>
+            <a:schemeClr val="tx2"/>
+          </a:solidFill>
+        </a:defRPr>
+      </a:lvl9pPr>
     </p:titleStyle>
     <p:bodyStyle>
-      <a:lvl1pPr marL="228600" indent="-228600" algn="l" defTabSz="914400" rtl="0" eaLnBrk="1" latinLnBrk="0" hangingPunct="1">
-        <a:lnSpc>
-          <a:spcPct val="90000"/>
-        </a:lnSpc>
+      <a:lvl1pPr marL="285750" indent="-285750" algn="l" defTabSz="457200" rtl="0" eaLnBrk="1" latinLnBrk="0" hangingPunct="1">
         <a:spcBef>
-          <a:spcPts val="1000"/>
+          <a:spcPct val="20000"/>
         </a:spcBef>
-        <a:buFont typeface="Arial" panose="020B0604020202020204" pitchFamily="34" charset="0"/>
-        <a:buChar char="•"/>
-        <a:defRPr sz="2800" kern="1200">
+        <a:spcAft>
+          <a:spcPts val="600"/>
+        </a:spcAft>
+        <a:buClr>
+          <a:schemeClr val="tx1"/>
+        </a:buClr>
+        <a:buSzPct val="80000"/>
+        <a:buFont typeface="Wingdings 3" panose="05040102010807070707" pitchFamily="18" charset="2"/>
+        <a:buChar char=""/>
+        <a:defRPr sz="2000" kern="1200" cap="none">
+          <a:solidFill>
+            <a:schemeClr val="bg2">
+              <a:lumMod val="75000"/>
+            </a:schemeClr>
+          </a:solidFill>
+          <a:effectLst/>
+          <a:latin typeface="+mn-lt"/>
+          <a:ea typeface="+mn-ea"/>
+          <a:cs typeface="+mn-cs"/>
+        </a:defRPr>
+      </a:lvl1pPr>
+      <a:lvl2pPr marL="742950" indent="-285750" algn="l" defTabSz="457200" rtl="0" eaLnBrk="1" latinLnBrk="0" hangingPunct="1">
+        <a:spcBef>
+          <a:spcPct val="20000"/>
+        </a:spcBef>
+        <a:spcAft>
+          <a:spcPts val="600"/>
+        </a:spcAft>
+        <a:buClr>
+          <a:schemeClr val="tx1"/>
+        </a:buClr>
+        <a:buSzPct val="80000"/>
+        <a:buFont typeface="Wingdings 3" panose="05040102010807070707" pitchFamily="18" charset="2"/>
+        <a:buChar char=""/>
+        <a:defRPr sz="1800" kern="1200" cap="none">
+          <a:solidFill>
+            <a:schemeClr val="bg2">
+              <a:lumMod val="75000"/>
+            </a:schemeClr>
+          </a:solidFill>
+          <a:effectLst/>
+          <a:latin typeface="+mn-lt"/>
+          <a:ea typeface="+mn-ea"/>
+          <a:cs typeface="+mn-cs"/>
+        </a:defRPr>
+      </a:lvl2pPr>
+      <a:lvl3pPr marL="1200150" indent="-285750" algn="l" defTabSz="457200" rtl="0" eaLnBrk="1" latinLnBrk="0" hangingPunct="1">
+        <a:spcBef>
+          <a:spcPct val="20000"/>
+        </a:spcBef>
+        <a:spcAft>
+          <a:spcPts val="600"/>
+        </a:spcAft>
+        <a:buClr>
+          <a:schemeClr val="tx1"/>
+        </a:buClr>
+        <a:buSzPct val="80000"/>
+        <a:buFont typeface="Wingdings 3" panose="05040102010807070707" pitchFamily="18" charset="2"/>
+        <a:buChar char=""/>
+        <a:defRPr sz="1600" kern="1200" cap="none">
+          <a:solidFill>
+            <a:schemeClr val="bg2">
+              <a:lumMod val="75000"/>
+            </a:schemeClr>
+          </a:solidFill>
+          <a:effectLst/>
+          <a:latin typeface="+mn-lt"/>
+          <a:ea typeface="+mn-ea"/>
+          <a:cs typeface="+mn-cs"/>
+        </a:defRPr>
+      </a:lvl3pPr>
+      <a:lvl4pPr marL="1543050" indent="-171450" algn="l" defTabSz="457200" rtl="0" eaLnBrk="1" latinLnBrk="0" hangingPunct="1">
+        <a:spcBef>
+          <a:spcPct val="20000"/>
+        </a:spcBef>
+        <a:spcAft>
+          <a:spcPts val="600"/>
+        </a:spcAft>
+        <a:buClr>
+          <a:schemeClr val="tx1"/>
+        </a:buClr>
+        <a:buSzPct val="80000"/>
+        <a:buFont typeface="Wingdings 3" panose="05040102010807070707" pitchFamily="18" charset="2"/>
+        <a:buChar char=""/>
+        <a:defRPr sz="1400" kern="1200" cap="none">
+          <a:solidFill>
+            <a:schemeClr val="bg2">
+              <a:lumMod val="75000"/>
+            </a:schemeClr>
+          </a:solidFill>
+          <a:effectLst/>
+          <a:latin typeface="+mn-lt"/>
+          <a:ea typeface="+mn-ea"/>
+          <a:cs typeface="+mn-cs"/>
+        </a:defRPr>
+      </a:lvl4pPr>
+      <a:lvl5pPr marL="2000250" indent="-171450" algn="l" defTabSz="457200" rtl="0" eaLnBrk="1" latinLnBrk="0" hangingPunct="1">
+        <a:spcBef>
+          <a:spcPct val="20000"/>
+        </a:spcBef>
+        <a:spcAft>
+          <a:spcPts val="600"/>
+        </a:spcAft>
+        <a:buClr>
+          <a:schemeClr val="tx1"/>
+        </a:buClr>
+        <a:buSzPct val="80000"/>
+        <a:buFont typeface="Wingdings 3" panose="05040102010807070707" pitchFamily="18" charset="2"/>
+        <a:buChar char=""/>
+        <a:defRPr sz="1400" kern="1200" cap="none">
+          <a:solidFill>
+            <a:schemeClr val="bg2">
+              <a:lumMod val="75000"/>
+            </a:schemeClr>
+          </a:solidFill>
+          <a:effectLst/>
+          <a:latin typeface="+mn-lt"/>
+          <a:ea typeface="+mn-ea"/>
+          <a:cs typeface="+mn-cs"/>
+        </a:defRPr>
+      </a:lvl5pPr>
+      <a:lvl6pPr marL="2514600" indent="-228600" algn="l" defTabSz="457200" rtl="0" eaLnBrk="1" latinLnBrk="0" hangingPunct="1">
+        <a:spcBef>
+          <a:spcPct val="20000"/>
+        </a:spcBef>
+        <a:spcAft>
+          <a:spcPts val="600"/>
+        </a:spcAft>
+        <a:buClr>
+          <a:schemeClr val="tx1"/>
+        </a:buClr>
+        <a:buSzPct val="80000"/>
+        <a:buFont typeface="Wingdings 3" panose="05040102010807070707" pitchFamily="18" charset="2"/>
+        <a:buChar char=""/>
+        <a:defRPr sz="1400" kern="1200" cap="none">
+          <a:solidFill>
+            <a:schemeClr val="bg2">
+              <a:lumMod val="75000"/>
+            </a:schemeClr>
+          </a:solidFill>
+          <a:effectLst/>
+          <a:latin typeface="+mn-lt"/>
+          <a:ea typeface="+mn-ea"/>
+          <a:cs typeface="+mn-cs"/>
+        </a:defRPr>
+      </a:lvl6pPr>
+      <a:lvl7pPr marL="2971800" indent="-228600" algn="l" defTabSz="457200" rtl="0" eaLnBrk="1" latinLnBrk="0" hangingPunct="1">
+        <a:spcBef>
+          <a:spcPct val="20000"/>
+        </a:spcBef>
+        <a:spcAft>
+          <a:spcPts val="600"/>
+        </a:spcAft>
+        <a:buClr>
+          <a:schemeClr val="tx1"/>
+        </a:buClr>
+        <a:buSzPct val="80000"/>
+        <a:buFont typeface="Wingdings 3" panose="05040102010807070707" pitchFamily="18" charset="2"/>
+        <a:buChar char=""/>
+        <a:defRPr sz="1400" kern="1200" cap="none">
+          <a:solidFill>
+            <a:schemeClr val="bg2">
+              <a:lumMod val="75000"/>
+            </a:schemeClr>
+          </a:solidFill>
+          <a:effectLst/>
+          <a:latin typeface="+mn-lt"/>
+          <a:ea typeface="+mn-ea"/>
+          <a:cs typeface="+mn-cs"/>
+        </a:defRPr>
+      </a:lvl7pPr>
+      <a:lvl8pPr marL="3429000" indent="-228600" algn="l" defTabSz="457200" rtl="0" eaLnBrk="1" latinLnBrk="0" hangingPunct="1">
+        <a:spcBef>
+          <a:spcPct val="20000"/>
+        </a:spcBef>
+        <a:spcAft>
+          <a:spcPts val="600"/>
+        </a:spcAft>
+        <a:buClr>
+          <a:schemeClr val="tx1"/>
+        </a:buClr>
+        <a:buSzPct val="80000"/>
+        <a:buFont typeface="Wingdings 3" panose="05040102010807070707" pitchFamily="18" charset="2"/>
+        <a:buChar char=""/>
+        <a:defRPr sz="1400" kern="1200" cap="none">
+          <a:solidFill>
+            <a:schemeClr val="bg2">
+              <a:lumMod val="75000"/>
+            </a:schemeClr>
+          </a:solidFill>
+          <a:effectLst/>
+          <a:latin typeface="+mn-lt"/>
+          <a:ea typeface="+mn-ea"/>
+          <a:cs typeface="+mn-cs"/>
+        </a:defRPr>
+      </a:lvl8pPr>
+      <a:lvl9pPr marL="3886200" indent="-228600" algn="l" defTabSz="457200" rtl="0" eaLnBrk="1" latinLnBrk="0" hangingPunct="1">
+        <a:spcBef>
+          <a:spcPct val="20000"/>
+        </a:spcBef>
+        <a:spcAft>
+          <a:spcPts val="600"/>
+        </a:spcAft>
+        <a:buClr>
+          <a:schemeClr val="tx1"/>
+        </a:buClr>
+        <a:buSzPct val="80000"/>
+        <a:buFont typeface="Wingdings 3" panose="05040102010807070707" pitchFamily="18" charset="2"/>
+        <a:buChar char=""/>
+        <a:defRPr sz="1400" kern="1200" cap="none">
+          <a:solidFill>
+            <a:schemeClr val="bg2">
+              <a:lumMod val="75000"/>
+            </a:schemeClr>
+          </a:solidFill>
+          <a:effectLst/>
+          <a:latin typeface="+mn-lt"/>
+          <a:ea typeface="+mn-ea"/>
+          <a:cs typeface="+mn-cs"/>
+        </a:defRPr>
+      </a:lvl9pPr>
+    </p:bodyStyle>
+    <p:otherStyle>
+      <a:defPPr>
+        <a:defRPr lang="en-US"/>
+      </a:defPPr>
+      <a:lvl1pPr marL="0" algn="l" defTabSz="457200" rtl="0" eaLnBrk="1" latinLnBrk="0" hangingPunct="1">
+        <a:defRPr sz="1800" kern="1200">
           <a:solidFill>
             <a:schemeClr val="tx1"/>
           </a:solidFill>
@@ -3060,16 +5266,8 @@
           <a:cs typeface="+mn-cs"/>
         </a:defRPr>
       </a:lvl1pPr>
-      <a:lvl2pPr marL="685800" indent="-228600" algn="l" defTabSz="914400" rtl="0" eaLnBrk="1" latinLnBrk="0" hangingPunct="1">
-        <a:lnSpc>
-          <a:spcPct val="90000"/>
-        </a:lnSpc>
-        <a:spcBef>
-          <a:spcPts val="500"/>
-        </a:spcBef>
-        <a:buFont typeface="Arial" panose="020B0604020202020204" pitchFamily="34" charset="0"/>
-        <a:buChar char="•"/>
-        <a:defRPr sz="2400" kern="1200">
+      <a:lvl2pPr marL="457200" algn="l" defTabSz="457200" rtl="0" eaLnBrk="1" latinLnBrk="0" hangingPunct="1">
+        <a:defRPr sz="1800" kern="1200">
           <a:solidFill>
             <a:schemeClr val="tx1"/>
           </a:solidFill>
@@ -3078,16 +5276,8 @@
           <a:cs typeface="+mn-cs"/>
         </a:defRPr>
       </a:lvl2pPr>
-      <a:lvl3pPr marL="1143000" indent="-228600" algn="l" defTabSz="914400" rtl="0" eaLnBrk="1" latinLnBrk="0" hangingPunct="1">
-        <a:lnSpc>
-          <a:spcPct val="90000"/>
-        </a:lnSpc>
-        <a:spcBef>
-          <a:spcPts val="500"/>
-        </a:spcBef>
-        <a:buFont typeface="Arial" panose="020B0604020202020204" pitchFamily="34" charset="0"/>
-        <a:buChar char="•"/>
-        <a:defRPr sz="2000" kern="1200">
+      <a:lvl3pPr marL="914400" algn="l" defTabSz="457200" rtl="0" eaLnBrk="1" latinLnBrk="0" hangingPunct="1">
+        <a:defRPr sz="1800" kern="1200">
           <a:solidFill>
             <a:schemeClr val="tx1"/>
           </a:solidFill>
@@ -3096,15 +5286,7 @@
           <a:cs typeface="+mn-cs"/>
         </a:defRPr>
       </a:lvl3pPr>
-      <a:lvl4pPr marL="1600200" indent="-228600" algn="l" defTabSz="914400" rtl="0" eaLnBrk="1" latinLnBrk="0" hangingPunct="1">
-        <a:lnSpc>
-          <a:spcPct val="90000"/>
-        </a:lnSpc>
-        <a:spcBef>
-          <a:spcPts val="500"/>
-        </a:spcBef>
-        <a:buFont typeface="Arial" panose="020B0604020202020204" pitchFamily="34" charset="0"/>
-        <a:buChar char="•"/>
+      <a:lvl4pPr marL="1371600" algn="l" defTabSz="457200" rtl="0" eaLnBrk="1" latinLnBrk="0" hangingPunct="1">
         <a:defRPr sz="1800" kern="1200">
           <a:solidFill>
             <a:schemeClr val="tx1"/>
@@ -3114,15 +5296,7 @@
           <a:cs typeface="+mn-cs"/>
         </a:defRPr>
       </a:lvl4pPr>
-      <a:lvl5pPr marL="2057400" indent="-228600" algn="l" defTabSz="914400" rtl="0" eaLnBrk="1" latinLnBrk="0" hangingPunct="1">
-        <a:lnSpc>
-          <a:spcPct val="90000"/>
-        </a:lnSpc>
-        <a:spcBef>
-          <a:spcPts val="500"/>
-        </a:spcBef>
-        <a:buFont typeface="Arial" panose="020B0604020202020204" pitchFamily="34" charset="0"/>
-        <a:buChar char="•"/>
+      <a:lvl5pPr marL="1828800" algn="l" defTabSz="457200" rtl="0" eaLnBrk="1" latinLnBrk="0" hangingPunct="1">
         <a:defRPr sz="1800" kern="1200">
           <a:solidFill>
             <a:schemeClr val="tx1"/>
@@ -3132,15 +5306,7 @@
           <a:cs typeface="+mn-cs"/>
         </a:defRPr>
       </a:lvl5pPr>
-      <a:lvl6pPr marL="2514600" indent="-228600" algn="l" defTabSz="914400" rtl="0" eaLnBrk="1" latinLnBrk="0" hangingPunct="1">
-        <a:lnSpc>
-          <a:spcPct val="90000"/>
-        </a:lnSpc>
-        <a:spcBef>
-          <a:spcPts val="500"/>
-        </a:spcBef>
-        <a:buFont typeface="Arial" panose="020B0604020202020204" pitchFamily="34" charset="0"/>
-        <a:buChar char="•"/>
+      <a:lvl6pPr marL="2286000" algn="l" defTabSz="457200" rtl="0" eaLnBrk="1" latinLnBrk="0" hangingPunct="1">
         <a:defRPr sz="1800" kern="1200">
           <a:solidFill>
             <a:schemeClr val="tx1"/>
@@ -3150,15 +5316,7 @@
           <a:cs typeface="+mn-cs"/>
         </a:defRPr>
       </a:lvl6pPr>
-      <a:lvl7pPr marL="2971800" indent="-228600" algn="l" defTabSz="914400" rtl="0" eaLnBrk="1" latinLnBrk="0" hangingPunct="1">
-        <a:lnSpc>
-          <a:spcPct val="90000"/>
-        </a:lnSpc>
-        <a:spcBef>
-          <a:spcPts val="500"/>
-        </a:spcBef>
-        <a:buFont typeface="Arial" panose="020B0604020202020204" pitchFamily="34" charset="0"/>
-        <a:buChar char="•"/>
+      <a:lvl7pPr marL="2743200" algn="l" defTabSz="457200" rtl="0" eaLnBrk="1" latinLnBrk="0" hangingPunct="1">
         <a:defRPr sz="1800" kern="1200">
           <a:solidFill>
             <a:schemeClr val="tx1"/>
@@ -3168,15 +5326,7 @@
           <a:cs typeface="+mn-cs"/>
         </a:defRPr>
       </a:lvl7pPr>
-      <a:lvl8pPr marL="3429000" indent="-228600" algn="l" defTabSz="914400" rtl="0" eaLnBrk="1" latinLnBrk="0" hangingPunct="1">
-        <a:lnSpc>
-          <a:spcPct val="90000"/>
-        </a:lnSpc>
-        <a:spcBef>
-          <a:spcPts val="500"/>
-        </a:spcBef>
-        <a:buFont typeface="Arial" panose="020B0604020202020204" pitchFamily="34" charset="0"/>
-        <a:buChar char="•"/>
+      <a:lvl8pPr marL="3200400" algn="l" defTabSz="457200" rtl="0" eaLnBrk="1" latinLnBrk="0" hangingPunct="1">
         <a:defRPr sz="1800" kern="1200">
           <a:solidFill>
             <a:schemeClr val="tx1"/>
@@ -3186,110 +5336,7 @@
           <a:cs typeface="+mn-cs"/>
         </a:defRPr>
       </a:lvl8pPr>
-      <a:lvl9pPr marL="3886200" indent="-228600" algn="l" defTabSz="914400" rtl="0" eaLnBrk="1" latinLnBrk="0" hangingPunct="1">
-        <a:lnSpc>
-          <a:spcPct val="90000"/>
-        </a:lnSpc>
-        <a:spcBef>
-          <a:spcPts val="500"/>
-        </a:spcBef>
-        <a:buFont typeface="Arial" panose="020B0604020202020204" pitchFamily="34" charset="0"/>
-        <a:buChar char="•"/>
-        <a:defRPr sz="1800" kern="1200">
-          <a:solidFill>
-            <a:schemeClr val="tx1"/>
-          </a:solidFill>
-          <a:latin typeface="+mn-lt"/>
-          <a:ea typeface="+mn-ea"/>
-          <a:cs typeface="+mn-cs"/>
-        </a:defRPr>
-      </a:lvl9pPr>
-    </p:bodyStyle>
-    <p:otherStyle>
-      <a:defPPr>
-        <a:defRPr lang="fr-FR"/>
-      </a:defPPr>
-      <a:lvl1pPr marL="0" algn="l" defTabSz="914400" rtl="0" eaLnBrk="1" latinLnBrk="0" hangingPunct="1">
-        <a:defRPr sz="1800" kern="1200">
-          <a:solidFill>
-            <a:schemeClr val="tx1"/>
-          </a:solidFill>
-          <a:latin typeface="+mn-lt"/>
-          <a:ea typeface="+mn-ea"/>
-          <a:cs typeface="+mn-cs"/>
-        </a:defRPr>
-      </a:lvl1pPr>
-      <a:lvl2pPr marL="457200" algn="l" defTabSz="914400" rtl="0" eaLnBrk="1" latinLnBrk="0" hangingPunct="1">
-        <a:defRPr sz="1800" kern="1200">
-          <a:solidFill>
-            <a:schemeClr val="tx1"/>
-          </a:solidFill>
-          <a:latin typeface="+mn-lt"/>
-          <a:ea typeface="+mn-ea"/>
-          <a:cs typeface="+mn-cs"/>
-        </a:defRPr>
-      </a:lvl2pPr>
-      <a:lvl3pPr marL="914400" algn="l" defTabSz="914400" rtl="0" eaLnBrk="1" latinLnBrk="0" hangingPunct="1">
-        <a:defRPr sz="1800" kern="1200">
-          <a:solidFill>
-            <a:schemeClr val="tx1"/>
-          </a:solidFill>
-          <a:latin typeface="+mn-lt"/>
-          <a:ea typeface="+mn-ea"/>
-          <a:cs typeface="+mn-cs"/>
-        </a:defRPr>
-      </a:lvl3pPr>
-      <a:lvl4pPr marL="1371600" algn="l" defTabSz="914400" rtl="0" eaLnBrk="1" latinLnBrk="0" hangingPunct="1">
-        <a:defRPr sz="1800" kern="1200">
-          <a:solidFill>
-            <a:schemeClr val="tx1"/>
-          </a:solidFill>
-          <a:latin typeface="+mn-lt"/>
-          <a:ea typeface="+mn-ea"/>
-          <a:cs typeface="+mn-cs"/>
-        </a:defRPr>
-      </a:lvl4pPr>
-      <a:lvl5pPr marL="1828800" algn="l" defTabSz="914400" rtl="0" eaLnBrk="1" latinLnBrk="0" hangingPunct="1">
-        <a:defRPr sz="1800" kern="1200">
-          <a:solidFill>
-            <a:schemeClr val="tx1"/>
-          </a:solidFill>
-          <a:latin typeface="+mn-lt"/>
-          <a:ea typeface="+mn-ea"/>
-          <a:cs typeface="+mn-cs"/>
-        </a:defRPr>
-      </a:lvl5pPr>
-      <a:lvl6pPr marL="2286000" algn="l" defTabSz="914400" rtl="0" eaLnBrk="1" latinLnBrk="0" hangingPunct="1">
-        <a:defRPr sz="1800" kern="1200">
-          <a:solidFill>
-            <a:schemeClr val="tx1"/>
-          </a:solidFill>
-          <a:latin typeface="+mn-lt"/>
-          <a:ea typeface="+mn-ea"/>
-          <a:cs typeface="+mn-cs"/>
-        </a:defRPr>
-      </a:lvl6pPr>
-      <a:lvl7pPr marL="2743200" algn="l" defTabSz="914400" rtl="0" eaLnBrk="1" latinLnBrk="0" hangingPunct="1">
-        <a:defRPr sz="1800" kern="1200">
-          <a:solidFill>
-            <a:schemeClr val="tx1"/>
-          </a:solidFill>
-          <a:latin typeface="+mn-lt"/>
-          <a:ea typeface="+mn-ea"/>
-          <a:cs typeface="+mn-cs"/>
-        </a:defRPr>
-      </a:lvl7pPr>
-      <a:lvl8pPr marL="3200400" algn="l" defTabSz="914400" rtl="0" eaLnBrk="1" latinLnBrk="0" hangingPunct="1">
-        <a:defRPr sz="1800" kern="1200">
-          <a:solidFill>
-            <a:schemeClr val="tx1"/>
-          </a:solidFill>
-          <a:latin typeface="+mn-lt"/>
-          <a:ea typeface="+mn-ea"/>
-          <a:cs typeface="+mn-cs"/>
-        </a:defRPr>
-      </a:lvl8pPr>
-      <a:lvl9pPr marL="3657600" algn="l" defTabSz="914400" rtl="0" eaLnBrk="1" latinLnBrk="0" hangingPunct="1">
+      <a:lvl9pPr marL="3657600" algn="l" defTabSz="457200" rtl="0" eaLnBrk="1" latinLnBrk="0" hangingPunct="1">
         <a:defRPr sz="1800" kern="1200">
           <a:solidFill>
             <a:schemeClr val="tx1"/>
@@ -3337,12 +5384,26 @@
             <p:ph type="ctrTitle"/>
           </p:nvPr>
         </p:nvSpPr>
-        <p:spPr/>
-        <p:txBody>
-          <a:bodyPr/>
-          <a:lstStyle/>
-          <a:p>
-            <a:endParaRPr lang="fr-FR"/>
+        <p:spPr>
+          <a:xfrm>
+            <a:off x="0" y="-77262"/>
+            <a:ext cx="791361" cy="354099"/>
+          </a:xfrm>
+        </p:spPr>
+        <p:txBody>
+          <a:bodyPr>
+            <a:normAutofit/>
+          </a:bodyPr>
+          <a:lstStyle/>
+          <a:p>
+            <a:r>
+              <a:rPr lang="fr-FR" sz="1100" dirty="0" err="1"/>
+              <a:t>Sae</a:t>
+            </a:r>
+            <a:r>
+              <a:rPr lang="fr-FR" sz="1100" dirty="0"/>
+              <a:t> 32</a:t>
+            </a:r>
           </a:p>
         </p:txBody>
       </p:sp>
@@ -3367,7 +5428,544 @@
           <a:bodyPr/>
           <a:lstStyle/>
           <a:p>
+            <a:endParaRPr lang="fr-FR" dirty="0"/>
+          </a:p>
+        </p:txBody>
+      </p:sp>
+      <p:graphicFrame>
+        <p:nvGraphicFramePr>
+          <p:cNvPr id="4" name="Tableau 4">
+            <a:extLst>
+              <a:ext uri="{FF2B5EF4-FFF2-40B4-BE49-F238E27FC236}">
+                <a16:creationId xmlns:a16="http://schemas.microsoft.com/office/drawing/2014/main" id="{334DFBFB-430A-4FFA-B4CA-58B7D79717A4}"/>
+              </a:ext>
+            </a:extLst>
+          </p:cNvPr>
+          <p:cNvGraphicFramePr>
+            <a:graphicFrameLocks noGrp="1"/>
+          </p:cNvGraphicFramePr>
+          <p:nvPr>
+            <p:extLst>
+              <p:ext uri="{D42A27DB-BD31-4B8C-83A1-F6EECF244321}">
+                <p14:modId xmlns:p14="http://schemas.microsoft.com/office/powerpoint/2010/main" val="974553185"/>
+              </p:ext>
+            </p:extLst>
+          </p:nvPr>
+        </p:nvGraphicFramePr>
+        <p:xfrm>
+          <a:off x="169644" y="585442"/>
+          <a:ext cx="1773340" cy="741680"/>
+        </p:xfrm>
+        <a:graphic>
+          <a:graphicData uri="http://schemas.openxmlformats.org/drawingml/2006/table">
+            <a:tbl>
+              <a:tblPr firstRow="1" bandRow="1">
+                <a:tableStyleId>{5C22544A-7EE6-4342-B048-85BDC9FD1C3A}</a:tableStyleId>
+              </a:tblPr>
+              <a:tblGrid>
+                <a:gridCol w="1773340">
+                  <a:extLst>
+                    <a:ext uri="{9D8B030D-6E8A-4147-A177-3AD203B41FA5}">
+                      <a16:colId xmlns:a16="http://schemas.microsoft.com/office/drawing/2014/main" val="768931686"/>
+                    </a:ext>
+                  </a:extLst>
+                </a:gridCol>
+              </a:tblGrid>
+              <a:tr h="370840">
+                <a:tc>
+                  <a:txBody>
+                    <a:bodyPr/>
+                    <a:lstStyle/>
+                    <a:p>
+                      <a:r>
+                        <a:rPr lang="fr-FR" sz="1200" dirty="0"/>
+                        <a:t>Nombre de faille :</a:t>
+                      </a:r>
+                    </a:p>
+                  </a:txBody>
+                  <a:tcPr/>
+                </a:tc>
+                <a:extLst>
+                  <a:ext uri="{0D108BD9-81ED-4DB2-BD59-A6C34878D82A}">
+                    <a16:rowId xmlns:a16="http://schemas.microsoft.com/office/drawing/2014/main" val="3407150795"/>
+                  </a:ext>
+                </a:extLst>
+              </a:tr>
+              <a:tr h="370840">
+                <a:tc>
+                  <a:txBody>
+                    <a:bodyPr/>
+                    <a:lstStyle/>
+                    <a:p>
+                      <a:endParaRPr lang="fr-FR" dirty="0"/>
+                    </a:p>
+                  </a:txBody>
+                  <a:tcPr/>
+                </a:tc>
+                <a:extLst>
+                  <a:ext uri="{0D108BD9-81ED-4DB2-BD59-A6C34878D82A}">
+                    <a16:rowId xmlns:a16="http://schemas.microsoft.com/office/drawing/2014/main" val="1275418678"/>
+                  </a:ext>
+                </a:extLst>
+              </a:tr>
+            </a:tbl>
+          </a:graphicData>
+        </a:graphic>
+      </p:graphicFrame>
+      <p:graphicFrame>
+        <p:nvGraphicFramePr>
+          <p:cNvPr id="5" name="Tableau 5">
+            <a:extLst>
+              <a:ext uri="{FF2B5EF4-FFF2-40B4-BE49-F238E27FC236}">
+                <a16:creationId xmlns:a16="http://schemas.microsoft.com/office/drawing/2014/main" id="{5159344A-E534-40AA-A812-A79F2CE55501}"/>
+              </a:ext>
+            </a:extLst>
+          </p:cNvPr>
+          <p:cNvGraphicFramePr>
+            <a:graphicFrameLocks noGrp="1"/>
+          </p:cNvGraphicFramePr>
+          <p:nvPr>
+            <p:extLst>
+              <p:ext uri="{D42A27DB-BD31-4B8C-83A1-F6EECF244321}">
+                <p14:modId xmlns:p14="http://schemas.microsoft.com/office/powerpoint/2010/main" val="1462585418"/>
+              </p:ext>
+            </p:extLst>
+          </p:nvPr>
+        </p:nvGraphicFramePr>
+        <p:xfrm>
+          <a:off x="2149446" y="2644987"/>
+          <a:ext cx="8128000" cy="1198880"/>
+        </p:xfrm>
+        <a:graphic>
+          <a:graphicData uri="http://schemas.openxmlformats.org/drawingml/2006/table">
+            <a:tbl>
+              <a:tblPr firstRow="1" bandRow="1">
+                <a:tableStyleId>{5C22544A-7EE6-4342-B048-85BDC9FD1C3A}</a:tableStyleId>
+              </a:tblPr>
+              <a:tblGrid>
+                <a:gridCol w="1016000">
+                  <a:extLst>
+                    <a:ext uri="{9D8B030D-6E8A-4147-A177-3AD203B41FA5}">
+                      <a16:colId xmlns:a16="http://schemas.microsoft.com/office/drawing/2014/main" val="1940421628"/>
+                    </a:ext>
+                  </a:extLst>
+                </a:gridCol>
+                <a:gridCol w="1016000">
+                  <a:extLst>
+                    <a:ext uri="{9D8B030D-6E8A-4147-A177-3AD203B41FA5}">
+                      <a16:colId xmlns:a16="http://schemas.microsoft.com/office/drawing/2014/main" val="3733030004"/>
+                    </a:ext>
+                  </a:extLst>
+                </a:gridCol>
+                <a:gridCol w="1016000">
+                  <a:extLst>
+                    <a:ext uri="{9D8B030D-6E8A-4147-A177-3AD203B41FA5}">
+                      <a16:colId xmlns:a16="http://schemas.microsoft.com/office/drawing/2014/main" val="2142110965"/>
+                    </a:ext>
+                  </a:extLst>
+                </a:gridCol>
+                <a:gridCol w="1016000">
+                  <a:extLst>
+                    <a:ext uri="{9D8B030D-6E8A-4147-A177-3AD203B41FA5}">
+                      <a16:colId xmlns:a16="http://schemas.microsoft.com/office/drawing/2014/main" val="2914556075"/>
+                    </a:ext>
+                  </a:extLst>
+                </a:gridCol>
+                <a:gridCol w="1016000">
+                  <a:extLst>
+                    <a:ext uri="{9D8B030D-6E8A-4147-A177-3AD203B41FA5}">
+                      <a16:colId xmlns:a16="http://schemas.microsoft.com/office/drawing/2014/main" val="3016317226"/>
+                    </a:ext>
+                  </a:extLst>
+                </a:gridCol>
+                <a:gridCol w="1016000">
+                  <a:extLst>
+                    <a:ext uri="{9D8B030D-6E8A-4147-A177-3AD203B41FA5}">
+                      <a16:colId xmlns:a16="http://schemas.microsoft.com/office/drawing/2014/main" val="1786727399"/>
+                    </a:ext>
+                  </a:extLst>
+                </a:gridCol>
+                <a:gridCol w="1016000">
+                  <a:extLst>
+                    <a:ext uri="{9D8B030D-6E8A-4147-A177-3AD203B41FA5}">
+                      <a16:colId xmlns:a16="http://schemas.microsoft.com/office/drawing/2014/main" val="3409959158"/>
+                    </a:ext>
+                  </a:extLst>
+                </a:gridCol>
+                <a:gridCol w="1016000">
+                  <a:extLst>
+                    <a:ext uri="{9D8B030D-6E8A-4147-A177-3AD203B41FA5}">
+                      <a16:colId xmlns:a16="http://schemas.microsoft.com/office/drawing/2014/main" val="4090565259"/>
+                    </a:ext>
+                  </a:extLst>
+                </a:gridCol>
+              </a:tblGrid>
+              <a:tr h="370840">
+                <a:tc>
+                  <a:txBody>
+                    <a:bodyPr/>
+                    <a:lstStyle/>
+                    <a:p>
+                      <a:r>
+                        <a:rPr lang="fr-FR" sz="1200" dirty="0"/>
+                        <a:t>ID</a:t>
+                      </a:r>
+                    </a:p>
+                  </a:txBody>
+                  <a:tcPr/>
+                </a:tc>
+                <a:tc>
+                  <a:txBody>
+                    <a:bodyPr/>
+                    <a:lstStyle/>
+                    <a:p>
+                      <a:r>
+                        <a:rPr lang="fr-FR" sz="1200" dirty="0"/>
+                        <a:t>Hôte/IP</a:t>
+                      </a:r>
+                    </a:p>
+                  </a:txBody>
+                  <a:tcPr/>
+                </a:tc>
+                <a:tc>
+                  <a:txBody>
+                    <a:bodyPr/>
+                    <a:lstStyle/>
+                    <a:p>
+                      <a:r>
+                        <a:rPr lang="fr-FR" sz="1200" dirty="0"/>
+                        <a:t>Numéro de faille</a:t>
+                      </a:r>
+                    </a:p>
+                  </a:txBody>
+                  <a:tcPr/>
+                </a:tc>
+                <a:tc>
+                  <a:txBody>
+                    <a:bodyPr/>
+                    <a:lstStyle/>
+                    <a:p>
+                      <a:r>
+                        <a:rPr lang="fr-FR" sz="1200" dirty="0"/>
+                        <a:t>Gravité</a:t>
+                      </a:r>
+                    </a:p>
+                  </a:txBody>
+                  <a:tcPr/>
+                </a:tc>
+                <a:tc>
+                  <a:txBody>
+                    <a:bodyPr/>
+                    <a:lstStyle/>
+                    <a:p>
+                      <a:r>
+                        <a:rPr lang="fr-FR" sz="1200" dirty="0"/>
+                        <a:t>Port / Protocole</a:t>
+                      </a:r>
+                    </a:p>
+                  </a:txBody>
+                  <a:tcPr/>
+                </a:tc>
+                <a:tc>
+                  <a:txBody>
+                    <a:bodyPr/>
+                    <a:lstStyle/>
+                    <a:p>
+                      <a:r>
+                        <a:rPr lang="fr-FR" sz="1200" dirty="0"/>
+                        <a:t>Statut</a:t>
+                      </a:r>
+                    </a:p>
+                  </a:txBody>
+                  <a:tcPr/>
+                </a:tc>
+                <a:tc>
+                  <a:txBody>
+                    <a:bodyPr/>
+                    <a:lstStyle/>
+                    <a:p>
+                      <a:r>
+                        <a:rPr lang="fr-FR" sz="1200" dirty="0"/>
+                        <a:t>Tags</a:t>
+                      </a:r>
+                    </a:p>
+                  </a:txBody>
+                  <a:tcPr/>
+                </a:tc>
+                <a:tc>
+                  <a:txBody>
+                    <a:bodyPr/>
+                    <a:lstStyle/>
+                    <a:p>
+                      <a:r>
+                        <a:rPr lang="fr-FR" sz="1200" dirty="0"/>
+                        <a:t>Découvrir</a:t>
+                      </a:r>
+                    </a:p>
+                  </a:txBody>
+                  <a:tcPr/>
+                </a:tc>
+                <a:extLst>
+                  <a:ext uri="{0D108BD9-81ED-4DB2-BD59-A6C34878D82A}">
+                    <a16:rowId xmlns:a16="http://schemas.microsoft.com/office/drawing/2014/main" val="2903460892"/>
+                  </a:ext>
+                </a:extLst>
+              </a:tr>
+              <a:tr h="370840">
+                <a:tc>
+                  <a:txBody>
+                    <a:bodyPr/>
+                    <a:lstStyle/>
+                    <a:p>
+                      <a:endParaRPr lang="fr-FR" dirty="0"/>
+                    </a:p>
+                  </a:txBody>
+                  <a:tcPr/>
+                </a:tc>
+                <a:tc>
+                  <a:txBody>
+                    <a:bodyPr/>
+                    <a:lstStyle/>
+                    <a:p>
+                      <a:endParaRPr lang="fr-FR"/>
+                    </a:p>
+                  </a:txBody>
+                  <a:tcPr/>
+                </a:tc>
+                <a:tc>
+                  <a:txBody>
+                    <a:bodyPr/>
+                    <a:lstStyle/>
+                    <a:p>
+                      <a:endParaRPr lang="fr-FR" dirty="0"/>
+                    </a:p>
+                  </a:txBody>
+                  <a:tcPr/>
+                </a:tc>
+                <a:tc>
+                  <a:txBody>
+                    <a:bodyPr/>
+                    <a:lstStyle/>
+                    <a:p>
+                      <a:endParaRPr lang="fr-FR" dirty="0"/>
+                    </a:p>
+                  </a:txBody>
+                  <a:tcPr/>
+                </a:tc>
+                <a:tc>
+                  <a:txBody>
+                    <a:bodyPr/>
+                    <a:lstStyle/>
+                    <a:p>
+                      <a:endParaRPr lang="fr-FR"/>
+                    </a:p>
+                  </a:txBody>
+                  <a:tcPr/>
+                </a:tc>
+                <a:tc>
+                  <a:txBody>
+                    <a:bodyPr/>
+                    <a:lstStyle/>
+                    <a:p>
+                      <a:endParaRPr lang="fr-FR"/>
+                    </a:p>
+                  </a:txBody>
+                  <a:tcPr/>
+                </a:tc>
+                <a:tc>
+                  <a:txBody>
+                    <a:bodyPr/>
+                    <a:lstStyle/>
+                    <a:p>
+                      <a:endParaRPr lang="fr-FR"/>
+                    </a:p>
+                  </a:txBody>
+                  <a:tcPr/>
+                </a:tc>
+                <a:tc>
+                  <a:txBody>
+                    <a:bodyPr/>
+                    <a:lstStyle/>
+                    <a:p>
+                      <a:endParaRPr lang="fr-FR"/>
+                    </a:p>
+                  </a:txBody>
+                  <a:tcPr/>
+                </a:tc>
+                <a:extLst>
+                  <a:ext uri="{0D108BD9-81ED-4DB2-BD59-A6C34878D82A}">
+                    <a16:rowId xmlns:a16="http://schemas.microsoft.com/office/drawing/2014/main" val="4056975338"/>
+                  </a:ext>
+                </a:extLst>
+              </a:tr>
+              <a:tr h="370840">
+                <a:tc>
+                  <a:txBody>
+                    <a:bodyPr/>
+                    <a:lstStyle/>
+                    <a:p>
+                      <a:endParaRPr lang="fr-FR"/>
+                    </a:p>
+                  </a:txBody>
+                  <a:tcPr/>
+                </a:tc>
+                <a:tc>
+                  <a:txBody>
+                    <a:bodyPr/>
+                    <a:lstStyle/>
+                    <a:p>
+                      <a:endParaRPr lang="fr-FR"/>
+                    </a:p>
+                  </a:txBody>
+                  <a:tcPr/>
+                </a:tc>
+                <a:tc>
+                  <a:txBody>
+                    <a:bodyPr/>
+                    <a:lstStyle/>
+                    <a:p>
+                      <a:endParaRPr lang="fr-FR"/>
+                    </a:p>
+                  </a:txBody>
+                  <a:tcPr/>
+                </a:tc>
+                <a:tc>
+                  <a:txBody>
+                    <a:bodyPr/>
+                    <a:lstStyle/>
+                    <a:p>
+                      <a:endParaRPr lang="fr-FR"/>
+                    </a:p>
+                  </a:txBody>
+                  <a:tcPr/>
+                </a:tc>
+                <a:tc>
+                  <a:txBody>
+                    <a:bodyPr/>
+                    <a:lstStyle/>
+                    <a:p>
+                      <a:endParaRPr lang="fr-FR"/>
+                    </a:p>
+                  </a:txBody>
+                  <a:tcPr/>
+                </a:tc>
+                <a:tc>
+                  <a:txBody>
+                    <a:bodyPr/>
+                    <a:lstStyle/>
+                    <a:p>
+                      <a:endParaRPr lang="fr-FR"/>
+                    </a:p>
+                  </a:txBody>
+                  <a:tcPr/>
+                </a:tc>
+                <a:tc>
+                  <a:txBody>
+                    <a:bodyPr/>
+                    <a:lstStyle/>
+                    <a:p>
+                      <a:endParaRPr lang="fr-FR"/>
+                    </a:p>
+                  </a:txBody>
+                  <a:tcPr/>
+                </a:tc>
+                <a:tc>
+                  <a:txBody>
+                    <a:bodyPr/>
+                    <a:lstStyle/>
+                    <a:p>
+                      <a:endParaRPr lang="fr-FR" dirty="0"/>
+                    </a:p>
+                  </a:txBody>
+                  <a:tcPr/>
+                </a:tc>
+                <a:extLst>
+                  <a:ext uri="{0D108BD9-81ED-4DB2-BD59-A6C34878D82A}">
+                    <a16:rowId xmlns:a16="http://schemas.microsoft.com/office/drawing/2014/main" val="1997626232"/>
+                  </a:ext>
+                </a:extLst>
+              </a:tr>
+            </a:tbl>
+          </a:graphicData>
+        </a:graphic>
+      </p:graphicFrame>
+      <p:sp>
+        <p:nvSpPr>
+          <p:cNvPr id="6" name="Rectangle : coins arrondis 5">
+            <a:extLst>
+              <a:ext uri="{FF2B5EF4-FFF2-40B4-BE49-F238E27FC236}">
+                <a16:creationId xmlns:a16="http://schemas.microsoft.com/office/drawing/2014/main" id="{C48409E5-3A51-4855-ACD4-A97E5971719F}"/>
+              </a:ext>
+            </a:extLst>
+          </p:cNvPr>
+          <p:cNvSpPr/>
+          <p:nvPr/>
+        </p:nvSpPr>
+        <p:spPr>
+          <a:xfrm>
+            <a:off x="10050011" y="276837"/>
+            <a:ext cx="1870745" cy="741680"/>
+          </a:xfrm>
+          <a:prstGeom prst="roundRect">
+            <a:avLst/>
+          </a:prstGeom>
+        </p:spPr>
+        <p:style>
+          <a:lnRef idx="1">
+            <a:schemeClr val="accent1"/>
+          </a:lnRef>
+          <a:fillRef idx="2">
+            <a:schemeClr val="accent1"/>
+          </a:fillRef>
+          <a:effectRef idx="1">
+            <a:schemeClr val="accent1"/>
+          </a:effectRef>
+          <a:fontRef idx="minor">
+            <a:schemeClr val="dk1"/>
+          </a:fontRef>
+        </p:style>
+        <p:txBody>
+          <a:bodyPr rtlCol="0" anchor="ctr"/>
+          <a:lstStyle/>
+          <a:p>
+            <a:pPr algn="ctr"/>
             <a:endParaRPr lang="fr-FR"/>
+          </a:p>
+        </p:txBody>
+      </p:sp>
+      <p:sp>
+        <p:nvSpPr>
+          <p:cNvPr id="7" name="ZoneTexte 6">
+            <a:extLst>
+              <a:ext uri="{FF2B5EF4-FFF2-40B4-BE49-F238E27FC236}">
+                <a16:creationId xmlns:a16="http://schemas.microsoft.com/office/drawing/2014/main" id="{13095371-704C-437B-AA76-6D319C9A1AB2}"/>
+              </a:ext>
+            </a:extLst>
+          </p:cNvPr>
+          <p:cNvSpPr txBox="1"/>
+          <p:nvPr/>
+        </p:nvSpPr>
+        <p:spPr>
+          <a:xfrm>
+            <a:off x="10128074" y="493788"/>
+            <a:ext cx="1714617" cy="307777"/>
+          </a:xfrm>
+          <a:prstGeom prst="rect">
+            <a:avLst/>
+          </a:prstGeom>
+          <a:noFill/>
+        </p:spPr>
+        <p:txBody>
+          <a:bodyPr wrap="square" rtlCol="0">
+            <a:spAutoFit/>
+          </a:bodyPr>
+          <a:lstStyle/>
+          <a:p>
+            <a:pPr algn="ctr"/>
+            <a:r>
+              <a:rPr lang="fr-FR" sz="1400" dirty="0"/>
+              <a:t>Rapport de scan</a:t>
+            </a:r>
           </a:p>
         </p:txBody>
       </p:sp>
@@ -3385,9 +5983,9 @@
 </file>
 
 <file path=ppt/theme/theme1.xml><?xml version="1.0" encoding="utf-8"?>
-<a:theme xmlns:a="http://schemas.openxmlformats.org/drawingml/2006/main" name="Thème Office">
+<a:theme xmlns:a="http://schemas.openxmlformats.org/drawingml/2006/main" name="Secteur">
   <a:themeElements>
-    <a:clrScheme name="Office">
+    <a:clrScheme name="Secteur">
       <a:dk1>
         <a:sysClr val="windowText" lastClr="000000"/>
       </a:dk1>
@@ -3395,100 +5993,48 @@
         <a:sysClr val="window" lastClr="FFFFFF"/>
       </a:lt1>
       <a:dk2>
-        <a:srgbClr val="44546A"/>
+        <a:srgbClr val="146194"/>
       </a:dk2>
       <a:lt2>
-        <a:srgbClr val="E7E6E6"/>
+        <a:srgbClr val="76DBF4"/>
       </a:lt2>
       <a:accent1>
-        <a:srgbClr val="4472C4"/>
+        <a:srgbClr val="052F61"/>
       </a:accent1>
       <a:accent2>
-        <a:srgbClr val="ED7D31"/>
+        <a:srgbClr val="A50E82"/>
       </a:accent2>
       <a:accent3>
-        <a:srgbClr val="A5A5A5"/>
+        <a:srgbClr val="14967C"/>
       </a:accent3>
       <a:accent4>
-        <a:srgbClr val="FFC000"/>
+        <a:srgbClr val="6A9E1F"/>
       </a:accent4>
       <a:accent5>
-        <a:srgbClr val="5B9BD5"/>
+        <a:srgbClr val="E87D37"/>
       </a:accent5>
       <a:accent6>
-        <a:srgbClr val="70AD47"/>
+        <a:srgbClr val="C62324"/>
       </a:accent6>
       <a:hlink>
-        <a:srgbClr val="0563C1"/>
+        <a:srgbClr val="0D2E46"/>
       </a:hlink>
       <a:folHlink>
-        <a:srgbClr val="954F72"/>
+        <a:srgbClr val="356A95"/>
       </a:folHlink>
     </a:clrScheme>
-    <a:fontScheme name="Office">
+    <a:fontScheme name="Secteur">
       <a:majorFont>
-        <a:latin typeface="Calibri Light" panose="020F0302020204030204"/>
+        <a:latin typeface="Century Gothic" panose="020B0502020202020204"/>
         <a:ea typeface=""/>
         <a:cs typeface=""/>
-        <a:font script="Jpan" typeface="游ゴシック Light"/>
-        <a:font script="Hang" typeface="맑은 고딕"/>
-        <a:font script="Hans" typeface="等线 Light"/>
-        <a:font script="Hant" typeface="新細明體"/>
-        <a:font script="Arab" typeface="Times New Roman"/>
-        <a:font script="Hebr" typeface="Times New Roman"/>
-        <a:font script="Thai" typeface="Angsana New"/>
-        <a:font script="Ethi" typeface="Nyala"/>
-        <a:font script="Beng" typeface="Vrinda"/>
-        <a:font script="Gujr" typeface="Shruti"/>
-        <a:font script="Khmr" typeface="MoolBoran"/>
-        <a:font script="Knda" typeface="Tunga"/>
-        <a:font script="Guru" typeface="Raavi"/>
-        <a:font script="Cans" typeface="Euphemia"/>
-        <a:font script="Cher" typeface="Plantagenet Cherokee"/>
-        <a:font script="Yiii" typeface="Microsoft Yi Baiti"/>
-        <a:font script="Tibt" typeface="Microsoft Himalaya"/>
-        <a:font script="Thaa" typeface="MV Boli"/>
-        <a:font script="Deva" typeface="Mangal"/>
-        <a:font script="Telu" typeface="Gautami"/>
-        <a:font script="Taml" typeface="Latha"/>
-        <a:font script="Syrc" typeface="Estrangelo Edessa"/>
-        <a:font script="Orya" typeface="Kalinga"/>
-        <a:font script="Mlym" typeface="Kartika"/>
-        <a:font script="Laoo" typeface="DokChampa"/>
-        <a:font script="Sinh" typeface="Iskoola Pota"/>
-        <a:font script="Mong" typeface="Mongolian Baiti"/>
-        <a:font script="Viet" typeface="Times New Roman"/>
-        <a:font script="Uigh" typeface="Microsoft Uighur"/>
-        <a:font script="Geor" typeface="Sylfaen"/>
-        <a:font script="Armn" typeface="Arial"/>
-        <a:font script="Bugi" typeface="Leelawadee UI"/>
-        <a:font script="Bopo" typeface="Microsoft JhengHei"/>
-        <a:font script="Java" typeface="Javanese Text"/>
-        <a:font script="Lisu" typeface="Segoe UI"/>
-        <a:font script="Mymr" typeface="Myanmar Text"/>
-        <a:font script="Nkoo" typeface="Ebrima"/>
-        <a:font script="Olck" typeface="Nirmala UI"/>
-        <a:font script="Osma" typeface="Ebrima"/>
-        <a:font script="Phag" typeface="Phagspa"/>
-        <a:font script="Syrn" typeface="Estrangelo Edessa"/>
-        <a:font script="Syrj" typeface="Estrangelo Edessa"/>
-        <a:font script="Syre" typeface="Estrangelo Edessa"/>
-        <a:font script="Sora" typeface="Nirmala UI"/>
-        <a:font script="Tale" typeface="Microsoft Tai Le"/>
-        <a:font script="Talu" typeface="Microsoft New Tai Lue"/>
-        <a:font script="Tfng" typeface="Ebrima"/>
-      </a:majorFont>
-      <a:minorFont>
-        <a:latin typeface="Calibri" panose="020F0502020204030204"/>
-        <a:ea typeface=""/>
-        <a:cs typeface=""/>
-        <a:font script="Jpan" typeface="游ゴシック"/>
-        <a:font script="Hang" typeface="맑은 고딕"/>
-        <a:font script="Hans" typeface="等线"/>
-        <a:font script="Hant" typeface="新細明體"/>
-        <a:font script="Arab" typeface="Arial"/>
-        <a:font script="Hebr" typeface="Arial"/>
-        <a:font script="Thai" typeface="Cordia New"/>
+        <a:font script="Jpan" typeface="メイリオ"/>
+        <a:font script="Hang" typeface="HY중고딕"/>
+        <a:font script="Hans" typeface="幼圆"/>
+        <a:font script="Hant" typeface="微軟正黑體"/>
+        <a:font script="Arab" typeface="Tahoma"/>
+        <a:font script="Hebr" typeface="Gisha"/>
+        <a:font script="Thai" typeface="DilleniaUPC"/>
         <a:font script="Ethi" typeface="Nyala"/>
         <a:font script="Beng" typeface="Vrinda"/>
         <a:font script="Gujr" typeface="Shruti"/>
@@ -3509,29 +6055,47 @@
         <a:font script="Laoo" typeface="DokChampa"/>
         <a:font script="Sinh" typeface="Iskoola Pota"/>
         <a:font script="Mong" typeface="Mongolian Baiti"/>
-        <a:font script="Viet" typeface="Arial"/>
+        <a:font script="Viet" typeface="Tahoma"/>
         <a:font script="Uigh" typeface="Microsoft Uighur"/>
         <a:font script="Geor" typeface="Sylfaen"/>
-        <a:font script="Armn" typeface="Arial"/>
-        <a:font script="Bugi" typeface="Leelawadee UI"/>
-        <a:font script="Bopo" typeface="Microsoft JhengHei"/>
-        <a:font script="Java" typeface="Javanese Text"/>
-        <a:font script="Lisu" typeface="Segoe UI"/>
-        <a:font script="Mymr" typeface="Myanmar Text"/>
-        <a:font script="Nkoo" typeface="Ebrima"/>
-        <a:font script="Olck" typeface="Nirmala UI"/>
-        <a:font script="Osma" typeface="Ebrima"/>
-        <a:font script="Phag" typeface="Phagspa"/>
-        <a:font script="Syrn" typeface="Estrangelo Edessa"/>
-        <a:font script="Syrj" typeface="Estrangelo Edessa"/>
-        <a:font script="Syre" typeface="Estrangelo Edessa"/>
-        <a:font script="Sora" typeface="Nirmala UI"/>
-        <a:font script="Tale" typeface="Microsoft Tai Le"/>
-        <a:font script="Talu" typeface="Microsoft New Tai Lue"/>
-        <a:font script="Tfng" typeface="Ebrima"/>
+      </a:majorFont>
+      <a:minorFont>
+        <a:latin typeface="Century Gothic" panose="020B0502020202020204"/>
+        <a:ea typeface=""/>
+        <a:cs typeface=""/>
+        <a:font script="Jpan" typeface="メイリオ"/>
+        <a:font script="Hang" typeface="HY중고딕"/>
+        <a:font script="Hans" typeface="幼圆"/>
+        <a:font script="Hant" typeface="微軟正黑體"/>
+        <a:font script="Arab" typeface="Tahoma"/>
+        <a:font script="Hebr" typeface="Gisha"/>
+        <a:font script="Thai" typeface="DilleniaUPC"/>
+        <a:font script="Ethi" typeface="Nyala"/>
+        <a:font script="Beng" typeface="Vrinda"/>
+        <a:font script="Gujr" typeface="Shruti"/>
+        <a:font script="Khmr" typeface="DaunPenh"/>
+        <a:font script="Knda" typeface="Tunga"/>
+        <a:font script="Guru" typeface="Raavi"/>
+        <a:font script="Cans" typeface="Euphemia"/>
+        <a:font script="Cher" typeface="Plantagenet Cherokee"/>
+        <a:font script="Yiii" typeface="Microsoft Yi Baiti"/>
+        <a:font script="Tibt" typeface="Microsoft Himalaya"/>
+        <a:font script="Thaa" typeface="MV Boli"/>
+        <a:font script="Deva" typeface="Mangal"/>
+        <a:font script="Telu" typeface="Gautami"/>
+        <a:font script="Taml" typeface="Latha"/>
+        <a:font script="Syrc" typeface="Estrangelo Edessa"/>
+        <a:font script="Orya" typeface="Kalinga"/>
+        <a:font script="Mlym" typeface="Kartika"/>
+        <a:font script="Laoo" typeface="DokChampa"/>
+        <a:font script="Sinh" typeface="Iskoola Pota"/>
+        <a:font script="Mong" typeface="Mongolian Baiti"/>
+        <a:font script="Viet" typeface="Tahoma"/>
+        <a:font script="Uigh" typeface="Microsoft Uighur"/>
+        <a:font script="Geor" typeface="Sylfaen"/>
       </a:minorFont>
     </a:fontScheme>
-    <a:fmtScheme name="Office">
+    <a:fmtScheme name="Secteur">
       <a:fillStyleLst>
         <a:solidFill>
           <a:schemeClr val="phClr"/>
@@ -3540,23 +6104,16 @@
           <a:gsLst>
             <a:gs pos="0">
               <a:schemeClr val="phClr">
+                <a:tint val="62000"/>
+                <a:hueMod val="94000"/>
+                <a:satMod val="140000"/>
                 <a:lumMod val="110000"/>
-                <a:satMod val="105000"/>
-                <a:tint val="67000"/>
-              </a:schemeClr>
-            </a:gs>
-            <a:gs pos="50000">
-              <a:schemeClr val="phClr">
-                <a:lumMod val="105000"/>
-                <a:satMod val="103000"/>
-                <a:tint val="73000"/>
               </a:schemeClr>
             </a:gs>
             <a:gs pos="100000">
               <a:schemeClr val="phClr">
-                <a:lumMod val="105000"/>
-                <a:satMod val="109000"/>
-                <a:tint val="81000"/>
+                <a:tint val="84000"/>
+                <a:satMod val="160000"/>
               </a:schemeClr>
             </a:gs>
           </a:gsLst>
@@ -3566,23 +6123,16 @@
           <a:gsLst>
             <a:gs pos="0">
               <a:schemeClr val="phClr">
-                <a:satMod val="103000"/>
-                <a:lumMod val="102000"/>
-                <a:tint val="94000"/>
-              </a:schemeClr>
-            </a:gs>
-            <a:gs pos="50000">
-              <a:schemeClr val="phClr">
-                <a:satMod val="110000"/>
-                <a:lumMod val="100000"/>
-                <a:shade val="100000"/>
+                <a:tint val="98000"/>
+                <a:hueMod val="94000"/>
+                <a:satMod val="130000"/>
+                <a:lumMod val="128000"/>
               </a:schemeClr>
             </a:gs>
             <a:gs pos="100000">
               <a:schemeClr val="phClr">
-                <a:lumMod val="99000"/>
-                <a:satMod val="120000"/>
-                <a:shade val="78000"/>
+                <a:shade val="94000"/>
+                <a:lumMod val="88000"/>
               </a:schemeClr>
             </a:gs>
           </a:gsLst>
@@ -3590,26 +6140,29 @@
         </a:gradFill>
       </a:fillStyleLst>
       <a:lnStyleLst>
-        <a:ln w="6350" cap="flat" cmpd="sng" algn="ctr">
+        <a:ln w="9525" cap="rnd" cmpd="sng" algn="ctr">
+          <a:solidFill>
+            <a:schemeClr val="phClr">
+              <a:tint val="76000"/>
+              <a:alpha val="60000"/>
+              <a:hueMod val="94000"/>
+            </a:schemeClr>
+          </a:solidFill>
+          <a:prstDash val="solid"/>
+        </a:ln>
+        <a:ln w="15875" cap="rnd" cmpd="sng" algn="ctr">
+          <a:solidFill>
+            <a:schemeClr val="phClr">
+              <a:hueMod val="94000"/>
+            </a:schemeClr>
+          </a:solidFill>
+          <a:prstDash val="solid"/>
+        </a:ln>
+        <a:ln w="28575" cap="rnd" cmpd="sng" algn="ctr">
           <a:solidFill>
             <a:schemeClr val="phClr"/>
           </a:solidFill>
           <a:prstDash val="solid"/>
-          <a:miter lim="800000"/>
-        </a:ln>
-        <a:ln w="12700" cap="flat" cmpd="sng" algn="ctr">
-          <a:solidFill>
-            <a:schemeClr val="phClr"/>
-          </a:solidFill>
-          <a:prstDash val="solid"/>
-          <a:miter lim="800000"/>
-        </a:ln>
-        <a:ln w="19050" cap="flat" cmpd="sng" algn="ctr">
-          <a:solidFill>
-            <a:schemeClr val="phClr"/>
-          </a:solidFill>
-          <a:prstDash val="solid"/>
-          <a:miter lim="800000"/>
         </a:ln>
       </a:lnStyleLst>
       <a:effectStyleLst>
@@ -3617,54 +6170,78 @@
           <a:effectLst/>
         </a:effectStyle>
         <a:effectStyle>
-          <a:effectLst/>
+          <a:effectLst>
+            <a:innerShdw blurRad="25400" dist="12700" dir="13500000">
+              <a:srgbClr val="000000">
+                <a:alpha val="45000"/>
+              </a:srgbClr>
+            </a:innerShdw>
+          </a:effectLst>
         </a:effectStyle>
         <a:effectStyle>
           <a:effectLst>
-            <a:outerShdw blurRad="57150" dist="19050" dir="5400000" algn="ctr" rotWithShape="0">
+            <a:outerShdw blurRad="50800" dist="38100" dir="5400000" rotWithShape="0">
               <a:srgbClr val="000000">
-                <a:alpha val="63000"/>
+                <a:alpha val="46000"/>
               </a:srgbClr>
             </a:outerShdw>
           </a:effectLst>
+          <a:scene3d>
+            <a:camera prst="orthographicFront">
+              <a:rot lat="0" lon="0" rev="0"/>
+            </a:camera>
+            <a:lightRig rig="threePt" dir="t"/>
+          </a:scene3d>
+          <a:sp3d prstMaterial="plastic">
+            <a:bevelT w="25400" h="25400"/>
+          </a:sp3d>
         </a:effectStyle>
       </a:effectStyleLst>
       <a:bgFillStyleLst>
         <a:solidFill>
           <a:schemeClr val="phClr"/>
         </a:solidFill>
-        <a:solidFill>
-          <a:schemeClr val="phClr">
-            <a:tint val="95000"/>
-            <a:satMod val="170000"/>
-          </a:schemeClr>
-        </a:solidFill>
+        <a:gradFill rotWithShape="1">
+          <a:gsLst>
+            <a:gs pos="10000">
+              <a:schemeClr val="phClr">
+                <a:tint val="97000"/>
+                <a:hueMod val="92000"/>
+                <a:satMod val="169000"/>
+                <a:lumMod val="164000"/>
+              </a:schemeClr>
+            </a:gs>
+            <a:gs pos="100000">
+              <a:schemeClr val="phClr">
+                <a:shade val="96000"/>
+                <a:satMod val="120000"/>
+                <a:lumMod val="90000"/>
+              </a:schemeClr>
+            </a:gs>
+          </a:gsLst>
+          <a:lin ang="6120000" scaled="1"/>
+        </a:gradFill>
         <a:gradFill rotWithShape="1">
           <a:gsLst>
             <a:gs pos="0">
               <a:schemeClr val="phClr">
-                <a:tint val="93000"/>
-                <a:satMod val="150000"/>
-                <a:shade val="98000"/>
-                <a:lumMod val="102000"/>
-              </a:schemeClr>
-            </a:gs>
-            <a:gs pos="50000">
-              <a:schemeClr val="phClr">
-                <a:tint val="98000"/>
-                <a:satMod val="130000"/>
-                <a:shade val="90000"/>
-                <a:lumMod val="103000"/>
+                <a:tint val="97000"/>
+                <a:hueMod val="92000"/>
+                <a:satMod val="169000"/>
+                <a:lumMod val="164000"/>
               </a:schemeClr>
             </a:gs>
             <a:gs pos="100000">
               <a:schemeClr val="phClr">
-                <a:shade val="63000"/>
+                <a:shade val="96000"/>
                 <a:satMod val="120000"/>
+                <a:lumMod val="90000"/>
               </a:schemeClr>
             </a:gs>
           </a:gsLst>
-          <a:lin ang="5400000" scaled="0"/>
+          <a:path path="circle">
+            <a:fillToRect b="100000"/>
+          </a:path>
         </a:gradFill>
       </a:bgFillStyleLst>
     </a:fmtScheme>
@@ -3673,7 +6250,7 @@
   <a:extraClrSchemeLst/>
   <a:extLst>
     <a:ext uri="{05A4C25C-085E-4340-85A3-A5531E510DB2}">
-      <thm15:themeFamily xmlns:thm15="http://schemas.microsoft.com/office/thememl/2012/main" name="Office Theme" id="{62F939B6-93AF-4DB8-9C6B-D6C7DFDC589F}" vid="{4A3C46E8-61CC-4603-A589-7422A47A8E4A}"/>
+      <thm15:themeFamily xmlns:thm15="http://schemas.microsoft.com/office/thememl/2012/main" name="Slice" id="{0507925B-6AC9-4358-8E18-C330545D08F8}" vid="{13FEC7C6-62A9-40C4-99D2-581AACACAA2F}"/>
     </a:ext>
   </a:extLst>
 </a:theme>
